--- a/Purrsong/Spectral Clustering_190822.pptx
+++ b/Purrsong/Spectral Clustering_190822.pptx
@@ -9,8 +9,20 @@
     <p:sldId id="257" r:id="rId3"/>
     <p:sldId id="259" r:id="rId4"/>
     <p:sldId id="260" r:id="rId5"/>
-    <p:sldId id="261" r:id="rId6"/>
-    <p:sldId id="262" r:id="rId7"/>
+    <p:sldId id="263" r:id="rId6"/>
+    <p:sldId id="261" r:id="rId7"/>
+    <p:sldId id="266" r:id="rId8"/>
+    <p:sldId id="267" r:id="rId9"/>
+    <p:sldId id="268" r:id="rId10"/>
+    <p:sldId id="269" r:id="rId11"/>
+    <p:sldId id="271" r:id="rId12"/>
+    <p:sldId id="272" r:id="rId13"/>
+    <p:sldId id="273" r:id="rId14"/>
+    <p:sldId id="264" r:id="rId15"/>
+    <p:sldId id="265" r:id="rId16"/>
+    <p:sldId id="270" r:id="rId17"/>
+    <p:sldId id="274" r:id="rId18"/>
+    <p:sldId id="275" r:id="rId19"/>
   </p:sldIdLst>
   <p:sldSz cx="12192000" cy="6858000"/>
   <p:notesSz cx="6858000" cy="9144000"/>
@@ -243,7 +255,7 @@
           <a:p>
             <a:fld id="{C4ACB59C-429A-444C-97E1-705BD8041C33}" type="datetimeFigureOut">
               <a:rPr lang="ko-KR" altLang="en-US" smtClean="0"/>
-              <a:t>2019-08-22</a:t>
+              <a:t>2019-08-23</a:t>
             </a:fld>
             <a:endParaRPr lang="ko-KR" altLang="en-US"/>
           </a:p>
@@ -413,7 +425,7 @@
           <a:p>
             <a:fld id="{C4ACB59C-429A-444C-97E1-705BD8041C33}" type="datetimeFigureOut">
               <a:rPr lang="ko-KR" altLang="en-US" smtClean="0"/>
-              <a:t>2019-08-22</a:t>
+              <a:t>2019-08-23</a:t>
             </a:fld>
             <a:endParaRPr lang="ko-KR" altLang="en-US"/>
           </a:p>
@@ -593,7 +605,7 @@
           <a:p>
             <a:fld id="{C4ACB59C-429A-444C-97E1-705BD8041C33}" type="datetimeFigureOut">
               <a:rPr lang="ko-KR" altLang="en-US" smtClean="0"/>
-              <a:t>2019-08-22</a:t>
+              <a:t>2019-08-23</a:t>
             </a:fld>
             <a:endParaRPr lang="ko-KR" altLang="en-US"/>
           </a:p>
@@ -763,7 +775,7 @@
           <a:p>
             <a:fld id="{C4ACB59C-429A-444C-97E1-705BD8041C33}" type="datetimeFigureOut">
               <a:rPr lang="ko-KR" altLang="en-US" smtClean="0"/>
-              <a:t>2019-08-22</a:t>
+              <a:t>2019-08-23</a:t>
             </a:fld>
             <a:endParaRPr lang="ko-KR" altLang="en-US"/>
           </a:p>
@@ -1009,7 +1021,7 @@
           <a:p>
             <a:fld id="{C4ACB59C-429A-444C-97E1-705BD8041C33}" type="datetimeFigureOut">
               <a:rPr lang="ko-KR" altLang="en-US" smtClean="0"/>
-              <a:t>2019-08-22</a:t>
+              <a:t>2019-08-23</a:t>
             </a:fld>
             <a:endParaRPr lang="ko-KR" altLang="en-US"/>
           </a:p>
@@ -1241,7 +1253,7 @@
           <a:p>
             <a:fld id="{C4ACB59C-429A-444C-97E1-705BD8041C33}" type="datetimeFigureOut">
               <a:rPr lang="ko-KR" altLang="en-US" smtClean="0"/>
-              <a:t>2019-08-22</a:t>
+              <a:t>2019-08-23</a:t>
             </a:fld>
             <a:endParaRPr lang="ko-KR" altLang="en-US"/>
           </a:p>
@@ -1608,7 +1620,7 @@
           <a:p>
             <a:fld id="{C4ACB59C-429A-444C-97E1-705BD8041C33}" type="datetimeFigureOut">
               <a:rPr lang="ko-KR" altLang="en-US" smtClean="0"/>
-              <a:t>2019-08-22</a:t>
+              <a:t>2019-08-23</a:t>
             </a:fld>
             <a:endParaRPr lang="ko-KR" altLang="en-US"/>
           </a:p>
@@ -1726,7 +1738,7 @@
           <a:p>
             <a:fld id="{C4ACB59C-429A-444C-97E1-705BD8041C33}" type="datetimeFigureOut">
               <a:rPr lang="ko-KR" altLang="en-US" smtClean="0"/>
-              <a:t>2019-08-22</a:t>
+              <a:t>2019-08-23</a:t>
             </a:fld>
             <a:endParaRPr lang="ko-KR" altLang="en-US"/>
           </a:p>
@@ -1821,7 +1833,7 @@
           <a:p>
             <a:fld id="{C4ACB59C-429A-444C-97E1-705BD8041C33}" type="datetimeFigureOut">
               <a:rPr lang="ko-KR" altLang="en-US" smtClean="0"/>
-              <a:t>2019-08-22</a:t>
+              <a:t>2019-08-23</a:t>
             </a:fld>
             <a:endParaRPr lang="ko-KR" altLang="en-US"/>
           </a:p>
@@ -2098,7 +2110,7 @@
           <a:p>
             <a:fld id="{C4ACB59C-429A-444C-97E1-705BD8041C33}" type="datetimeFigureOut">
               <a:rPr lang="ko-KR" altLang="en-US" smtClean="0"/>
-              <a:t>2019-08-22</a:t>
+              <a:t>2019-08-23</a:t>
             </a:fld>
             <a:endParaRPr lang="ko-KR" altLang="en-US"/>
           </a:p>
@@ -2351,7 +2363,7 @@
           <a:p>
             <a:fld id="{C4ACB59C-429A-444C-97E1-705BD8041C33}" type="datetimeFigureOut">
               <a:rPr lang="ko-KR" altLang="en-US" smtClean="0"/>
-              <a:t>2019-08-22</a:t>
+              <a:t>2019-08-23</a:t>
             </a:fld>
             <a:endParaRPr lang="ko-KR" altLang="en-US"/>
           </a:p>
@@ -2564,7 +2576,7 @@
           <a:p>
             <a:fld id="{C4ACB59C-429A-444C-97E1-705BD8041C33}" type="datetimeFigureOut">
               <a:rPr lang="ko-KR" altLang="en-US" smtClean="0"/>
-              <a:t>2019-08-22</a:t>
+              <a:t>2019-08-23</a:t>
             </a:fld>
             <a:endParaRPr lang="ko-KR" altLang="en-US"/>
           </a:p>
@@ -3000,7 +3012,9 @@
           </a:solidFill>
         </p:spPr>
         <p:txBody>
-          <a:bodyPr anchor="ctr"/>
+          <a:bodyPr anchor="ctr">
+            <a:normAutofit/>
+          </a:bodyPr>
           <a:lstStyle/>
           <a:p>
             <a:r>
@@ -3009,7 +3023,15 @@
                   <a:schemeClr val="bg1"/>
                 </a:solidFill>
               </a:rPr>
-              <a:t>Spectral Clustering</a:t>
+              <a:t>Spectral </a:t>
+            </a:r>
+            <a:r>
+              <a:rPr lang="en-US" altLang="ko-KR" dirty="0" smtClean="0">
+                <a:solidFill>
+                  <a:schemeClr val="bg1"/>
+                </a:solidFill>
+              </a:rPr>
+              <a:t>Clustering</a:t>
             </a:r>
             <a:endParaRPr lang="ko-KR" altLang="en-US" dirty="0">
               <a:solidFill>
@@ -3031,8 +3053,8 @@
         </p:nvSpPr>
         <p:spPr>
           <a:xfrm>
-            <a:off x="8410898" y="4175656"/>
-            <a:ext cx="1123304" cy="527577"/>
+            <a:off x="8602661" y="3941351"/>
+            <a:ext cx="928351" cy="436014"/>
           </a:xfrm>
           <a:solidFill>
             <a:schemeClr val="accent2">
@@ -3042,19 +3064,21 @@
           </a:solidFill>
         </p:spPr>
         <p:txBody>
-          <a:bodyPr anchor="ctr"/>
+          <a:bodyPr anchor="ctr">
+            <a:normAutofit fontScale="92500"/>
+          </a:bodyPr>
           <a:lstStyle/>
           <a:p>
             <a:pPr algn="r"/>
             <a:r>
-              <a:rPr lang="ko-KR" altLang="en-US" dirty="0" smtClean="0">
+              <a:rPr lang="ko-KR" altLang="en-US" sz="2000" dirty="0" smtClean="0">
                 <a:solidFill>
                   <a:schemeClr val="bg1"/>
                 </a:solidFill>
               </a:rPr>
               <a:t>박진원</a:t>
             </a:r>
-            <a:endParaRPr lang="ko-KR" altLang="en-US" dirty="0">
+            <a:endParaRPr lang="ko-KR" altLang="en-US" sz="2000" dirty="0">
               <a:solidFill>
                 <a:schemeClr val="bg1"/>
               </a:solidFill>
@@ -3072,6 +3096,3943 @@
   <p:clrMapOvr>
     <a:masterClrMapping/>
   </p:clrMapOvr>
+</p:sld>
+</file>
+
+<file path=ppt/slides/slide10.xml><?xml version="1.0" encoding="utf-8"?>
+<p:sld xmlns:a="http://schemas.openxmlformats.org/drawingml/2006/main" xmlns:r="http://schemas.openxmlformats.org/officeDocument/2006/relationships" xmlns:p="http://schemas.openxmlformats.org/presentationml/2006/main">
+  <p:cSld>
+    <p:spTree>
+      <p:nvGrpSpPr>
+        <p:cNvPr id="1" name=""/>
+        <p:cNvGrpSpPr/>
+        <p:nvPr/>
+      </p:nvGrpSpPr>
+      <p:grpSpPr>
+        <a:xfrm>
+          <a:off x="0" y="0"/>
+          <a:ext cx="0" cy="0"/>
+          <a:chOff x="0" y="0"/>
+          <a:chExt cx="0" cy="0"/>
+        </a:xfrm>
+      </p:grpSpPr>
+      <p:sp>
+        <p:nvSpPr>
+          <p:cNvPr id="13" name="제목 1"/>
+          <p:cNvSpPr txBox="1">
+            <a:spLocks/>
+          </p:cNvSpPr>
+          <p:nvPr/>
+        </p:nvSpPr>
+        <p:spPr>
+          <a:xfrm>
+            <a:off x="504453" y="508351"/>
+            <a:ext cx="1629347" cy="472375"/>
+          </a:xfrm>
+          <a:prstGeom prst="rect">
+            <a:avLst/>
+          </a:prstGeom>
+          <a:solidFill>
+            <a:srgbClr val="B889DB"/>
+          </a:solidFill>
+        </p:spPr>
+        <p:txBody>
+          <a:bodyPr vert="horz" lIns="91440" tIns="45720" rIns="91440" bIns="45720" rtlCol="0" anchor="ctr">
+            <a:noAutofit/>
+          </a:bodyPr>
+          <a:lstStyle>
+            <a:lvl1pPr algn="ctr" defTabSz="914400" rtl="0" eaLnBrk="1" latinLnBrk="1" hangingPunct="1">
+              <a:lnSpc>
+                <a:spcPct val="90000"/>
+              </a:lnSpc>
+              <a:spcBef>
+                <a:spcPct val="0"/>
+              </a:spcBef>
+              <a:buNone/>
+              <a:defRPr sz="6000" kern="1200">
+                <a:solidFill>
+                  <a:schemeClr val="tx1"/>
+                </a:solidFill>
+                <a:latin typeface="+mj-lt"/>
+                <a:ea typeface="+mj-ea"/>
+                <a:cs typeface="+mj-cs"/>
+              </a:defRPr>
+            </a:lvl1pPr>
+          </a:lstStyle>
+          <a:p>
+            <a:r>
+              <a:rPr lang="en-US" altLang="ko-KR" sz="2400" dirty="0" smtClean="0">
+                <a:solidFill>
+                  <a:schemeClr val="bg1"/>
+                </a:solidFill>
+              </a:rPr>
+              <a:t>Graph Cut</a:t>
+            </a:r>
+            <a:endParaRPr lang="ko-KR" altLang="en-US" sz="2400" dirty="0">
+              <a:solidFill>
+                <a:schemeClr val="bg1"/>
+              </a:solidFill>
+            </a:endParaRPr>
+          </a:p>
+        </p:txBody>
+      </p:sp>
+      <p:pic>
+        <p:nvPicPr>
+          <p:cNvPr id="7170" name="Picture 2"/>
+          <p:cNvPicPr>
+            <a:picLocks noChangeAspect="1" noChangeArrowheads="1"/>
+          </p:cNvPicPr>
+          <p:nvPr/>
+        </p:nvPicPr>
+        <p:blipFill>
+          <a:blip r:embed="rId2">
+            <a:extLst>
+              <a:ext uri="{28A0092B-C50C-407E-A947-70E740481C1C}">
+                <a14:useLocalDpi xmlns:a14="http://schemas.microsoft.com/office/drawing/2010/main" val="0"/>
+              </a:ext>
+            </a:extLst>
+          </a:blip>
+          <a:srcRect/>
+          <a:stretch>
+            <a:fillRect/>
+          </a:stretch>
+        </p:blipFill>
+        <p:spPr bwMode="auto">
+          <a:xfrm>
+            <a:off x="2203528" y="1276865"/>
+            <a:ext cx="7793182" cy="4970318"/>
+          </a:xfrm>
+          <a:prstGeom prst="rect">
+            <a:avLst/>
+          </a:prstGeom>
+          <a:noFill/>
+          <a:ln w="9525">
+            <a:solidFill>
+              <a:schemeClr val="accent2">
+                <a:lumMod val="40000"/>
+                <a:lumOff val="60000"/>
+              </a:schemeClr>
+            </a:solidFill>
+            <a:miter lim="800000"/>
+            <a:headEnd/>
+            <a:tailEnd/>
+          </a:ln>
+          <a:extLst>
+            <a:ext uri="{909E8E84-426E-40DD-AFC4-6F175D3DCCD1}">
+              <a14:hiddenFill xmlns:a14="http://schemas.microsoft.com/office/drawing/2010/main">
+                <a:solidFill>
+                  <a:schemeClr val="accent1"/>
+                </a:solidFill>
+              </a14:hiddenFill>
+            </a:ext>
+          </a:extLst>
+        </p:spPr>
+      </p:pic>
+    </p:spTree>
+    <p:extLst>
+      <p:ext uri="{BB962C8B-B14F-4D97-AF65-F5344CB8AC3E}">
+        <p14:creationId xmlns:p14="http://schemas.microsoft.com/office/powerpoint/2010/main" val="993276224"/>
+      </p:ext>
+    </p:extLst>
+  </p:cSld>
+  <p:clrMapOvr>
+    <a:masterClrMapping/>
+  </p:clrMapOvr>
+  <p:timing>
+    <p:tnLst>
+      <p:par>
+        <p:cTn id="1" dur="indefinite" restart="never" nodeType="tmRoot"/>
+      </p:par>
+    </p:tnLst>
+  </p:timing>
+</p:sld>
+</file>
+
+<file path=ppt/slides/slide11.xml><?xml version="1.0" encoding="utf-8"?>
+<p:sld xmlns:a="http://schemas.openxmlformats.org/drawingml/2006/main" xmlns:r="http://schemas.openxmlformats.org/officeDocument/2006/relationships" xmlns:p="http://schemas.openxmlformats.org/presentationml/2006/main">
+  <p:cSld>
+    <p:spTree>
+      <p:nvGrpSpPr>
+        <p:cNvPr id="1" name=""/>
+        <p:cNvGrpSpPr/>
+        <p:nvPr/>
+      </p:nvGrpSpPr>
+      <p:grpSpPr>
+        <a:xfrm>
+          <a:off x="0" y="0"/>
+          <a:ext cx="0" cy="0"/>
+          <a:chOff x="0" y="0"/>
+          <a:chExt cx="0" cy="0"/>
+        </a:xfrm>
+      </p:grpSpPr>
+      <p:sp>
+        <p:nvSpPr>
+          <p:cNvPr id="13" name="제목 1"/>
+          <p:cNvSpPr txBox="1">
+            <a:spLocks/>
+          </p:cNvSpPr>
+          <p:nvPr/>
+        </p:nvSpPr>
+        <p:spPr>
+          <a:xfrm>
+            <a:off x="504453" y="508351"/>
+            <a:ext cx="1629347" cy="472375"/>
+          </a:xfrm>
+          <a:prstGeom prst="rect">
+            <a:avLst/>
+          </a:prstGeom>
+          <a:solidFill>
+            <a:srgbClr val="B889DB"/>
+          </a:solidFill>
+        </p:spPr>
+        <p:txBody>
+          <a:bodyPr vert="horz" lIns="91440" tIns="45720" rIns="91440" bIns="45720" rtlCol="0" anchor="ctr">
+            <a:noAutofit/>
+          </a:bodyPr>
+          <a:lstStyle>
+            <a:lvl1pPr algn="ctr" defTabSz="914400" rtl="0" eaLnBrk="1" latinLnBrk="1" hangingPunct="1">
+              <a:lnSpc>
+                <a:spcPct val="90000"/>
+              </a:lnSpc>
+              <a:spcBef>
+                <a:spcPct val="0"/>
+              </a:spcBef>
+              <a:buNone/>
+              <a:defRPr sz="6000" kern="1200">
+                <a:solidFill>
+                  <a:schemeClr val="tx1"/>
+                </a:solidFill>
+                <a:latin typeface="+mj-lt"/>
+                <a:ea typeface="+mj-ea"/>
+                <a:cs typeface="+mj-cs"/>
+              </a:defRPr>
+            </a:lvl1pPr>
+          </a:lstStyle>
+          <a:p>
+            <a:r>
+              <a:rPr lang="en-US" altLang="ko-KR" sz="2400" dirty="0" smtClean="0">
+                <a:solidFill>
+                  <a:schemeClr val="bg1"/>
+                </a:solidFill>
+              </a:rPr>
+              <a:t>Graph Cut</a:t>
+            </a:r>
+            <a:endParaRPr lang="ko-KR" altLang="en-US" sz="2400" dirty="0">
+              <a:solidFill>
+                <a:schemeClr val="bg1"/>
+              </a:solidFill>
+            </a:endParaRPr>
+          </a:p>
+        </p:txBody>
+      </p:sp>
+      <p:pic>
+        <p:nvPicPr>
+          <p:cNvPr id="8194" name="Picture 2"/>
+          <p:cNvPicPr>
+            <a:picLocks noChangeAspect="1" noChangeArrowheads="1"/>
+          </p:cNvPicPr>
+          <p:nvPr/>
+        </p:nvPicPr>
+        <p:blipFill>
+          <a:blip r:embed="rId2">
+            <a:extLst>
+              <a:ext uri="{28A0092B-C50C-407E-A947-70E740481C1C}">
+                <a14:useLocalDpi xmlns:a14="http://schemas.microsoft.com/office/drawing/2010/main" val="0"/>
+              </a:ext>
+            </a:extLst>
+          </a:blip>
+          <a:srcRect/>
+          <a:stretch>
+            <a:fillRect/>
+          </a:stretch>
+        </p:blipFill>
+        <p:spPr bwMode="auto">
+          <a:xfrm>
+            <a:off x="504453" y="1119966"/>
+            <a:ext cx="4554682" cy="2892138"/>
+          </a:xfrm>
+          <a:prstGeom prst="rect">
+            <a:avLst/>
+          </a:prstGeom>
+          <a:noFill/>
+          <a:ln>
+            <a:noFill/>
+          </a:ln>
+          <a:extLst>
+            <a:ext uri="{909E8E84-426E-40DD-AFC4-6F175D3DCCD1}">
+              <a14:hiddenFill xmlns:a14="http://schemas.microsoft.com/office/drawing/2010/main">
+                <a:solidFill>
+                  <a:schemeClr val="accent1"/>
+                </a:solidFill>
+              </a14:hiddenFill>
+            </a:ext>
+            <a:ext uri="{91240B29-F687-4F45-9708-019B960494DF}">
+              <a14:hiddenLine xmlns:a14="http://schemas.microsoft.com/office/drawing/2010/main" w="9525">
+                <a:solidFill>
+                  <a:schemeClr val="tx1"/>
+                </a:solidFill>
+                <a:miter lim="800000"/>
+                <a:headEnd/>
+                <a:tailEnd/>
+              </a14:hiddenLine>
+            </a:ext>
+          </a:extLst>
+        </p:spPr>
+      </p:pic>
+      <p:pic>
+        <p:nvPicPr>
+          <p:cNvPr id="8196" name="Picture 4"/>
+          <p:cNvPicPr>
+            <a:picLocks noChangeAspect="1" noChangeArrowheads="1"/>
+          </p:cNvPicPr>
+          <p:nvPr/>
+        </p:nvPicPr>
+        <p:blipFill>
+          <a:blip r:embed="rId3">
+            <a:extLst>
+              <a:ext uri="{28A0092B-C50C-407E-A947-70E740481C1C}">
+                <a14:useLocalDpi xmlns:a14="http://schemas.microsoft.com/office/drawing/2010/main" val="0"/>
+              </a:ext>
+            </a:extLst>
+          </a:blip>
+          <a:srcRect/>
+          <a:stretch>
+            <a:fillRect/>
+          </a:stretch>
+        </p:blipFill>
+        <p:spPr bwMode="auto">
+          <a:xfrm>
+            <a:off x="5350158" y="980726"/>
+            <a:ext cx="6025583" cy="5467393"/>
+          </a:xfrm>
+          <a:prstGeom prst="rect">
+            <a:avLst/>
+          </a:prstGeom>
+          <a:noFill/>
+          <a:ln w="9525">
+            <a:solidFill>
+              <a:schemeClr val="accent2">
+                <a:lumMod val="40000"/>
+                <a:lumOff val="60000"/>
+              </a:schemeClr>
+            </a:solidFill>
+            <a:miter lim="800000"/>
+            <a:headEnd/>
+            <a:tailEnd/>
+          </a:ln>
+          <a:extLst>
+            <a:ext uri="{909E8E84-426E-40DD-AFC4-6F175D3DCCD1}">
+              <a14:hiddenFill xmlns:a14="http://schemas.microsoft.com/office/drawing/2010/main">
+                <a:solidFill>
+                  <a:schemeClr val="accent1"/>
+                </a:solidFill>
+              </a14:hiddenFill>
+            </a:ext>
+          </a:extLst>
+        </p:spPr>
+      </p:pic>
+    </p:spTree>
+    <p:extLst>
+      <p:ext uri="{BB962C8B-B14F-4D97-AF65-F5344CB8AC3E}">
+        <p14:creationId xmlns:p14="http://schemas.microsoft.com/office/powerpoint/2010/main" val="1566346195"/>
+      </p:ext>
+    </p:extLst>
+  </p:cSld>
+  <p:clrMapOvr>
+    <a:masterClrMapping/>
+  </p:clrMapOvr>
+  <p:timing>
+    <p:tnLst>
+      <p:par>
+        <p:cTn id="1" dur="indefinite" restart="never" nodeType="tmRoot"/>
+      </p:par>
+    </p:tnLst>
+  </p:timing>
+</p:sld>
+</file>
+
+<file path=ppt/slides/slide12.xml><?xml version="1.0" encoding="utf-8"?>
+<p:sld xmlns:a="http://schemas.openxmlformats.org/drawingml/2006/main" xmlns:r="http://schemas.openxmlformats.org/officeDocument/2006/relationships" xmlns:p="http://schemas.openxmlformats.org/presentationml/2006/main">
+  <p:cSld>
+    <p:spTree>
+      <p:nvGrpSpPr>
+        <p:cNvPr id="1" name=""/>
+        <p:cNvGrpSpPr/>
+        <p:nvPr/>
+      </p:nvGrpSpPr>
+      <p:grpSpPr>
+        <a:xfrm>
+          <a:off x="0" y="0"/>
+          <a:ext cx="0" cy="0"/>
+          <a:chOff x="0" y="0"/>
+          <a:chExt cx="0" cy="0"/>
+        </a:xfrm>
+      </p:grpSpPr>
+      <p:sp>
+        <p:nvSpPr>
+          <p:cNvPr id="13" name="제목 1"/>
+          <p:cNvSpPr txBox="1">
+            <a:spLocks/>
+          </p:cNvSpPr>
+          <p:nvPr/>
+        </p:nvSpPr>
+        <p:spPr>
+          <a:xfrm>
+            <a:off x="504453" y="508351"/>
+            <a:ext cx="3680369" cy="472375"/>
+          </a:xfrm>
+          <a:prstGeom prst="rect">
+            <a:avLst/>
+          </a:prstGeom>
+          <a:solidFill>
+            <a:srgbClr val="B889DB"/>
+          </a:solidFill>
+        </p:spPr>
+        <p:txBody>
+          <a:bodyPr vert="horz" lIns="91440" tIns="45720" rIns="91440" bIns="45720" rtlCol="0" anchor="ctr">
+            <a:noAutofit/>
+          </a:bodyPr>
+          <a:lstStyle>
+            <a:lvl1pPr algn="ctr" defTabSz="914400" rtl="0" eaLnBrk="1" latinLnBrk="1" hangingPunct="1">
+              <a:lnSpc>
+                <a:spcPct val="90000"/>
+              </a:lnSpc>
+              <a:spcBef>
+                <a:spcPct val="0"/>
+              </a:spcBef>
+              <a:buNone/>
+              <a:defRPr sz="6000" kern="1200">
+                <a:solidFill>
+                  <a:schemeClr val="tx1"/>
+                </a:solidFill>
+                <a:latin typeface="+mj-lt"/>
+                <a:ea typeface="+mj-ea"/>
+                <a:cs typeface="+mj-cs"/>
+              </a:defRPr>
+            </a:lvl1pPr>
+          </a:lstStyle>
+          <a:p>
+            <a:r>
+              <a:rPr lang="en-US" altLang="ko-KR" sz="2400" dirty="0" smtClean="0">
+                <a:solidFill>
+                  <a:schemeClr val="bg1"/>
+                </a:solidFill>
+              </a:rPr>
+              <a:t>Eigen value, Eigen vector</a:t>
+            </a:r>
+            <a:endParaRPr lang="ko-KR" altLang="en-US" sz="2400" dirty="0">
+              <a:solidFill>
+                <a:schemeClr val="bg1"/>
+              </a:solidFill>
+            </a:endParaRPr>
+          </a:p>
+        </p:txBody>
+      </p:sp>
+      <p:grpSp>
+        <p:nvGrpSpPr>
+          <p:cNvPr id="6" name="그룹 5"/>
+          <p:cNvGrpSpPr/>
+          <p:nvPr/>
+        </p:nvGrpSpPr>
+        <p:grpSpPr>
+          <a:xfrm>
+            <a:off x="504453" y="1589909"/>
+            <a:ext cx="9764211" cy="4716237"/>
+            <a:chOff x="504453" y="1252151"/>
+            <a:chExt cx="9764211" cy="4716237"/>
+          </a:xfrm>
+        </p:grpSpPr>
+        <p:sp>
+          <p:nvSpPr>
+            <p:cNvPr id="2" name="TextBox 1"/>
+            <p:cNvSpPr txBox="1"/>
+            <p:nvPr/>
+          </p:nvSpPr>
+          <p:spPr>
+            <a:xfrm>
+              <a:off x="504453" y="1252151"/>
+              <a:ext cx="9764211" cy="683264"/>
+            </a:xfrm>
+            <a:prstGeom prst="rect">
+              <a:avLst/>
+            </a:prstGeom>
+            <a:solidFill>
+              <a:srgbClr val="FFF2CC"/>
+            </a:solidFill>
+          </p:spPr>
+          <p:txBody>
+            <a:bodyPr wrap="square" rtlCol="0">
+              <a:spAutoFit/>
+            </a:bodyPr>
+            <a:lstStyle/>
+            <a:p>
+              <a:pPr>
+                <a:lnSpc>
+                  <a:spcPct val="120000"/>
+                </a:lnSpc>
+              </a:pPr>
+              <a:r>
+                <a:rPr lang="ko-KR" altLang="en-US" sz="1600" dirty="0"/>
+                <a:t>행렬 </a:t>
+              </a:r>
+              <a:r>
+                <a:rPr lang="en-US" altLang="ko-KR" sz="1600" dirty="0"/>
+                <a:t>A</a:t>
+              </a:r>
+              <a:r>
+                <a:rPr lang="ko-KR" altLang="en-US" sz="1600" dirty="0"/>
+                <a:t>를 선형변환으로 봤을 때</a:t>
+              </a:r>
+              <a:r>
+                <a:rPr lang="en-US" altLang="ko-KR" sz="1600" dirty="0"/>
+                <a:t>, </a:t>
+              </a:r>
+              <a:r>
+                <a:rPr lang="ko-KR" altLang="en-US" sz="1600" dirty="0"/>
+                <a:t>선형변환 </a:t>
+              </a:r>
+              <a:r>
+                <a:rPr lang="en-US" altLang="ko-KR" sz="1600" dirty="0"/>
+                <a:t>A</a:t>
+              </a:r>
+              <a:r>
+                <a:rPr lang="ko-KR" altLang="en-US" sz="1600" dirty="0"/>
+                <a:t>에 의한 변환 결과가 자기 자신의 상수배가 </a:t>
+              </a:r>
+              <a:r>
+                <a:rPr lang="ko-KR" altLang="en-US" sz="1600" dirty="0" smtClean="0"/>
+                <a:t>되는 </a:t>
+              </a:r>
+              <a:r>
+                <a:rPr lang="en-US" altLang="ko-KR" sz="1600" dirty="0" smtClean="0"/>
+                <a:t>0</a:t>
+              </a:r>
+              <a:r>
+                <a:rPr lang="ko-KR" altLang="en-US" sz="1600" dirty="0"/>
+                <a:t>이 아닌 벡터를 고유벡터</a:t>
+              </a:r>
+              <a:r>
+                <a:rPr lang="en-US" altLang="ko-KR" sz="1600" dirty="0"/>
+                <a:t>(eigenvector)</a:t>
+              </a:r>
+              <a:r>
+                <a:rPr lang="ko-KR" altLang="en-US" sz="1600" dirty="0"/>
+                <a:t>라 하고 이 </a:t>
+              </a:r>
+              <a:r>
+                <a:rPr lang="ko-KR" altLang="en-US" sz="1600" dirty="0" err="1"/>
+                <a:t>상수배</a:t>
+              </a:r>
+              <a:r>
+                <a:rPr lang="ko-KR" altLang="en-US" sz="1600" dirty="0"/>
+                <a:t> 값을 </a:t>
+              </a:r>
+              <a:r>
+                <a:rPr lang="ko-KR" altLang="en-US" sz="1600" dirty="0" err="1"/>
+                <a:t>고유값</a:t>
+              </a:r>
+              <a:r>
+                <a:rPr lang="en-US" altLang="ko-KR" sz="1600" dirty="0"/>
+                <a:t>(eigenvalue)</a:t>
+              </a:r>
+              <a:r>
+                <a:rPr lang="ko-KR" altLang="en-US" sz="1600" dirty="0"/>
+                <a:t>라 한다</a:t>
+              </a:r>
+              <a:r>
+                <a:rPr lang="en-US" altLang="ko-KR" sz="1600" dirty="0"/>
+                <a:t>.</a:t>
+              </a:r>
+              <a:endParaRPr lang="ko-KR" altLang="en-US" sz="1600" dirty="0"/>
+            </a:p>
+          </p:txBody>
+        </p:sp>
+        <p:sp>
+          <p:nvSpPr>
+            <p:cNvPr id="3" name="직사각형 2"/>
+            <p:cNvSpPr/>
+            <p:nvPr/>
+          </p:nvSpPr>
+          <p:spPr>
+            <a:xfrm>
+              <a:off x="504453" y="2011742"/>
+              <a:ext cx="9764211" cy="683264"/>
+            </a:xfrm>
+            <a:prstGeom prst="rect">
+              <a:avLst/>
+            </a:prstGeom>
+            <a:solidFill>
+              <a:srgbClr val="FFF2CC"/>
+            </a:solidFill>
+          </p:spPr>
+          <p:txBody>
+            <a:bodyPr wrap="square">
+              <a:spAutoFit/>
+            </a:bodyPr>
+            <a:lstStyle/>
+            <a:p>
+              <a:pPr>
+                <a:lnSpc>
+                  <a:spcPct val="120000"/>
+                </a:lnSpc>
+              </a:pPr>
+              <a:r>
+                <a:rPr lang="ko-KR" altLang="en-US" sz="1600" dirty="0"/>
+                <a:t>즉</a:t>
+              </a:r>
+              <a:r>
+                <a:rPr lang="en-US" altLang="ko-KR" sz="1600" dirty="0"/>
+                <a:t>, n x n </a:t>
+              </a:r>
+              <a:r>
+                <a:rPr lang="ko-KR" altLang="en-US" sz="1600" dirty="0"/>
+                <a:t>정방행렬</a:t>
+              </a:r>
+              <a:r>
+                <a:rPr lang="en-US" altLang="ko-KR" sz="1600" dirty="0"/>
+                <a:t>(</a:t>
+              </a:r>
+              <a:r>
+                <a:rPr lang="ko-KR" altLang="en-US" sz="1600" dirty="0" err="1"/>
+                <a:t>고유값</a:t>
+              </a:r>
+              <a:r>
+                <a:rPr lang="en-US" altLang="ko-KR" sz="1600" dirty="0"/>
+                <a:t>, </a:t>
+              </a:r>
+              <a:r>
+                <a:rPr lang="ko-KR" altLang="en-US" sz="1600" dirty="0"/>
+                <a:t>고유벡터는 정방행렬에 대해서만 정의된다</a:t>
+              </a:r>
+              <a:r>
+                <a:rPr lang="en-US" altLang="ko-KR" sz="1600" dirty="0"/>
+                <a:t>) A</a:t>
+              </a:r>
+              <a:r>
+                <a:rPr lang="ko-KR" altLang="en-US" sz="1600" dirty="0"/>
+                <a:t>에 대해 </a:t>
+              </a:r>
+              <a:r>
+                <a:rPr lang="en-US" altLang="ko-KR" sz="1600" dirty="0"/>
+                <a:t>A</a:t>
+              </a:r>
+              <a:r>
+                <a:rPr lang="en-US" altLang="ko-KR" sz="1600" b="1" dirty="0"/>
+                <a:t>v</a:t>
+              </a:r>
+              <a:r>
+                <a:rPr lang="ko-KR" altLang="en-US" sz="1600" dirty="0"/>
+                <a:t> </a:t>
+              </a:r>
+              <a:r>
+                <a:rPr lang="en-US" altLang="ko-KR" sz="1600" dirty="0"/>
+                <a:t>= </a:t>
+              </a:r>
+              <a:r>
+                <a:rPr lang="en-US" altLang="ko-KR" sz="1600" dirty="0" err="1"/>
+                <a:t>λ</a:t>
+              </a:r>
+              <a:r>
+                <a:rPr lang="en-US" altLang="ko-KR" sz="1600" b="1" dirty="0" err="1"/>
+                <a:t>v</a:t>
+              </a:r>
+              <a:r>
+                <a:rPr lang="ko-KR" altLang="en-US" sz="1600" dirty="0"/>
+                <a:t>를 만족하는 </a:t>
+              </a:r>
+              <a:r>
+                <a:rPr lang="en-US" altLang="ko-KR" sz="1600" dirty="0"/>
+                <a:t>0</a:t>
+              </a:r>
+              <a:r>
+                <a:rPr lang="ko-KR" altLang="en-US" sz="1600" dirty="0"/>
+                <a:t>이 아닌 </a:t>
+              </a:r>
+              <a:r>
+                <a:rPr lang="ko-KR" altLang="en-US" sz="1600" dirty="0" err="1"/>
+                <a:t>열벡터</a:t>
+              </a:r>
+              <a:r>
+                <a:rPr lang="ko-KR" altLang="en-US" sz="1600" dirty="0"/>
+                <a:t> </a:t>
+              </a:r>
+              <a:r>
+                <a:rPr lang="en-US" altLang="ko-KR" sz="1600" b="1" dirty="0"/>
+                <a:t>v</a:t>
+              </a:r>
+              <a:r>
+                <a:rPr lang="ko-KR" altLang="en-US" sz="1600" dirty="0"/>
+                <a:t>를 고유벡터</a:t>
+              </a:r>
+              <a:r>
+                <a:rPr lang="en-US" altLang="ko-KR" sz="1600" dirty="0"/>
+                <a:t>, </a:t>
+              </a:r>
+              <a:r>
+                <a:rPr lang="ko-KR" altLang="en-US" sz="1600" dirty="0"/>
+                <a:t>상수 </a:t>
+              </a:r>
+              <a:r>
+                <a:rPr lang="en-US" altLang="ko-KR" sz="1600" dirty="0"/>
+                <a:t>λ</a:t>
+              </a:r>
+              <a:r>
+                <a:rPr lang="ko-KR" altLang="en-US" sz="1600" dirty="0"/>
+                <a:t>를 </a:t>
+              </a:r>
+              <a:r>
+                <a:rPr lang="ko-KR" altLang="en-US" sz="1600" dirty="0" err="1"/>
+                <a:t>고유값이라</a:t>
+              </a:r>
+              <a:r>
+                <a:rPr lang="ko-KR" altLang="en-US" sz="1600" dirty="0"/>
+                <a:t> 정의한다</a:t>
+              </a:r>
+              <a:r>
+                <a:rPr lang="en-US" altLang="ko-KR" sz="1600" dirty="0"/>
+                <a:t>.</a:t>
+              </a:r>
+              <a:endParaRPr lang="ko-KR" altLang="en-US" sz="1600" dirty="0"/>
+            </a:p>
+          </p:txBody>
+        </p:sp>
+        <p:pic>
+          <p:nvPicPr>
+            <p:cNvPr id="9219" name="Picture 3"/>
+            <p:cNvPicPr>
+              <a:picLocks noChangeAspect="1" noChangeArrowheads="1"/>
+            </p:cNvPicPr>
+            <p:nvPr/>
+          </p:nvPicPr>
+          <p:blipFill>
+            <a:blip r:embed="rId2">
+              <a:extLst>
+                <a:ext uri="{28A0092B-C50C-407E-A947-70E740481C1C}">
+                  <a14:useLocalDpi xmlns:a14="http://schemas.microsoft.com/office/drawing/2010/main" val="0"/>
+                </a:ext>
+              </a:extLst>
+            </a:blip>
+            <a:srcRect/>
+            <a:stretch>
+              <a:fillRect/>
+            </a:stretch>
+          </p:blipFill>
+          <p:spPr bwMode="auto">
+            <a:xfrm>
+              <a:off x="3390638" y="2729111"/>
+              <a:ext cx="3991841" cy="1930977"/>
+            </a:xfrm>
+            <a:prstGeom prst="rect">
+              <a:avLst/>
+            </a:prstGeom>
+            <a:noFill/>
+            <a:ln>
+              <a:noFill/>
+            </a:ln>
+            <a:extLst>
+              <a:ext uri="{909E8E84-426E-40DD-AFC4-6F175D3DCCD1}">
+                <a14:hiddenFill xmlns:a14="http://schemas.microsoft.com/office/drawing/2010/main">
+                  <a:solidFill>
+                    <a:schemeClr val="accent1"/>
+                  </a:solidFill>
+                </a14:hiddenFill>
+              </a:ext>
+              <a:ext uri="{91240B29-F687-4F45-9708-019B960494DF}">
+                <a14:hiddenLine xmlns:a14="http://schemas.microsoft.com/office/drawing/2010/main" w="9525">
+                  <a:solidFill>
+                    <a:schemeClr val="tx1"/>
+                  </a:solidFill>
+                  <a:miter lim="800000"/>
+                  <a:headEnd/>
+                  <a:tailEnd/>
+                </a14:hiddenLine>
+              </a:ext>
+            </a:extLst>
+          </p:spPr>
+        </p:pic>
+        <p:sp>
+          <p:nvSpPr>
+            <p:cNvPr id="4" name="직사각형 3"/>
+            <p:cNvSpPr/>
+            <p:nvPr/>
+          </p:nvSpPr>
+          <p:spPr>
+            <a:xfrm>
+              <a:off x="504453" y="4694193"/>
+              <a:ext cx="9764211" cy="1274195"/>
+            </a:xfrm>
+            <a:prstGeom prst="rect">
+              <a:avLst/>
+            </a:prstGeom>
+            <a:solidFill>
+              <a:srgbClr val="FFF2CC"/>
+            </a:solidFill>
+          </p:spPr>
+          <p:txBody>
+            <a:bodyPr wrap="square">
+              <a:spAutoFit/>
+            </a:bodyPr>
+            <a:lstStyle/>
+            <a:p>
+              <a:pPr>
+                <a:lnSpc>
+                  <a:spcPct val="120000"/>
+                </a:lnSpc>
+              </a:pPr>
+              <a:r>
+                <a:rPr lang="ko-KR" altLang="en-US" sz="1600" dirty="0"/>
+                <a:t>좀더 정확한 용어로는 </a:t>
+              </a:r>
+              <a:r>
+                <a:rPr lang="en-US" altLang="ko-KR" sz="1600" dirty="0"/>
+                <a:t>λ</a:t>
+              </a:r>
+              <a:r>
+                <a:rPr lang="ko-KR" altLang="en-US" sz="1600" dirty="0"/>
+                <a:t>는 </a:t>
+              </a:r>
+              <a:r>
+                <a:rPr lang="en-US" altLang="ko-KR" sz="1600" dirty="0"/>
+                <a:t>'</a:t>
+              </a:r>
+              <a:r>
+                <a:rPr lang="ko-KR" altLang="en-US" sz="1600" dirty="0"/>
+                <a:t>행렬 </a:t>
+              </a:r>
+              <a:r>
+                <a:rPr lang="en-US" altLang="ko-KR" sz="1600" dirty="0"/>
+                <a:t>A</a:t>
+              </a:r>
+              <a:r>
+                <a:rPr lang="ko-KR" altLang="en-US" sz="1600" dirty="0"/>
+                <a:t>의 </a:t>
+              </a:r>
+              <a:r>
+                <a:rPr lang="ko-KR" altLang="en-US" sz="1600" dirty="0" err="1"/>
+                <a:t>고유값</a:t>
+              </a:r>
+              <a:r>
+                <a:rPr lang="en-US" altLang="ko-KR" sz="1600" dirty="0"/>
+                <a:t>', </a:t>
+              </a:r>
+              <a:r>
+                <a:rPr lang="en-US" altLang="ko-KR" sz="1600" b="1" dirty="0"/>
+                <a:t>v</a:t>
+              </a:r>
+              <a:r>
+                <a:rPr lang="ko-KR" altLang="en-US" sz="1600" dirty="0"/>
+                <a:t>는 </a:t>
+              </a:r>
+              <a:r>
+                <a:rPr lang="en-US" altLang="ko-KR" sz="1600" dirty="0"/>
+                <a:t>'</a:t>
+              </a:r>
+              <a:r>
+                <a:rPr lang="ko-KR" altLang="en-US" sz="1600" dirty="0"/>
+                <a:t>행렬 </a:t>
+              </a:r>
+              <a:r>
+                <a:rPr lang="en-US" altLang="ko-KR" sz="1600" dirty="0"/>
+                <a:t>A</a:t>
+              </a:r>
+              <a:r>
+                <a:rPr lang="ko-KR" altLang="en-US" sz="1600" dirty="0"/>
+                <a:t>의 </a:t>
+              </a:r>
+              <a:r>
+                <a:rPr lang="en-US" altLang="ko-KR" sz="1600" dirty="0"/>
+                <a:t>λ</a:t>
+              </a:r>
+              <a:r>
+                <a:rPr lang="ko-KR" altLang="en-US" sz="1600" dirty="0"/>
+                <a:t>에 대한 고유벡터</a:t>
+              </a:r>
+              <a:r>
+                <a:rPr lang="en-US" altLang="ko-KR" sz="1600" dirty="0"/>
+                <a:t>'</a:t>
+              </a:r>
+              <a:r>
+                <a:rPr lang="ko-KR" altLang="en-US" sz="1600" dirty="0"/>
+                <a:t>이다</a:t>
+              </a:r>
+              <a:r>
+                <a:rPr lang="en-US" altLang="ko-KR" sz="1600" dirty="0"/>
+                <a:t>.</a:t>
+              </a:r>
+            </a:p>
+            <a:p>
+              <a:pPr>
+                <a:lnSpc>
+                  <a:spcPct val="120000"/>
+                </a:lnSpc>
+              </a:pPr>
+              <a:endParaRPr lang="en-US" altLang="ko-KR" sz="1600" dirty="0"/>
+            </a:p>
+            <a:p>
+              <a:pPr>
+                <a:lnSpc>
+                  <a:spcPct val="120000"/>
+                </a:lnSpc>
+              </a:pPr>
+              <a:r>
+                <a:rPr lang="ko-KR" altLang="en-US" sz="1600" dirty="0"/>
+                <a:t>즉</a:t>
+              </a:r>
+              <a:r>
+                <a:rPr lang="en-US" altLang="ko-KR" sz="1600" dirty="0"/>
+                <a:t>, </a:t>
+              </a:r>
+              <a:r>
+                <a:rPr lang="ko-KR" altLang="en-US" sz="1600" dirty="0" err="1"/>
+                <a:t>고유값과</a:t>
+              </a:r>
+              <a:r>
+                <a:rPr lang="ko-KR" altLang="en-US" sz="1600" dirty="0"/>
+                <a:t> 고유벡터는 행렬에 따라 정의되는 값으로서 어떤 행렬은 이러한 </a:t>
+              </a:r>
+              <a:r>
+                <a:rPr lang="ko-KR" altLang="en-US" sz="1600" dirty="0" err="1"/>
+                <a:t>고유값</a:t>
+              </a:r>
+              <a:r>
+                <a:rPr lang="en-US" altLang="ko-KR" sz="1600" dirty="0"/>
+                <a:t>-</a:t>
+              </a:r>
+              <a:r>
+                <a:rPr lang="ko-KR" altLang="en-US" sz="1600" dirty="0"/>
+                <a:t>고유벡터가 </a:t>
+              </a:r>
+              <a:r>
+                <a:rPr lang="ko-KR" altLang="en-US" sz="1600" dirty="0" err="1"/>
+                <a:t>아에</a:t>
+              </a:r>
+              <a:r>
+                <a:rPr lang="ko-KR" altLang="en-US" sz="1600" dirty="0"/>
+                <a:t> 존재하지 </a:t>
+              </a:r>
+              <a:r>
+                <a:rPr lang="ko-KR" altLang="en-US" sz="1600" dirty="0" err="1"/>
+                <a:t>않을수도</a:t>
+              </a:r>
+              <a:r>
+                <a:rPr lang="ko-KR" altLang="en-US" sz="1600" dirty="0"/>
+                <a:t> 있고 어떤 행렬은 하나만 존재하거나 또는 최대 </a:t>
+              </a:r>
+              <a:r>
+                <a:rPr lang="en-US" altLang="ko-KR" sz="1600" dirty="0"/>
+                <a:t>n</a:t>
+              </a:r>
+              <a:r>
+                <a:rPr lang="ko-KR" altLang="en-US" sz="1600" dirty="0"/>
+                <a:t>개까지 존재할 수 있다</a:t>
+              </a:r>
+              <a:r>
+                <a:rPr lang="en-US" altLang="ko-KR" sz="1600" dirty="0"/>
+                <a:t>.</a:t>
+              </a:r>
+            </a:p>
+          </p:txBody>
+        </p:sp>
+      </p:grpSp>
+      <p:sp>
+        <p:nvSpPr>
+          <p:cNvPr id="12" name="TextBox 11"/>
+          <p:cNvSpPr txBox="1"/>
+          <p:nvPr/>
+        </p:nvSpPr>
+        <p:spPr>
+          <a:xfrm>
+            <a:off x="504453" y="1186245"/>
+            <a:ext cx="646331" cy="369332"/>
+          </a:xfrm>
+          <a:prstGeom prst="rect">
+            <a:avLst/>
+          </a:prstGeom>
+          <a:solidFill>
+            <a:schemeClr val="accent1">
+              <a:lumMod val="60000"/>
+              <a:lumOff val="40000"/>
+            </a:schemeClr>
+          </a:solidFill>
+        </p:spPr>
+        <p:txBody>
+          <a:bodyPr wrap="none" rtlCol="0">
+            <a:spAutoFit/>
+          </a:bodyPr>
+          <a:lstStyle/>
+          <a:p>
+            <a:r>
+              <a:rPr lang="ko-KR" altLang="en-US" dirty="0" smtClean="0">
+                <a:solidFill>
+                  <a:schemeClr val="bg1"/>
+                </a:solidFill>
+              </a:rPr>
+              <a:t>정의</a:t>
+            </a:r>
+            <a:endParaRPr lang="ko-KR" altLang="en-US" dirty="0">
+              <a:solidFill>
+                <a:schemeClr val="bg1"/>
+              </a:solidFill>
+            </a:endParaRPr>
+          </a:p>
+        </p:txBody>
+      </p:sp>
+    </p:spTree>
+    <p:extLst>
+      <p:ext uri="{BB962C8B-B14F-4D97-AF65-F5344CB8AC3E}">
+        <p14:creationId xmlns:p14="http://schemas.microsoft.com/office/powerpoint/2010/main" val="3411476941"/>
+      </p:ext>
+    </p:extLst>
+  </p:cSld>
+  <p:clrMapOvr>
+    <a:masterClrMapping/>
+  </p:clrMapOvr>
+  <p:timing>
+    <p:tnLst>
+      <p:par>
+        <p:cTn id="1" dur="indefinite" restart="never" nodeType="tmRoot"/>
+      </p:par>
+    </p:tnLst>
+  </p:timing>
+</p:sld>
+</file>
+
+<file path=ppt/slides/slide13.xml><?xml version="1.0" encoding="utf-8"?>
+<p:sld xmlns:a="http://schemas.openxmlformats.org/drawingml/2006/main" xmlns:r="http://schemas.openxmlformats.org/officeDocument/2006/relationships" xmlns:p="http://schemas.openxmlformats.org/presentationml/2006/main">
+  <p:cSld>
+    <p:spTree>
+      <p:nvGrpSpPr>
+        <p:cNvPr id="1" name=""/>
+        <p:cNvGrpSpPr/>
+        <p:nvPr/>
+      </p:nvGrpSpPr>
+      <p:grpSpPr>
+        <a:xfrm>
+          <a:off x="0" y="0"/>
+          <a:ext cx="0" cy="0"/>
+          <a:chOff x="0" y="0"/>
+          <a:chExt cx="0" cy="0"/>
+        </a:xfrm>
+      </p:grpSpPr>
+      <p:sp>
+        <p:nvSpPr>
+          <p:cNvPr id="13" name="제목 1"/>
+          <p:cNvSpPr txBox="1">
+            <a:spLocks/>
+          </p:cNvSpPr>
+          <p:nvPr/>
+        </p:nvSpPr>
+        <p:spPr>
+          <a:xfrm>
+            <a:off x="504453" y="508351"/>
+            <a:ext cx="3680369" cy="472375"/>
+          </a:xfrm>
+          <a:prstGeom prst="rect">
+            <a:avLst/>
+          </a:prstGeom>
+          <a:solidFill>
+            <a:srgbClr val="B889DB"/>
+          </a:solidFill>
+        </p:spPr>
+        <p:txBody>
+          <a:bodyPr vert="horz" lIns="91440" tIns="45720" rIns="91440" bIns="45720" rtlCol="0" anchor="ctr">
+            <a:noAutofit/>
+          </a:bodyPr>
+          <a:lstStyle>
+            <a:lvl1pPr algn="ctr" defTabSz="914400" rtl="0" eaLnBrk="1" latinLnBrk="1" hangingPunct="1">
+              <a:lnSpc>
+                <a:spcPct val="90000"/>
+              </a:lnSpc>
+              <a:spcBef>
+                <a:spcPct val="0"/>
+              </a:spcBef>
+              <a:buNone/>
+              <a:defRPr sz="6000" kern="1200">
+                <a:solidFill>
+                  <a:schemeClr val="tx1"/>
+                </a:solidFill>
+                <a:latin typeface="+mj-lt"/>
+                <a:ea typeface="+mj-ea"/>
+                <a:cs typeface="+mj-cs"/>
+              </a:defRPr>
+            </a:lvl1pPr>
+          </a:lstStyle>
+          <a:p>
+            <a:r>
+              <a:rPr lang="en-US" altLang="ko-KR" sz="2400" dirty="0" smtClean="0">
+                <a:solidFill>
+                  <a:schemeClr val="bg1"/>
+                </a:solidFill>
+              </a:rPr>
+              <a:t>Eigen value, Eigen vector</a:t>
+            </a:r>
+            <a:endParaRPr lang="ko-KR" altLang="en-US" sz="2400" dirty="0">
+              <a:solidFill>
+                <a:schemeClr val="bg1"/>
+              </a:solidFill>
+            </a:endParaRPr>
+          </a:p>
+        </p:txBody>
+      </p:sp>
+      <p:pic>
+        <p:nvPicPr>
+          <p:cNvPr id="11266" name="Picture 2"/>
+          <p:cNvPicPr>
+            <a:picLocks noChangeAspect="1" noChangeArrowheads="1"/>
+          </p:cNvPicPr>
+          <p:nvPr/>
+        </p:nvPicPr>
+        <p:blipFill>
+          <a:blip r:embed="rId2">
+            <a:extLst>
+              <a:ext uri="{28A0092B-C50C-407E-A947-70E740481C1C}">
+                <a14:useLocalDpi xmlns:a14="http://schemas.microsoft.com/office/drawing/2010/main" val="0"/>
+              </a:ext>
+            </a:extLst>
+          </a:blip>
+          <a:srcRect/>
+          <a:stretch>
+            <a:fillRect/>
+          </a:stretch>
+        </p:blipFill>
+        <p:spPr bwMode="auto">
+          <a:xfrm>
+            <a:off x="504453" y="1688037"/>
+            <a:ext cx="5069168" cy="4205264"/>
+          </a:xfrm>
+          <a:prstGeom prst="rect">
+            <a:avLst/>
+          </a:prstGeom>
+          <a:noFill/>
+          <a:ln w="9525">
+            <a:solidFill>
+              <a:schemeClr val="accent2">
+                <a:lumMod val="40000"/>
+                <a:lumOff val="60000"/>
+              </a:schemeClr>
+            </a:solidFill>
+            <a:miter lim="800000"/>
+            <a:headEnd/>
+            <a:tailEnd/>
+          </a:ln>
+          <a:extLst>
+            <a:ext uri="{909E8E84-426E-40DD-AFC4-6F175D3DCCD1}">
+              <a14:hiddenFill xmlns:a14="http://schemas.microsoft.com/office/drawing/2010/main">
+                <a:solidFill>
+                  <a:schemeClr val="accent1"/>
+                </a:solidFill>
+              </a14:hiddenFill>
+            </a:ext>
+          </a:extLst>
+        </p:spPr>
+      </p:pic>
+      <p:sp>
+        <p:nvSpPr>
+          <p:cNvPr id="9" name="TextBox 8"/>
+          <p:cNvSpPr txBox="1"/>
+          <p:nvPr/>
+        </p:nvSpPr>
+        <p:spPr>
+          <a:xfrm>
+            <a:off x="504453" y="1186245"/>
+            <a:ext cx="1651414" cy="369332"/>
+          </a:xfrm>
+          <a:prstGeom prst="rect">
+            <a:avLst/>
+          </a:prstGeom>
+          <a:solidFill>
+            <a:schemeClr val="accent1">
+              <a:lumMod val="60000"/>
+              <a:lumOff val="40000"/>
+            </a:schemeClr>
+          </a:solidFill>
+        </p:spPr>
+        <p:txBody>
+          <a:bodyPr wrap="none" rtlCol="0">
+            <a:spAutoFit/>
+          </a:bodyPr>
+          <a:lstStyle/>
+          <a:p>
+            <a:r>
+              <a:rPr lang="ko-KR" altLang="en-US" dirty="0">
+                <a:solidFill>
+                  <a:schemeClr val="bg1"/>
+                </a:solidFill>
+              </a:rPr>
+              <a:t>기하학적 </a:t>
+            </a:r>
+            <a:r>
+              <a:rPr lang="ko-KR" altLang="en-US" dirty="0" smtClean="0">
+                <a:solidFill>
+                  <a:schemeClr val="bg1"/>
+                </a:solidFill>
+              </a:rPr>
+              <a:t>의미</a:t>
+            </a:r>
+            <a:endParaRPr lang="ko-KR" altLang="en-US" dirty="0">
+              <a:solidFill>
+                <a:schemeClr val="bg1"/>
+              </a:solidFill>
+            </a:endParaRPr>
+          </a:p>
+        </p:txBody>
+      </p:sp>
+      <p:sp>
+        <p:nvSpPr>
+          <p:cNvPr id="11" name="TextBox 10"/>
+          <p:cNvSpPr txBox="1"/>
+          <p:nvPr/>
+        </p:nvSpPr>
+        <p:spPr>
+          <a:xfrm>
+            <a:off x="5776670" y="1186245"/>
+            <a:ext cx="1420582" cy="369332"/>
+          </a:xfrm>
+          <a:prstGeom prst="rect">
+            <a:avLst/>
+          </a:prstGeom>
+          <a:solidFill>
+            <a:schemeClr val="accent1">
+              <a:lumMod val="60000"/>
+              <a:lumOff val="40000"/>
+            </a:schemeClr>
+          </a:solidFill>
+        </p:spPr>
+        <p:txBody>
+          <a:bodyPr wrap="none" rtlCol="0">
+            <a:spAutoFit/>
+          </a:bodyPr>
+          <a:lstStyle/>
+          <a:p>
+            <a:r>
+              <a:rPr lang="ko-KR" altLang="en-US" dirty="0" smtClean="0">
+                <a:solidFill>
+                  <a:schemeClr val="bg1"/>
+                </a:solidFill>
+              </a:rPr>
+              <a:t>직관적 의미</a:t>
+            </a:r>
+            <a:endParaRPr lang="ko-KR" altLang="en-US" dirty="0">
+              <a:solidFill>
+                <a:schemeClr val="bg1"/>
+              </a:solidFill>
+            </a:endParaRPr>
+          </a:p>
+        </p:txBody>
+      </p:sp>
+      <p:sp>
+        <p:nvSpPr>
+          <p:cNvPr id="7" name="TextBox 6"/>
+          <p:cNvSpPr txBox="1"/>
+          <p:nvPr/>
+        </p:nvSpPr>
+        <p:spPr>
+          <a:xfrm>
+            <a:off x="5801335" y="1688037"/>
+            <a:ext cx="5769283" cy="4205264"/>
+          </a:xfrm>
+          <a:prstGeom prst="rect">
+            <a:avLst/>
+          </a:prstGeom>
+          <a:solidFill>
+            <a:srgbClr val="FFF2CC"/>
+          </a:solidFill>
+        </p:spPr>
+        <p:txBody>
+          <a:bodyPr wrap="square" rtlCol="0">
+            <a:spAutoFit/>
+          </a:bodyPr>
+          <a:lstStyle/>
+          <a:p>
+            <a:pPr marL="285750" indent="-285750">
+              <a:lnSpc>
+                <a:spcPct val="150000"/>
+              </a:lnSpc>
+              <a:buFont typeface="Arial" panose="020B0604020202020204" pitchFamily="34" charset="0"/>
+              <a:buChar char="•"/>
+            </a:pPr>
+            <a:r>
+              <a:rPr lang="ko-KR" altLang="en-US" dirty="0" smtClean="0"/>
+              <a:t>어떤 행렬의 </a:t>
+            </a:r>
+            <a:r>
+              <a:rPr lang="ko-KR" altLang="en-US" dirty="0" err="1" smtClean="0"/>
+              <a:t>고유값과</a:t>
+            </a:r>
+            <a:r>
+              <a:rPr lang="ko-KR" altLang="en-US" dirty="0" smtClean="0"/>
+              <a:t> 고유벡터는 그 행렬의 매우 중요한</a:t>
+            </a:r>
+            <a:r>
+              <a:rPr lang="en-US" altLang="ko-KR" dirty="0"/>
+              <a:t> </a:t>
+            </a:r>
+            <a:r>
+              <a:rPr lang="ko-KR" altLang="en-US" dirty="0" smtClean="0"/>
+              <a:t>정보를 담고 있다</a:t>
+            </a:r>
+            <a:r>
+              <a:rPr lang="en-US" altLang="ko-KR" dirty="0" smtClean="0"/>
+              <a:t>. </a:t>
+            </a:r>
+            <a:r>
+              <a:rPr lang="ko-KR" altLang="en-US" dirty="0" smtClean="0"/>
+              <a:t>임의의 벡터를 어느 방향으로 얼마만큼 변화시키는지</a:t>
+            </a:r>
+            <a:r>
+              <a:rPr lang="en-US" altLang="ko-KR" dirty="0" smtClean="0"/>
+              <a:t>, </a:t>
+            </a:r>
+            <a:r>
+              <a:rPr lang="ko-KR" altLang="en-US" dirty="0" smtClean="0"/>
+              <a:t>변환과정에서 변화 없이 유지되는 부분은 어느 부분인지 등이다</a:t>
+            </a:r>
+            <a:r>
+              <a:rPr lang="en-US" altLang="ko-KR" dirty="0" smtClean="0"/>
+              <a:t>. </a:t>
+            </a:r>
+          </a:p>
+          <a:p>
+            <a:pPr marL="285750" indent="-285750">
+              <a:lnSpc>
+                <a:spcPct val="150000"/>
+              </a:lnSpc>
+              <a:buFont typeface="Arial" panose="020B0604020202020204" pitchFamily="34" charset="0"/>
+              <a:buChar char="•"/>
+            </a:pPr>
+            <a:endParaRPr lang="en-US" altLang="ko-KR" dirty="0"/>
+          </a:p>
+          <a:p>
+            <a:pPr marL="285750" indent="-285750">
+              <a:lnSpc>
+                <a:spcPct val="150000"/>
+              </a:lnSpc>
+              <a:buFont typeface="Arial" panose="020B0604020202020204" pitchFamily="34" charset="0"/>
+              <a:buChar char="•"/>
+            </a:pPr>
+            <a:r>
+              <a:rPr lang="ko-KR" altLang="en-US" dirty="0" smtClean="0"/>
+              <a:t>예를 들어</a:t>
+            </a:r>
+            <a:r>
+              <a:rPr lang="en-US" altLang="ko-KR" dirty="0" smtClean="0"/>
+              <a:t>, </a:t>
+            </a:r>
+            <a:r>
+              <a:rPr lang="ko-KR" altLang="en-US" dirty="0" smtClean="0"/>
+              <a:t>실제 응용단계에서 어떤 물체나 영상 등을 변환시키는 데</a:t>
+            </a:r>
+            <a:r>
+              <a:rPr lang="en-US" altLang="ko-KR" dirty="0" smtClean="0"/>
+              <a:t>, </a:t>
+            </a:r>
+            <a:r>
+              <a:rPr lang="ko-KR" altLang="en-US" dirty="0" smtClean="0"/>
+              <a:t>이러한 영상이나 </a:t>
+            </a:r>
+            <a:r>
+              <a:rPr lang="ko-KR" altLang="en-US" dirty="0" err="1" smtClean="0"/>
+              <a:t>물체등은</a:t>
+            </a:r>
+            <a:r>
+              <a:rPr lang="ko-KR" altLang="en-US" dirty="0" smtClean="0"/>
+              <a:t> 무수히 많은 벡터들의 뭉치라고 할 수 있다</a:t>
+            </a:r>
+            <a:r>
+              <a:rPr lang="en-US" altLang="ko-KR" dirty="0" smtClean="0"/>
+              <a:t>. </a:t>
+            </a:r>
+            <a:r>
+              <a:rPr lang="ko-KR" altLang="en-US" dirty="0" smtClean="0"/>
+              <a:t>따라서 영상이나 물체가 어떤 식으로 변환되고 중심축은 어디인지 등에 관한 중요한 정보들을 파악할 수 있다</a:t>
+            </a:r>
+            <a:r>
+              <a:rPr lang="en-US" altLang="ko-KR" dirty="0" smtClean="0"/>
+              <a:t>.</a:t>
+            </a:r>
+          </a:p>
+        </p:txBody>
+      </p:sp>
+    </p:spTree>
+    <p:extLst>
+      <p:ext uri="{BB962C8B-B14F-4D97-AF65-F5344CB8AC3E}">
+        <p14:creationId xmlns:p14="http://schemas.microsoft.com/office/powerpoint/2010/main" val="4240634093"/>
+      </p:ext>
+    </p:extLst>
+  </p:cSld>
+  <p:clrMapOvr>
+    <a:masterClrMapping/>
+  </p:clrMapOvr>
+  <p:timing>
+    <p:tnLst>
+      <p:par>
+        <p:cTn id="1" dur="indefinite" restart="never" nodeType="tmRoot"/>
+      </p:par>
+    </p:tnLst>
+  </p:timing>
+</p:sld>
+</file>
+
+<file path=ppt/slides/slide14.xml><?xml version="1.0" encoding="utf-8"?>
+<p:sld xmlns:a="http://schemas.openxmlformats.org/drawingml/2006/main" xmlns:r="http://schemas.openxmlformats.org/officeDocument/2006/relationships" xmlns:p="http://schemas.openxmlformats.org/presentationml/2006/main">
+  <p:cSld>
+    <p:spTree>
+      <p:nvGrpSpPr>
+        <p:cNvPr id="1" name=""/>
+        <p:cNvGrpSpPr/>
+        <p:nvPr/>
+      </p:nvGrpSpPr>
+      <p:grpSpPr>
+        <a:xfrm>
+          <a:off x="0" y="0"/>
+          <a:ext cx="0" cy="0"/>
+          <a:chOff x="0" y="0"/>
+          <a:chExt cx="0" cy="0"/>
+        </a:xfrm>
+      </p:grpSpPr>
+      <p:sp>
+        <p:nvSpPr>
+          <p:cNvPr id="2" name="제목 1"/>
+          <p:cNvSpPr>
+            <a:spLocks noGrp="1"/>
+          </p:cNvSpPr>
+          <p:nvPr>
+            <p:ph type="ctrTitle"/>
+          </p:nvPr>
+        </p:nvSpPr>
+        <p:spPr>
+          <a:xfrm>
+            <a:off x="504453" y="508351"/>
+            <a:ext cx="1390249" cy="472375"/>
+          </a:xfrm>
+          <a:solidFill>
+            <a:srgbClr val="B889DB"/>
+          </a:solidFill>
+        </p:spPr>
+        <p:txBody>
+          <a:bodyPr anchor="ctr">
+            <a:noAutofit/>
+          </a:bodyPr>
+          <a:lstStyle/>
+          <a:p>
+            <a:r>
+              <a:rPr lang="en-US" altLang="ko-KR" sz="2400" dirty="0" smtClean="0">
+                <a:solidFill>
+                  <a:schemeClr val="bg1"/>
+                </a:solidFill>
+              </a:rPr>
+              <a:t>Example</a:t>
+            </a:r>
+            <a:endParaRPr lang="ko-KR" altLang="en-US" sz="2400" dirty="0">
+              <a:solidFill>
+                <a:schemeClr val="bg1"/>
+              </a:solidFill>
+            </a:endParaRPr>
+          </a:p>
+        </p:txBody>
+      </p:sp>
+      <p:grpSp>
+        <p:nvGrpSpPr>
+          <p:cNvPr id="13" name="그룹 12"/>
+          <p:cNvGrpSpPr/>
+          <p:nvPr/>
+        </p:nvGrpSpPr>
+        <p:grpSpPr>
+          <a:xfrm>
+            <a:off x="656853" y="1598092"/>
+            <a:ext cx="10925547" cy="1838325"/>
+            <a:chOff x="656853" y="1532188"/>
+            <a:chExt cx="10925547" cy="1838325"/>
+          </a:xfrm>
+        </p:grpSpPr>
+        <p:pic>
+          <p:nvPicPr>
+            <p:cNvPr id="2050" name="Picture 2"/>
+            <p:cNvPicPr>
+              <a:picLocks noChangeAspect="1" noChangeArrowheads="1"/>
+            </p:cNvPicPr>
+            <p:nvPr/>
+          </p:nvPicPr>
+          <p:blipFill>
+            <a:blip r:embed="rId2">
+              <a:extLst>
+                <a:ext uri="{28A0092B-C50C-407E-A947-70E740481C1C}">
+                  <a14:useLocalDpi xmlns:a14="http://schemas.microsoft.com/office/drawing/2010/main" val="0"/>
+                </a:ext>
+              </a:extLst>
+            </a:blip>
+            <a:srcRect/>
+            <a:stretch>
+              <a:fillRect/>
+            </a:stretch>
+          </p:blipFill>
+          <p:spPr bwMode="auto">
+            <a:xfrm>
+              <a:off x="656853" y="1532188"/>
+              <a:ext cx="1323975" cy="1838325"/>
+            </a:xfrm>
+            <a:prstGeom prst="rect">
+              <a:avLst/>
+            </a:prstGeom>
+            <a:noFill/>
+            <a:ln>
+              <a:noFill/>
+            </a:ln>
+            <a:extLst>
+              <a:ext uri="{909E8E84-426E-40DD-AFC4-6F175D3DCCD1}">
+                <a14:hiddenFill xmlns:a14="http://schemas.microsoft.com/office/drawing/2010/main">
+                  <a:solidFill>
+                    <a:schemeClr val="accent1"/>
+                  </a:solidFill>
+                </a14:hiddenFill>
+              </a:ext>
+              <a:ext uri="{91240B29-F687-4F45-9708-019B960494DF}">
+                <a14:hiddenLine xmlns:a14="http://schemas.microsoft.com/office/drawing/2010/main" w="9525">
+                  <a:solidFill>
+                    <a:schemeClr val="tx1"/>
+                  </a:solidFill>
+                  <a:miter lim="800000"/>
+                  <a:headEnd/>
+                  <a:tailEnd/>
+                </a14:hiddenLine>
+              </a:ext>
+            </a:extLst>
+          </p:spPr>
+        </p:pic>
+        <p:pic>
+          <p:nvPicPr>
+            <p:cNvPr id="2051" name="Picture 3"/>
+            <p:cNvPicPr>
+              <a:picLocks noChangeAspect="1" noChangeArrowheads="1"/>
+            </p:cNvPicPr>
+            <p:nvPr/>
+          </p:nvPicPr>
+          <p:blipFill>
+            <a:blip r:embed="rId3">
+              <a:extLst>
+                <a:ext uri="{28A0092B-C50C-407E-A947-70E740481C1C}">
+                  <a14:useLocalDpi xmlns:a14="http://schemas.microsoft.com/office/drawing/2010/main" val="0"/>
+                </a:ext>
+              </a:extLst>
+            </a:blip>
+            <a:srcRect/>
+            <a:stretch>
+              <a:fillRect/>
+            </a:stretch>
+          </p:blipFill>
+          <p:spPr bwMode="auto">
+            <a:xfrm>
+              <a:off x="2760667" y="1712952"/>
+              <a:ext cx="8821733" cy="1476795"/>
+            </a:xfrm>
+            <a:prstGeom prst="rect">
+              <a:avLst/>
+            </a:prstGeom>
+            <a:noFill/>
+            <a:ln>
+              <a:noFill/>
+            </a:ln>
+            <a:extLst>
+              <a:ext uri="{909E8E84-426E-40DD-AFC4-6F175D3DCCD1}">
+                <a14:hiddenFill xmlns:a14="http://schemas.microsoft.com/office/drawing/2010/main">
+                  <a:solidFill>
+                    <a:schemeClr val="accent1"/>
+                  </a:solidFill>
+                </a14:hiddenFill>
+              </a:ext>
+              <a:ext uri="{91240B29-F687-4F45-9708-019B960494DF}">
+                <a14:hiddenLine xmlns:a14="http://schemas.microsoft.com/office/drawing/2010/main" w="9525">
+                  <a:solidFill>
+                    <a:schemeClr val="tx1"/>
+                  </a:solidFill>
+                  <a:miter lim="800000"/>
+                  <a:headEnd/>
+                  <a:tailEnd/>
+                </a14:hiddenLine>
+              </a:ext>
+            </a:extLst>
+          </p:spPr>
+        </p:pic>
+        <p:sp>
+          <p:nvSpPr>
+            <p:cNvPr id="10" name="오른쪽 화살표 9"/>
+            <p:cNvSpPr/>
+            <p:nvPr/>
+          </p:nvSpPr>
+          <p:spPr>
+            <a:xfrm>
+              <a:off x="2163654" y="2236662"/>
+              <a:ext cx="476250" cy="429376"/>
+            </a:xfrm>
+            <a:prstGeom prst="rightArrow">
+              <a:avLst/>
+            </a:prstGeom>
+            <a:solidFill>
+              <a:srgbClr val="00B0F0"/>
+            </a:solidFill>
+            <a:ln>
+              <a:noFill/>
+            </a:ln>
+          </p:spPr>
+          <p:style>
+            <a:lnRef idx="2">
+              <a:schemeClr val="accent1">
+                <a:shade val="50000"/>
+              </a:schemeClr>
+            </a:lnRef>
+            <a:fillRef idx="1">
+              <a:schemeClr val="accent1"/>
+            </a:fillRef>
+            <a:effectRef idx="0">
+              <a:schemeClr val="accent1"/>
+            </a:effectRef>
+            <a:fontRef idx="minor">
+              <a:schemeClr val="lt1"/>
+            </a:fontRef>
+          </p:style>
+          <p:txBody>
+            <a:bodyPr rtlCol="0" anchor="ctr"/>
+            <a:lstStyle/>
+            <a:p>
+              <a:pPr algn="ctr"/>
+              <a:endParaRPr lang="ko-KR" altLang="en-US"/>
+            </a:p>
+          </p:txBody>
+        </p:sp>
+      </p:grpSp>
+      <p:sp>
+        <p:nvSpPr>
+          <p:cNvPr id="14" name="직사각형 13"/>
+          <p:cNvSpPr/>
+          <p:nvPr/>
+        </p:nvSpPr>
+        <p:spPr>
+          <a:xfrm>
+            <a:off x="656852" y="3803475"/>
+            <a:ext cx="10925547" cy="2169825"/>
+          </a:xfrm>
+          <a:prstGeom prst="rect">
+            <a:avLst/>
+          </a:prstGeom>
+          <a:solidFill>
+            <a:srgbClr val="FFF2CC"/>
+          </a:solidFill>
+        </p:spPr>
+        <p:txBody>
+          <a:bodyPr wrap="square">
+            <a:spAutoFit/>
+          </a:bodyPr>
+          <a:lstStyle/>
+          <a:p>
+            <a:pPr>
+              <a:lnSpc>
+                <a:spcPct val="150000"/>
+              </a:lnSpc>
+            </a:pPr>
+            <a:r>
+              <a:rPr lang="ko-KR" altLang="en-US" dirty="0"/>
+              <a:t>주어진 데이터는 총 </a:t>
+            </a:r>
+            <a:r>
+              <a:rPr lang="en-US" altLang="ko-KR" dirty="0"/>
+              <a:t>6</a:t>
+            </a:r>
+            <a:r>
+              <a:rPr lang="ko-KR" altLang="en-US" dirty="0"/>
+              <a:t>개이므로 </a:t>
+            </a:r>
+            <a:r>
+              <a:rPr lang="en-US" altLang="ko-KR" dirty="0"/>
+              <a:t>6X6 </a:t>
+            </a:r>
+            <a:r>
+              <a:rPr lang="ko-KR" altLang="en-US" dirty="0"/>
+              <a:t>크기의 </a:t>
+            </a:r>
+            <a:r>
+              <a:rPr lang="en-US" altLang="ko-KR" dirty="0"/>
+              <a:t>Affinity Matrix</a:t>
+            </a:r>
+            <a:r>
+              <a:rPr lang="ko-KR" altLang="en-US" dirty="0"/>
+              <a:t>가 </a:t>
+            </a:r>
+            <a:r>
+              <a:rPr lang="ko-KR" altLang="en-US" dirty="0" smtClean="0"/>
+              <a:t>만들어진다</a:t>
+            </a:r>
+            <a:r>
+              <a:rPr lang="en-US" altLang="ko-KR" dirty="0"/>
+              <a:t>. </a:t>
+            </a:r>
+            <a:r>
+              <a:rPr lang="ko-KR" altLang="en-US" dirty="0"/>
+              <a:t>각 행렬의 </a:t>
+            </a:r>
+            <a:r>
+              <a:rPr lang="en-US" altLang="ko-KR" dirty="0" err="1"/>
+              <a:t>i</a:t>
+            </a:r>
+            <a:r>
+              <a:rPr lang="ko-KR" altLang="en-US" dirty="0"/>
+              <a:t>열은 위 입력 데이터의 </a:t>
+            </a:r>
+            <a:r>
+              <a:rPr lang="en-US" altLang="ko-KR" dirty="0" err="1"/>
+              <a:t>i</a:t>
+            </a:r>
+            <a:r>
+              <a:rPr lang="ko-KR" altLang="en-US" dirty="0"/>
+              <a:t>번째 줄의 데이터를 </a:t>
+            </a:r>
+            <a:r>
+              <a:rPr lang="ko-KR" altLang="en-US" dirty="0" smtClean="0"/>
+              <a:t>의미한다</a:t>
+            </a:r>
+            <a:r>
+              <a:rPr lang="en-US" altLang="ko-KR" dirty="0"/>
+              <a:t>. </a:t>
+            </a:r>
+            <a:r>
+              <a:rPr lang="ko-KR" altLang="en-US" dirty="0"/>
+              <a:t>자신의 데이터 사이의 거리는 </a:t>
+            </a:r>
+            <a:r>
+              <a:rPr lang="en-US" altLang="ko-KR" dirty="0"/>
+              <a:t>1</a:t>
+            </a:r>
+            <a:r>
+              <a:rPr lang="ko-KR" altLang="en-US" dirty="0"/>
+              <a:t>이며 자신에게 가까운 값일수록 </a:t>
+            </a:r>
+            <a:r>
+              <a:rPr lang="en-US" altLang="ko-KR" dirty="0"/>
+              <a:t>1</a:t>
+            </a:r>
+            <a:r>
+              <a:rPr lang="ko-KR" altLang="en-US" dirty="0"/>
+              <a:t>에 가깝고 멀어질수록 </a:t>
+            </a:r>
+            <a:r>
+              <a:rPr lang="en-US" altLang="ko-KR" dirty="0"/>
+              <a:t>0</a:t>
+            </a:r>
+            <a:r>
+              <a:rPr lang="ko-KR" altLang="en-US" dirty="0"/>
+              <a:t>으로 수렴하고 있는 것을 </a:t>
+            </a:r>
+            <a:r>
+              <a:rPr lang="ko-KR" altLang="en-US" dirty="0" smtClean="0"/>
+              <a:t>확인 할 수 있다</a:t>
+            </a:r>
+            <a:r>
+              <a:rPr lang="en-US" altLang="ko-KR" dirty="0" smtClean="0"/>
+              <a:t>. </a:t>
+            </a:r>
+            <a:r>
+              <a:rPr lang="ko-KR" altLang="en-US" dirty="0"/>
+              <a:t>위 데이터를 기준으로 본다면 </a:t>
+            </a:r>
+            <a:r>
+              <a:rPr lang="en-US" altLang="ko-KR" dirty="0"/>
+              <a:t>0.5 </a:t>
+            </a:r>
+            <a:r>
+              <a:rPr lang="ko-KR" altLang="en-US" dirty="0"/>
+              <a:t>이상의 값은 </a:t>
+            </a:r>
+            <a:r>
+              <a:rPr lang="en-US" altLang="ko-KR" dirty="0"/>
+              <a:t>1</a:t>
+            </a:r>
+            <a:r>
+              <a:rPr lang="ko-KR" altLang="en-US" dirty="0"/>
+              <a:t>로</a:t>
+            </a:r>
+            <a:r>
+              <a:rPr lang="en-US" altLang="ko-KR" dirty="0"/>
+              <a:t>, 0.5 </a:t>
+            </a:r>
+            <a:r>
+              <a:rPr lang="ko-KR" altLang="en-US" dirty="0"/>
+              <a:t>이해의 값은 </a:t>
+            </a:r>
+            <a:r>
+              <a:rPr lang="en-US" altLang="ko-KR" dirty="0"/>
+              <a:t>0</a:t>
+            </a:r>
+            <a:r>
+              <a:rPr lang="ko-KR" altLang="en-US" dirty="0"/>
+              <a:t>으로 한다면 위에서 설명하였던 이상적인 </a:t>
+            </a:r>
+            <a:r>
+              <a:rPr lang="en-US" altLang="ko-KR" dirty="0"/>
+              <a:t>Affinity Matrix</a:t>
+            </a:r>
+            <a:r>
+              <a:rPr lang="ko-KR" altLang="en-US" dirty="0"/>
+              <a:t>가 그려지는 것을 알 수 </a:t>
+            </a:r>
+            <a:r>
+              <a:rPr lang="ko-KR" altLang="en-US" dirty="0" smtClean="0"/>
+              <a:t>있다</a:t>
+            </a:r>
+            <a:r>
+              <a:rPr lang="en-US" altLang="ko-KR" dirty="0" smtClean="0"/>
+              <a:t>.</a:t>
+            </a:r>
+            <a:endParaRPr lang="ko-KR" altLang="en-US" dirty="0"/>
+          </a:p>
+        </p:txBody>
+      </p:sp>
+    </p:spTree>
+    <p:extLst>
+      <p:ext uri="{BB962C8B-B14F-4D97-AF65-F5344CB8AC3E}">
+        <p14:creationId xmlns:p14="http://schemas.microsoft.com/office/powerpoint/2010/main" val="2614142698"/>
+      </p:ext>
+    </p:extLst>
+  </p:cSld>
+  <p:clrMapOvr>
+    <a:masterClrMapping/>
+  </p:clrMapOvr>
+</p:sld>
+</file>
+
+<file path=ppt/slides/slide15.xml><?xml version="1.0" encoding="utf-8"?>
+<p:sld xmlns:a="http://schemas.openxmlformats.org/drawingml/2006/main" xmlns:r="http://schemas.openxmlformats.org/officeDocument/2006/relationships" xmlns:p="http://schemas.openxmlformats.org/presentationml/2006/main">
+  <p:cSld>
+    <p:spTree>
+      <p:nvGrpSpPr>
+        <p:cNvPr id="1" name=""/>
+        <p:cNvGrpSpPr/>
+        <p:nvPr/>
+      </p:nvGrpSpPr>
+      <p:grpSpPr>
+        <a:xfrm>
+          <a:off x="0" y="0"/>
+          <a:ext cx="0" cy="0"/>
+          <a:chOff x="0" y="0"/>
+          <a:chExt cx="0" cy="0"/>
+        </a:xfrm>
+      </p:grpSpPr>
+      <p:sp>
+        <p:nvSpPr>
+          <p:cNvPr id="11" name="직사각형 10"/>
+          <p:cNvSpPr/>
+          <p:nvPr/>
+        </p:nvSpPr>
+        <p:spPr>
+          <a:xfrm>
+            <a:off x="656852" y="3419815"/>
+            <a:ext cx="10834929" cy="584775"/>
+          </a:xfrm>
+          <a:prstGeom prst="rect">
+            <a:avLst/>
+          </a:prstGeom>
+        </p:spPr>
+        <p:txBody>
+          <a:bodyPr wrap="square">
+            <a:spAutoFit/>
+          </a:bodyPr>
+          <a:lstStyle/>
+          <a:p>
+            <a:r>
+              <a:rPr lang="ko-KR" altLang="en-US" sz="1600" dirty="0" smtClean="0"/>
+              <a:t>이를 구하기 위해서는 위에서 구한 </a:t>
+            </a:r>
+            <a:r>
+              <a:rPr lang="en-US" altLang="ko-KR" sz="1600" dirty="0" smtClean="0"/>
+              <a:t>Affinity </a:t>
+            </a:r>
+            <a:r>
+              <a:rPr lang="en-US" altLang="ko-KR" sz="1600" dirty="0"/>
+              <a:t>Matrix </a:t>
+            </a:r>
+            <a:r>
+              <a:rPr lang="ko-KR" altLang="en-US" sz="1600" dirty="0"/>
+              <a:t>값 </a:t>
+            </a:r>
+            <a:r>
+              <a:rPr lang="en-US" altLang="ko-KR" sz="1600" dirty="0"/>
+              <a:t>W</a:t>
+            </a:r>
+            <a:r>
+              <a:rPr lang="ko-KR" altLang="en-US" sz="1600" dirty="0"/>
+              <a:t>의 값이 최대로 나오는 </a:t>
+            </a:r>
+            <a:r>
+              <a:rPr lang="en-US" altLang="ko-KR" sz="1600" dirty="0"/>
+              <a:t>Vector </a:t>
+            </a:r>
+            <a:r>
+              <a:rPr lang="ko-KR" altLang="en-US" sz="1600" dirty="0"/>
+              <a:t>행렬을 구해야 </a:t>
+            </a:r>
+            <a:r>
+              <a:rPr lang="ko-KR" altLang="en-US" sz="1600" dirty="0" smtClean="0"/>
+              <a:t>한다</a:t>
+            </a:r>
+            <a:r>
+              <a:rPr lang="en-US" altLang="ko-KR" sz="1600" dirty="0"/>
+              <a:t>. W</a:t>
+            </a:r>
+            <a:r>
+              <a:rPr lang="ko-KR" altLang="en-US" sz="1600" dirty="0"/>
+              <a:t>와 </a:t>
+            </a:r>
+            <a:r>
+              <a:rPr lang="ko-KR" altLang="en-US" sz="1600" dirty="0" err="1"/>
+              <a:t>행렬곱을</a:t>
+            </a:r>
+            <a:r>
+              <a:rPr lang="ko-KR" altLang="en-US" sz="1600" dirty="0"/>
+              <a:t> 하였을 때 최대값이 나오게 하는 </a:t>
+            </a:r>
+            <a:r>
+              <a:rPr lang="ko-KR" altLang="en-US" sz="1600" dirty="0" smtClean="0"/>
+              <a:t>벡터가 바로 고유벡터</a:t>
+            </a:r>
+            <a:r>
+              <a:rPr lang="en-US" altLang="ko-KR" sz="1600" dirty="0"/>
+              <a:t>(eigenvector</a:t>
+            </a:r>
+            <a:r>
+              <a:rPr lang="en-US" altLang="ko-KR" sz="1600" dirty="0" smtClean="0"/>
+              <a:t>)</a:t>
+            </a:r>
+            <a:r>
+              <a:rPr lang="ko-KR" altLang="en-US" sz="1600" dirty="0" smtClean="0"/>
+              <a:t>이다</a:t>
+            </a:r>
+            <a:r>
+              <a:rPr lang="en-US" altLang="ko-KR" sz="1600" dirty="0" smtClean="0"/>
+              <a:t>.</a:t>
+            </a:r>
+            <a:endParaRPr lang="ko-KR" altLang="en-US" sz="1600" dirty="0"/>
+          </a:p>
+        </p:txBody>
+      </p:sp>
+      <p:grpSp>
+        <p:nvGrpSpPr>
+          <p:cNvPr id="12" name="그룹 11"/>
+          <p:cNvGrpSpPr/>
+          <p:nvPr/>
+        </p:nvGrpSpPr>
+        <p:grpSpPr>
+          <a:xfrm>
+            <a:off x="3081457" y="1509329"/>
+            <a:ext cx="6029086" cy="1495006"/>
+            <a:chOff x="2992211" y="4126442"/>
+            <a:chExt cx="6029086" cy="1495006"/>
+          </a:xfrm>
+        </p:grpSpPr>
+        <p:sp>
+          <p:nvSpPr>
+            <p:cNvPr id="13" name="TextBox 12"/>
+            <p:cNvSpPr txBox="1"/>
+            <p:nvPr/>
+          </p:nvSpPr>
+          <p:spPr>
+            <a:xfrm>
+              <a:off x="2992211" y="4790451"/>
+              <a:ext cx="6029086" cy="830997"/>
+            </a:xfrm>
+            <a:prstGeom prst="rect">
+              <a:avLst/>
+            </a:prstGeom>
+            <a:solidFill>
+              <a:srgbClr val="FFF2CC"/>
+            </a:solidFill>
+          </p:spPr>
+          <p:txBody>
+            <a:bodyPr wrap="none" rtlCol="0" anchor="ctr">
+              <a:spAutoFit/>
+            </a:bodyPr>
+            <a:lstStyle/>
+            <a:p>
+              <a:pPr marL="342900" indent="-342900">
+                <a:lnSpc>
+                  <a:spcPct val="150000"/>
+                </a:lnSpc>
+                <a:buFont typeface="Arial" panose="020B0604020202020204" pitchFamily="34" charset="0"/>
+                <a:buChar char="•"/>
+              </a:pPr>
+              <a:r>
+                <a:rPr lang="ko-KR" altLang="en-US" sz="1600" dirty="0" smtClean="0"/>
+                <a:t>같은 </a:t>
+              </a:r>
+              <a:r>
+                <a:rPr lang="en-US" altLang="ko-KR" sz="1600" dirty="0"/>
+                <a:t>Cluster </a:t>
+              </a:r>
+              <a:r>
+                <a:rPr lang="ko-KR" altLang="en-US" sz="1600" dirty="0"/>
+                <a:t>내의 요소끼리의 </a:t>
+              </a:r>
+              <a:r>
+                <a:rPr lang="ko-KR" altLang="en-US" sz="1600" dirty="0" err="1"/>
+                <a:t>유사도는</a:t>
+              </a:r>
+              <a:r>
+                <a:rPr lang="ko-KR" altLang="en-US" sz="1600" dirty="0"/>
+                <a:t> 큰 값을 갖는다</a:t>
+              </a:r>
+              <a:r>
+                <a:rPr lang="en-US" altLang="ko-KR" sz="1600" dirty="0" smtClean="0"/>
+                <a:t>.</a:t>
+              </a:r>
+              <a:endParaRPr lang="en-US" altLang="ko-KR" sz="1600" dirty="0"/>
+            </a:p>
+            <a:p>
+              <a:pPr marL="342900" indent="-342900">
+                <a:lnSpc>
+                  <a:spcPct val="150000"/>
+                </a:lnSpc>
+                <a:buFont typeface="Arial" panose="020B0604020202020204" pitchFamily="34" charset="0"/>
+                <a:buChar char="•"/>
+              </a:pPr>
+              <a:r>
+                <a:rPr lang="ko-KR" altLang="en-US" sz="1600" dirty="0" smtClean="0"/>
+                <a:t>다른 </a:t>
+              </a:r>
+              <a:r>
+                <a:rPr lang="en-US" altLang="ko-KR" sz="1600" dirty="0"/>
+                <a:t>Cluster</a:t>
+              </a:r>
+              <a:r>
+                <a:rPr lang="ko-KR" altLang="en-US" sz="1600" dirty="0"/>
+                <a:t>에 속한 요소끼리의 </a:t>
+              </a:r>
+              <a:r>
+                <a:rPr lang="ko-KR" altLang="en-US" sz="1600" dirty="0" err="1"/>
+                <a:t>유사도는</a:t>
+              </a:r>
+              <a:r>
+                <a:rPr lang="ko-KR" altLang="en-US" sz="1600" dirty="0"/>
+                <a:t> 작은 값을 갖는다</a:t>
+              </a:r>
+              <a:r>
+                <a:rPr lang="en-US" altLang="ko-KR" sz="1600" dirty="0" smtClean="0"/>
+                <a:t>.</a:t>
+              </a:r>
+              <a:endParaRPr lang="en-US" altLang="ko-KR" sz="1600" dirty="0"/>
+            </a:p>
+          </p:txBody>
+        </p:sp>
+        <p:sp>
+          <p:nvSpPr>
+            <p:cNvPr id="14" name="직사각형 13"/>
+            <p:cNvSpPr/>
+            <p:nvPr/>
+          </p:nvSpPr>
+          <p:spPr>
+            <a:xfrm>
+              <a:off x="4231748" y="4126442"/>
+              <a:ext cx="3550013" cy="378940"/>
+            </a:xfrm>
+            <a:prstGeom prst="rect">
+              <a:avLst/>
+            </a:prstGeom>
+            <a:solidFill>
+              <a:schemeClr val="accent6">
+                <a:lumMod val="20000"/>
+                <a:lumOff val="80000"/>
+              </a:schemeClr>
+            </a:solidFill>
+            <a:ln>
+              <a:noFill/>
+            </a:ln>
+          </p:spPr>
+          <p:style>
+            <a:lnRef idx="2">
+              <a:schemeClr val="accent1">
+                <a:shade val="50000"/>
+              </a:schemeClr>
+            </a:lnRef>
+            <a:fillRef idx="1">
+              <a:schemeClr val="accent1"/>
+            </a:fillRef>
+            <a:effectRef idx="0">
+              <a:schemeClr val="accent1"/>
+            </a:effectRef>
+            <a:fontRef idx="minor">
+              <a:schemeClr val="lt1"/>
+            </a:fontRef>
+          </p:style>
+          <p:txBody>
+            <a:bodyPr rtlCol="0" anchor="ctr"/>
+            <a:lstStyle/>
+            <a:p>
+              <a:pPr algn="ctr"/>
+              <a:r>
+                <a:rPr lang="en-US" altLang="ko-KR" sz="2000" dirty="0" smtClean="0">
+                  <a:solidFill>
+                    <a:schemeClr val="tx1"/>
+                  </a:solidFill>
+                </a:rPr>
+                <a:t>Spectral Clustering </a:t>
+              </a:r>
+              <a:r>
+                <a:rPr lang="ko-KR" altLang="en-US" sz="2000" dirty="0" smtClean="0">
+                  <a:solidFill>
+                    <a:schemeClr val="tx1"/>
+                  </a:solidFill>
+                </a:rPr>
+                <a:t>구현 기준</a:t>
+              </a:r>
+              <a:endParaRPr lang="ko-KR" altLang="en-US" sz="2000" dirty="0">
+                <a:solidFill>
+                  <a:schemeClr val="tx1"/>
+                </a:solidFill>
+              </a:endParaRPr>
+            </a:p>
+          </p:txBody>
+        </p:sp>
+      </p:grpSp>
+      <p:pic>
+        <p:nvPicPr>
+          <p:cNvPr id="3074" name="Picture 2"/>
+          <p:cNvPicPr>
+            <a:picLocks noChangeAspect="1" noChangeArrowheads="1"/>
+          </p:cNvPicPr>
+          <p:nvPr/>
+        </p:nvPicPr>
+        <p:blipFill>
+          <a:blip r:embed="rId2">
+            <a:extLst>
+              <a:ext uri="{28A0092B-C50C-407E-A947-70E740481C1C}">
+                <a14:useLocalDpi xmlns:a14="http://schemas.microsoft.com/office/drawing/2010/main" val="0"/>
+              </a:ext>
+            </a:extLst>
+          </a:blip>
+          <a:srcRect/>
+          <a:stretch>
+            <a:fillRect/>
+          </a:stretch>
+        </p:blipFill>
+        <p:spPr bwMode="auto">
+          <a:xfrm>
+            <a:off x="656852" y="4420070"/>
+            <a:ext cx="10650682" cy="1610591"/>
+          </a:xfrm>
+          <a:prstGeom prst="rect">
+            <a:avLst/>
+          </a:prstGeom>
+          <a:noFill/>
+          <a:ln w="9525">
+            <a:solidFill>
+              <a:schemeClr val="accent2">
+                <a:lumMod val="40000"/>
+                <a:lumOff val="60000"/>
+              </a:schemeClr>
+            </a:solidFill>
+            <a:miter lim="800000"/>
+            <a:headEnd/>
+            <a:tailEnd/>
+          </a:ln>
+          <a:extLst>
+            <a:ext uri="{909E8E84-426E-40DD-AFC4-6F175D3DCCD1}">
+              <a14:hiddenFill xmlns:a14="http://schemas.microsoft.com/office/drawing/2010/main">
+                <a:solidFill>
+                  <a:schemeClr val="accent1"/>
+                </a:solidFill>
+              </a14:hiddenFill>
+            </a:ext>
+          </a:extLst>
+        </p:spPr>
+      </p:pic>
+      <p:sp>
+        <p:nvSpPr>
+          <p:cNvPr id="16" name="제목 1"/>
+          <p:cNvSpPr txBox="1">
+            <a:spLocks/>
+          </p:cNvSpPr>
+          <p:nvPr/>
+        </p:nvSpPr>
+        <p:spPr>
+          <a:xfrm>
+            <a:off x="504453" y="508351"/>
+            <a:ext cx="1390249" cy="472375"/>
+          </a:xfrm>
+          <a:prstGeom prst="rect">
+            <a:avLst/>
+          </a:prstGeom>
+          <a:solidFill>
+            <a:srgbClr val="B889DB"/>
+          </a:solidFill>
+        </p:spPr>
+        <p:txBody>
+          <a:bodyPr vert="horz" lIns="91440" tIns="45720" rIns="91440" bIns="45720" rtlCol="0" anchor="ctr">
+            <a:noAutofit/>
+          </a:bodyPr>
+          <a:lstStyle>
+            <a:lvl1pPr algn="ctr" defTabSz="914400" rtl="0" eaLnBrk="1" latinLnBrk="1" hangingPunct="1">
+              <a:lnSpc>
+                <a:spcPct val="90000"/>
+              </a:lnSpc>
+              <a:spcBef>
+                <a:spcPct val="0"/>
+              </a:spcBef>
+              <a:buNone/>
+              <a:defRPr sz="6000" kern="1200">
+                <a:solidFill>
+                  <a:schemeClr val="tx1"/>
+                </a:solidFill>
+                <a:latin typeface="+mj-lt"/>
+                <a:ea typeface="+mj-ea"/>
+                <a:cs typeface="+mj-cs"/>
+              </a:defRPr>
+            </a:lvl1pPr>
+          </a:lstStyle>
+          <a:p>
+            <a:r>
+              <a:rPr lang="en-US" altLang="ko-KR" sz="2400" smtClean="0">
+                <a:solidFill>
+                  <a:schemeClr val="bg1"/>
+                </a:solidFill>
+              </a:rPr>
+              <a:t>Example</a:t>
+            </a:r>
+            <a:endParaRPr lang="ko-KR" altLang="en-US" sz="2400" dirty="0">
+              <a:solidFill>
+                <a:schemeClr val="bg1"/>
+              </a:solidFill>
+            </a:endParaRPr>
+          </a:p>
+        </p:txBody>
+      </p:sp>
+    </p:spTree>
+    <p:extLst>
+      <p:ext uri="{BB962C8B-B14F-4D97-AF65-F5344CB8AC3E}">
+        <p14:creationId xmlns:p14="http://schemas.microsoft.com/office/powerpoint/2010/main" val="762584506"/>
+      </p:ext>
+    </p:extLst>
+  </p:cSld>
+  <p:clrMapOvr>
+    <a:masterClrMapping/>
+  </p:clrMapOvr>
+</p:sld>
+</file>
+
+<file path=ppt/slides/slide16.xml><?xml version="1.0" encoding="utf-8"?>
+<p:sld xmlns:a="http://schemas.openxmlformats.org/drawingml/2006/main" xmlns:r="http://schemas.openxmlformats.org/officeDocument/2006/relationships" xmlns:p="http://schemas.openxmlformats.org/presentationml/2006/main">
+  <p:cSld>
+    <p:spTree>
+      <p:nvGrpSpPr>
+        <p:cNvPr id="1" name=""/>
+        <p:cNvGrpSpPr/>
+        <p:nvPr/>
+      </p:nvGrpSpPr>
+      <p:grpSpPr>
+        <a:xfrm>
+          <a:off x="0" y="0"/>
+          <a:ext cx="0" cy="0"/>
+          <a:chOff x="0" y="0"/>
+          <a:chExt cx="0" cy="0"/>
+        </a:xfrm>
+      </p:grpSpPr>
+      <p:grpSp>
+        <p:nvGrpSpPr>
+          <p:cNvPr id="7" name="그룹 6"/>
+          <p:cNvGrpSpPr/>
+          <p:nvPr/>
+        </p:nvGrpSpPr>
+        <p:grpSpPr>
+          <a:xfrm>
+            <a:off x="1640258" y="1291986"/>
+            <a:ext cx="8802216" cy="1464174"/>
+            <a:chOff x="656852" y="1283300"/>
+            <a:chExt cx="10650682" cy="1771650"/>
+          </a:xfrm>
+        </p:grpSpPr>
+        <p:pic>
+          <p:nvPicPr>
+            <p:cNvPr id="3074" name="Picture 2"/>
+            <p:cNvPicPr>
+              <a:picLocks noChangeAspect="1" noChangeArrowheads="1"/>
+            </p:cNvPicPr>
+            <p:nvPr/>
+          </p:nvPicPr>
+          <p:blipFill>
+            <a:blip r:embed="rId2">
+              <a:extLst>
+                <a:ext uri="{28A0092B-C50C-407E-A947-70E740481C1C}">
+                  <a14:useLocalDpi xmlns:a14="http://schemas.microsoft.com/office/drawing/2010/main" val="0"/>
+                </a:ext>
+              </a:extLst>
+            </a:blip>
+            <a:srcRect/>
+            <a:stretch>
+              <a:fillRect/>
+            </a:stretch>
+          </p:blipFill>
+          <p:spPr bwMode="auto">
+            <a:xfrm>
+              <a:off x="656852" y="1363831"/>
+              <a:ext cx="10650682" cy="1610591"/>
+            </a:xfrm>
+            <a:prstGeom prst="rect">
+              <a:avLst/>
+            </a:prstGeom>
+            <a:noFill/>
+            <a:ln w="9525">
+              <a:solidFill>
+                <a:schemeClr val="accent2">
+                  <a:lumMod val="40000"/>
+                  <a:lumOff val="60000"/>
+                </a:schemeClr>
+              </a:solidFill>
+              <a:miter lim="800000"/>
+              <a:headEnd/>
+              <a:tailEnd/>
+            </a:ln>
+            <a:extLst>
+              <a:ext uri="{909E8E84-426E-40DD-AFC4-6F175D3DCCD1}">
+                <a14:hiddenFill xmlns:a14="http://schemas.microsoft.com/office/drawing/2010/main">
+                  <a:solidFill>
+                    <a:schemeClr val="accent1"/>
+                  </a:solidFill>
+                </a14:hiddenFill>
+              </a:ext>
+            </a:extLst>
+          </p:spPr>
+        </p:pic>
+        <p:sp>
+          <p:nvSpPr>
+            <p:cNvPr id="3" name="직사각형 2"/>
+            <p:cNvSpPr/>
+            <p:nvPr/>
+          </p:nvSpPr>
+          <p:spPr>
+            <a:xfrm>
+              <a:off x="2924433" y="1283300"/>
+              <a:ext cx="1614617" cy="1771650"/>
+            </a:xfrm>
+            <a:prstGeom prst="rect">
+              <a:avLst/>
+            </a:prstGeom>
+            <a:noFill/>
+            <a:ln>
+              <a:solidFill>
+                <a:srgbClr val="00B0F0"/>
+              </a:solidFill>
+            </a:ln>
+          </p:spPr>
+          <p:style>
+            <a:lnRef idx="2">
+              <a:schemeClr val="accent1">
+                <a:shade val="50000"/>
+              </a:schemeClr>
+            </a:lnRef>
+            <a:fillRef idx="1">
+              <a:schemeClr val="accent1"/>
+            </a:fillRef>
+            <a:effectRef idx="0">
+              <a:schemeClr val="accent1"/>
+            </a:effectRef>
+            <a:fontRef idx="minor">
+              <a:schemeClr val="lt1"/>
+            </a:fontRef>
+          </p:style>
+          <p:txBody>
+            <a:bodyPr rtlCol="0" anchor="ctr"/>
+            <a:lstStyle/>
+            <a:p>
+              <a:pPr algn="ctr"/>
+              <a:endParaRPr lang="ko-KR" altLang="en-US"/>
+            </a:p>
+          </p:txBody>
+        </p:sp>
+      </p:grpSp>
+      <p:sp>
+        <p:nvSpPr>
+          <p:cNvPr id="6" name="TextBox 5"/>
+          <p:cNvSpPr txBox="1"/>
+          <p:nvPr/>
+        </p:nvSpPr>
+        <p:spPr>
+          <a:xfrm>
+            <a:off x="656853" y="2918050"/>
+            <a:ext cx="10769027" cy="3416320"/>
+          </a:xfrm>
+          <a:prstGeom prst="rect">
+            <a:avLst/>
+          </a:prstGeom>
+          <a:solidFill>
+            <a:srgbClr val="FFF2CC"/>
+          </a:solidFill>
+        </p:spPr>
+        <p:txBody>
+          <a:bodyPr wrap="square" rtlCol="0">
+            <a:spAutoFit/>
+          </a:bodyPr>
+          <a:lstStyle/>
+          <a:p>
+            <a:pPr marL="285750" indent="-285750">
+              <a:lnSpc>
+                <a:spcPct val="150000"/>
+              </a:lnSpc>
+              <a:buFont typeface="Arial" panose="020B0604020202020204" pitchFamily="34" charset="0"/>
+              <a:buChar char="•"/>
+            </a:pPr>
+            <a:r>
+              <a:rPr lang="ko-KR" altLang="en-US" dirty="0"/>
+              <a:t>고유벡터의 열</a:t>
+            </a:r>
+            <a:r>
+              <a:rPr lang="en-US" altLang="ko-KR" dirty="0"/>
+              <a:t>(Column) </a:t>
+            </a:r>
+            <a:r>
+              <a:rPr lang="ko-KR" altLang="en-US" dirty="0"/>
+              <a:t>부분을 </a:t>
+            </a:r>
+            <a:r>
+              <a:rPr lang="ko-KR" altLang="en-US" dirty="0" smtClean="0"/>
+              <a:t>보면 </a:t>
+            </a:r>
+            <a:r>
+              <a:rPr lang="ko-KR" altLang="en-US" dirty="0"/>
+              <a:t>값이 서로 구분되고 있는 것을 </a:t>
+            </a:r>
+            <a:r>
+              <a:rPr lang="ko-KR" altLang="en-US" dirty="0" smtClean="0"/>
+              <a:t>볼 </a:t>
+            </a:r>
+            <a:r>
+              <a:rPr lang="ko-KR" altLang="en-US" dirty="0"/>
+              <a:t>수 </a:t>
+            </a:r>
+            <a:r>
+              <a:rPr lang="ko-KR" altLang="en-US" dirty="0" smtClean="0"/>
+              <a:t>있다</a:t>
+            </a:r>
+            <a:r>
+              <a:rPr lang="en-US" altLang="ko-KR" dirty="0"/>
+              <a:t>. </a:t>
+            </a:r>
+            <a:endParaRPr lang="en-US" altLang="ko-KR" dirty="0" smtClean="0"/>
+          </a:p>
+          <a:p>
+            <a:pPr marL="285750" indent="-285750">
+              <a:lnSpc>
+                <a:spcPct val="150000"/>
+              </a:lnSpc>
+              <a:buFont typeface="Arial" panose="020B0604020202020204" pitchFamily="34" charset="0"/>
+              <a:buChar char="•"/>
+            </a:pPr>
+            <a:r>
+              <a:rPr lang="ko-KR" altLang="en-US" dirty="0" smtClean="0"/>
+              <a:t>일반적으로 </a:t>
+            </a:r>
+            <a:r>
+              <a:rPr lang="en-US" altLang="ko-KR" dirty="0"/>
+              <a:t>1</a:t>
+            </a:r>
+            <a:r>
+              <a:rPr lang="ko-KR" altLang="en-US" dirty="0"/>
+              <a:t>번째 </a:t>
+            </a:r>
+            <a:r>
+              <a:rPr lang="en-US" altLang="ko-KR" dirty="0"/>
+              <a:t>Column</a:t>
+            </a:r>
+            <a:r>
+              <a:rPr lang="ko-KR" altLang="en-US" dirty="0"/>
+              <a:t>은 구분이 모호하기 때문에 </a:t>
+            </a:r>
+            <a:r>
+              <a:rPr lang="en-US" altLang="ko-KR" dirty="0"/>
+              <a:t>2</a:t>
+            </a:r>
+            <a:r>
+              <a:rPr lang="ko-KR" altLang="en-US" dirty="0"/>
+              <a:t>번째 </a:t>
+            </a:r>
+            <a:r>
+              <a:rPr lang="en-US" altLang="ko-KR" dirty="0"/>
+              <a:t>Column</a:t>
+            </a:r>
+            <a:r>
+              <a:rPr lang="ko-KR" altLang="en-US" dirty="0"/>
+              <a:t>부터 </a:t>
+            </a:r>
+            <a:r>
+              <a:rPr lang="ko-KR" altLang="en-US" dirty="0" smtClean="0"/>
+              <a:t>사용한다</a:t>
+            </a:r>
+            <a:r>
+              <a:rPr lang="en-US" altLang="ko-KR" dirty="0" smtClean="0"/>
+              <a:t>.</a:t>
+            </a:r>
+          </a:p>
+          <a:p>
+            <a:pPr lvl="1">
+              <a:lnSpc>
+                <a:spcPct val="150000"/>
+              </a:lnSpc>
+            </a:pPr>
+            <a:r>
+              <a:rPr lang="en-US" altLang="ko-KR" dirty="0" smtClean="0">
+                <a:solidFill>
+                  <a:srgbClr val="0070C0"/>
+                </a:solidFill>
+              </a:rPr>
+              <a:t>( </a:t>
+            </a:r>
+            <a:r>
+              <a:rPr lang="ko-KR" altLang="en-US" dirty="0" smtClean="0">
+                <a:solidFill>
+                  <a:srgbClr val="0070C0"/>
+                </a:solidFill>
+              </a:rPr>
+              <a:t>제일 </a:t>
+            </a:r>
+            <a:r>
+              <a:rPr lang="ko-KR" altLang="en-US" dirty="0">
+                <a:solidFill>
+                  <a:srgbClr val="0070C0"/>
+                </a:solidFill>
+              </a:rPr>
+              <a:t>작은 </a:t>
+            </a:r>
+            <a:r>
+              <a:rPr lang="ko-KR" altLang="en-US" dirty="0" err="1">
+                <a:solidFill>
+                  <a:srgbClr val="0070C0"/>
+                </a:solidFill>
+              </a:rPr>
+              <a:t>고유값은</a:t>
+            </a:r>
+            <a:r>
+              <a:rPr lang="ko-KR" altLang="en-US" dirty="0">
+                <a:solidFill>
+                  <a:srgbClr val="0070C0"/>
+                </a:solidFill>
+              </a:rPr>
+              <a:t> </a:t>
+            </a:r>
+            <a:r>
+              <a:rPr lang="en-US" altLang="ko-KR" dirty="0">
+                <a:solidFill>
+                  <a:srgbClr val="0070C0"/>
+                </a:solidFill>
+              </a:rPr>
+              <a:t>0</a:t>
+            </a:r>
+            <a:r>
+              <a:rPr lang="ko-KR" altLang="en-US" dirty="0">
+                <a:solidFill>
+                  <a:srgbClr val="0070C0"/>
+                </a:solidFill>
+              </a:rPr>
+              <a:t>이기 때문에 무의미한 </a:t>
+            </a:r>
+            <a:r>
+              <a:rPr lang="ko-KR" altLang="en-US" dirty="0" smtClean="0">
+                <a:solidFill>
+                  <a:srgbClr val="0070C0"/>
+                </a:solidFill>
+              </a:rPr>
+              <a:t>해다 </a:t>
+            </a:r>
+            <a:r>
+              <a:rPr lang="en-US" altLang="ko-KR" dirty="0" smtClean="0">
+                <a:solidFill>
+                  <a:srgbClr val="0070C0"/>
+                </a:solidFill>
+              </a:rPr>
+              <a:t>)</a:t>
+            </a:r>
+          </a:p>
+          <a:p>
+            <a:pPr marL="285750" indent="-285750">
+              <a:lnSpc>
+                <a:spcPct val="150000"/>
+              </a:lnSpc>
+              <a:buFont typeface="Arial" panose="020B0604020202020204" pitchFamily="34" charset="0"/>
+              <a:buChar char="•"/>
+            </a:pPr>
+            <a:r>
+              <a:rPr lang="en-US" altLang="ko-KR" dirty="0" smtClean="0"/>
+              <a:t>k </a:t>
+            </a:r>
+            <a:r>
+              <a:rPr lang="ko-KR" altLang="en-US" dirty="0"/>
+              <a:t>개의 그룹 </a:t>
+            </a:r>
+            <a:r>
+              <a:rPr lang="en-US" altLang="ko-KR" dirty="0"/>
+              <a:t>cluster</a:t>
+            </a:r>
+            <a:r>
+              <a:rPr lang="ko-KR" altLang="en-US" dirty="0"/>
+              <a:t>가 존재할 때 이들을 분별하기 위해서는 </a:t>
+            </a:r>
+            <a:r>
+              <a:rPr lang="en-US" altLang="ko-KR" dirty="0"/>
+              <a:t>Affinity Matrix</a:t>
+            </a:r>
+            <a:r>
+              <a:rPr lang="ko-KR" altLang="en-US" dirty="0"/>
+              <a:t>의 고유벡터의 </a:t>
+            </a:r>
+            <a:r>
+              <a:rPr lang="en-US" altLang="ko-KR" dirty="0" smtClean="0"/>
+              <a:t>2</a:t>
+            </a:r>
+            <a:r>
+              <a:rPr lang="ko-KR" altLang="en-US" dirty="0"/>
+              <a:t>번째부터 </a:t>
+            </a:r>
+            <a:r>
+              <a:rPr lang="en-US" altLang="ko-KR" dirty="0" smtClean="0"/>
+              <a:t>k</a:t>
+            </a:r>
+            <a:r>
+              <a:rPr lang="ko-KR" altLang="en-US" dirty="0"/>
+              <a:t>번째 </a:t>
+            </a:r>
+            <a:r>
+              <a:rPr lang="en-US" altLang="ko-KR" dirty="0"/>
+              <a:t>column </a:t>
+            </a:r>
+            <a:r>
+              <a:rPr lang="ko-KR" altLang="en-US" dirty="0"/>
+              <a:t>부분만 보고 </a:t>
+            </a:r>
+            <a:r>
+              <a:rPr lang="ko-KR" altLang="en-US" dirty="0" smtClean="0"/>
+              <a:t>분별한다</a:t>
+            </a:r>
+            <a:r>
+              <a:rPr lang="en-US" altLang="ko-KR" dirty="0"/>
+              <a:t>. </a:t>
+            </a:r>
+            <a:endParaRPr lang="en-US" altLang="ko-KR" dirty="0" smtClean="0"/>
+          </a:p>
+          <a:p>
+            <a:pPr marL="285750" indent="-285750">
+              <a:lnSpc>
+                <a:spcPct val="150000"/>
+              </a:lnSpc>
+              <a:buFont typeface="Arial" panose="020B0604020202020204" pitchFamily="34" charset="0"/>
+              <a:buChar char="•"/>
+            </a:pPr>
+            <a:r>
+              <a:rPr lang="ko-KR" altLang="en-US" dirty="0" smtClean="0"/>
+              <a:t>즉 </a:t>
+            </a:r>
+            <a:r>
+              <a:rPr lang="ko-KR" altLang="en-US" dirty="0"/>
+              <a:t>위의 예제의 경우 </a:t>
+            </a:r>
+            <a:r>
+              <a:rPr lang="en-US" altLang="ko-KR" dirty="0"/>
+              <a:t>3</a:t>
+            </a:r>
+            <a:r>
+              <a:rPr lang="ko-KR" altLang="en-US" dirty="0"/>
+              <a:t>개의 </a:t>
+            </a:r>
+            <a:r>
+              <a:rPr lang="en-US" altLang="ko-KR" dirty="0"/>
+              <a:t>cluster</a:t>
+            </a:r>
+            <a:r>
+              <a:rPr lang="ko-KR" altLang="en-US" dirty="0"/>
+              <a:t>로 </a:t>
+            </a:r>
+            <a:r>
+              <a:rPr lang="ko-KR" altLang="en-US" dirty="0" smtClean="0"/>
+              <a:t>구분되고 </a:t>
+            </a:r>
+            <a:r>
+              <a:rPr lang="ko-KR" altLang="en-US" dirty="0"/>
+              <a:t>있으니 </a:t>
+            </a:r>
+            <a:r>
+              <a:rPr lang="en-US" altLang="ko-KR" dirty="0"/>
+              <a:t>2,3</a:t>
+            </a:r>
+            <a:r>
+              <a:rPr lang="ko-KR" altLang="en-US" dirty="0"/>
+              <a:t>번째 </a:t>
+            </a:r>
+            <a:r>
+              <a:rPr lang="en-US" altLang="ko-KR" dirty="0"/>
+              <a:t>column</a:t>
+            </a:r>
+            <a:r>
+              <a:rPr lang="ko-KR" altLang="en-US" dirty="0"/>
+              <a:t>만 </a:t>
+            </a:r>
+            <a:r>
+              <a:rPr lang="ko-KR" altLang="en-US" dirty="0" smtClean="0"/>
+              <a:t>사용한다</a:t>
+            </a:r>
+            <a:r>
+              <a:rPr lang="en-US" altLang="ko-KR" dirty="0"/>
+              <a:t>. </a:t>
+            </a:r>
+            <a:endParaRPr lang="en-US" altLang="ko-KR" dirty="0" smtClean="0"/>
+          </a:p>
+          <a:p>
+            <a:pPr marL="285750" indent="-285750">
+              <a:lnSpc>
+                <a:spcPct val="150000"/>
+              </a:lnSpc>
+              <a:buFont typeface="Arial" panose="020B0604020202020204" pitchFamily="34" charset="0"/>
+              <a:buChar char="•"/>
+            </a:pPr>
+            <a:r>
+              <a:rPr lang="ko-KR" altLang="en-US" dirty="0" smtClean="0"/>
+              <a:t>이 </a:t>
+            </a:r>
+            <a:r>
+              <a:rPr lang="ko-KR" altLang="en-US" dirty="0"/>
+              <a:t>경우 첫 번째 </a:t>
+            </a:r>
+            <a:r>
+              <a:rPr lang="en-US" altLang="ko-KR" dirty="0"/>
+              <a:t>cluster</a:t>
+            </a:r>
+            <a:r>
+              <a:rPr lang="ko-KR" altLang="en-US" dirty="0"/>
+              <a:t>인 </a:t>
+            </a:r>
+            <a:r>
+              <a:rPr lang="en-US" altLang="ko-KR" dirty="0"/>
+              <a:t>(1,2) </a:t>
+            </a:r>
+            <a:r>
+              <a:rPr lang="ko-KR" altLang="en-US" dirty="0"/>
+              <a:t>그룹의 </a:t>
+            </a:r>
+            <a:r>
+              <a:rPr lang="ko-KR" altLang="en-US" dirty="0" smtClean="0"/>
+              <a:t>경우 </a:t>
+            </a:r>
+            <a:r>
+              <a:rPr lang="en-US" altLang="ko-KR" dirty="0"/>
+              <a:t>(-0.5, -0.3)</a:t>
+            </a:r>
+            <a:r>
+              <a:rPr lang="ko-KR" altLang="en-US" dirty="0"/>
+              <a:t>으로</a:t>
+            </a:r>
+            <a:r>
+              <a:rPr lang="en-US" altLang="ko-KR" dirty="0"/>
+              <a:t>, (3,4) </a:t>
+            </a:r>
+            <a:r>
+              <a:rPr lang="ko-KR" altLang="en-US" dirty="0"/>
+              <a:t>그룹의 경우 </a:t>
+            </a:r>
+            <a:r>
+              <a:rPr lang="en-US" altLang="ko-KR" dirty="0"/>
+              <a:t>( 0, 0.5), (5,6) </a:t>
+            </a:r>
+            <a:r>
+              <a:rPr lang="ko-KR" altLang="en-US" dirty="0"/>
+              <a:t>그룹의 </a:t>
+            </a:r>
+            <a:r>
+              <a:rPr lang="ko-KR" altLang="en-US" dirty="0" smtClean="0"/>
+              <a:t>경우 </a:t>
+            </a:r>
+            <a:r>
+              <a:rPr lang="en-US" altLang="ko-KR" dirty="0" smtClean="0"/>
+              <a:t>(</a:t>
+            </a:r>
+            <a:r>
+              <a:rPr lang="en-US" altLang="ko-KR" dirty="0"/>
+              <a:t>0.5, -0.3)</a:t>
+            </a:r>
+            <a:r>
+              <a:rPr lang="ko-KR" altLang="en-US" dirty="0"/>
+              <a:t>으로 뚜렷이 구분되고 </a:t>
+            </a:r>
+            <a:r>
+              <a:rPr lang="ko-KR" altLang="en-US" dirty="0" smtClean="0"/>
+              <a:t>있음을 확인할 수 있다</a:t>
+            </a:r>
+            <a:r>
+              <a:rPr lang="en-US" altLang="ko-KR" dirty="0" smtClean="0"/>
+              <a:t>.</a:t>
+            </a:r>
+          </a:p>
+        </p:txBody>
+      </p:sp>
+      <p:sp>
+        <p:nvSpPr>
+          <p:cNvPr id="15" name="제목 1"/>
+          <p:cNvSpPr>
+            <a:spLocks noGrp="1"/>
+          </p:cNvSpPr>
+          <p:nvPr>
+            <p:ph type="ctrTitle"/>
+          </p:nvPr>
+        </p:nvSpPr>
+        <p:spPr>
+          <a:xfrm>
+            <a:off x="504453" y="508351"/>
+            <a:ext cx="1390249" cy="472375"/>
+          </a:xfrm>
+          <a:solidFill>
+            <a:srgbClr val="B889DB"/>
+          </a:solidFill>
+        </p:spPr>
+        <p:txBody>
+          <a:bodyPr anchor="ctr">
+            <a:noAutofit/>
+          </a:bodyPr>
+          <a:lstStyle/>
+          <a:p>
+            <a:r>
+              <a:rPr lang="en-US" altLang="ko-KR" sz="2400" dirty="0" smtClean="0">
+                <a:solidFill>
+                  <a:schemeClr val="bg1"/>
+                </a:solidFill>
+              </a:rPr>
+              <a:t>Example</a:t>
+            </a:r>
+            <a:endParaRPr lang="ko-KR" altLang="en-US" sz="2400" dirty="0">
+              <a:solidFill>
+                <a:schemeClr val="bg1"/>
+              </a:solidFill>
+            </a:endParaRPr>
+          </a:p>
+        </p:txBody>
+      </p:sp>
+    </p:spTree>
+    <p:extLst>
+      <p:ext uri="{BB962C8B-B14F-4D97-AF65-F5344CB8AC3E}">
+        <p14:creationId xmlns:p14="http://schemas.microsoft.com/office/powerpoint/2010/main" val="2308491776"/>
+      </p:ext>
+    </p:extLst>
+  </p:cSld>
+  <p:clrMapOvr>
+    <a:masterClrMapping/>
+  </p:clrMapOvr>
+  <p:timing>
+    <p:tnLst>
+      <p:par>
+        <p:cTn id="1" dur="indefinite" restart="never" nodeType="tmRoot"/>
+      </p:par>
+    </p:tnLst>
+  </p:timing>
+</p:sld>
+</file>
+
+<file path=ppt/slides/slide17.xml><?xml version="1.0" encoding="utf-8"?>
+<p:sld xmlns:a="http://schemas.openxmlformats.org/drawingml/2006/main" xmlns:r="http://schemas.openxmlformats.org/officeDocument/2006/relationships" xmlns:p="http://schemas.openxmlformats.org/presentationml/2006/main">
+  <p:cSld>
+    <p:spTree>
+      <p:nvGrpSpPr>
+        <p:cNvPr id="1" name=""/>
+        <p:cNvGrpSpPr/>
+        <p:nvPr/>
+      </p:nvGrpSpPr>
+      <p:grpSpPr>
+        <a:xfrm>
+          <a:off x="0" y="0"/>
+          <a:ext cx="0" cy="0"/>
+          <a:chOff x="0" y="0"/>
+          <a:chExt cx="0" cy="0"/>
+        </a:xfrm>
+      </p:grpSpPr>
+      <p:sp>
+        <p:nvSpPr>
+          <p:cNvPr id="15" name="제목 1"/>
+          <p:cNvSpPr>
+            <a:spLocks noGrp="1"/>
+          </p:cNvSpPr>
+          <p:nvPr>
+            <p:ph type="ctrTitle"/>
+          </p:nvPr>
+        </p:nvSpPr>
+        <p:spPr>
+          <a:xfrm>
+            <a:off x="504453" y="508351"/>
+            <a:ext cx="1390249" cy="472375"/>
+          </a:xfrm>
+          <a:solidFill>
+            <a:srgbClr val="B889DB"/>
+          </a:solidFill>
+        </p:spPr>
+        <p:txBody>
+          <a:bodyPr anchor="ctr">
+            <a:noAutofit/>
+          </a:bodyPr>
+          <a:lstStyle/>
+          <a:p>
+            <a:r>
+              <a:rPr lang="en-US" altLang="ko-KR" sz="2400" dirty="0" smtClean="0">
+                <a:solidFill>
+                  <a:schemeClr val="bg1"/>
+                </a:solidFill>
+              </a:rPr>
+              <a:t>Example</a:t>
+            </a:r>
+            <a:endParaRPr lang="ko-KR" altLang="en-US" sz="2400" dirty="0">
+              <a:solidFill>
+                <a:schemeClr val="bg1"/>
+              </a:solidFill>
+            </a:endParaRPr>
+          </a:p>
+        </p:txBody>
+      </p:sp>
+      <p:grpSp>
+        <p:nvGrpSpPr>
+          <p:cNvPr id="8" name="그룹 7"/>
+          <p:cNvGrpSpPr/>
+          <p:nvPr/>
+        </p:nvGrpSpPr>
+        <p:grpSpPr>
+          <a:xfrm>
+            <a:off x="754790" y="1600200"/>
+            <a:ext cx="10613425" cy="3657600"/>
+            <a:chOff x="754790" y="1748645"/>
+            <a:chExt cx="10613425" cy="3657600"/>
+          </a:xfrm>
+        </p:grpSpPr>
+        <p:pic>
+          <p:nvPicPr>
+            <p:cNvPr id="12290" name="Picture 2"/>
+            <p:cNvPicPr>
+              <a:picLocks noChangeAspect="1" noChangeArrowheads="1"/>
+            </p:cNvPicPr>
+            <p:nvPr/>
+          </p:nvPicPr>
+          <p:blipFill>
+            <a:blip r:embed="rId2">
+              <a:extLst>
+                <a:ext uri="{28A0092B-C50C-407E-A947-70E740481C1C}">
+                  <a14:useLocalDpi xmlns:a14="http://schemas.microsoft.com/office/drawing/2010/main" val="0"/>
+                </a:ext>
+              </a:extLst>
+            </a:blip>
+            <a:srcRect/>
+            <a:stretch>
+              <a:fillRect/>
+            </a:stretch>
+          </p:blipFill>
+          <p:spPr bwMode="auto">
+            <a:xfrm>
+              <a:off x="754790" y="1748645"/>
+              <a:ext cx="4229100" cy="3657600"/>
+            </a:xfrm>
+            <a:prstGeom prst="rect">
+              <a:avLst/>
+            </a:prstGeom>
+            <a:noFill/>
+            <a:ln w="9525">
+              <a:solidFill>
+                <a:schemeClr val="accent2">
+                  <a:lumMod val="40000"/>
+                  <a:lumOff val="60000"/>
+                </a:schemeClr>
+              </a:solidFill>
+              <a:miter lim="800000"/>
+              <a:headEnd/>
+              <a:tailEnd/>
+            </a:ln>
+            <a:extLst>
+              <a:ext uri="{909E8E84-426E-40DD-AFC4-6F175D3DCCD1}">
+                <a14:hiddenFill xmlns:a14="http://schemas.microsoft.com/office/drawing/2010/main">
+                  <a:solidFill>
+                    <a:schemeClr val="accent1"/>
+                  </a:solidFill>
+                </a14:hiddenFill>
+              </a:ext>
+            </a:extLst>
+          </p:spPr>
+        </p:pic>
+        <p:grpSp>
+          <p:nvGrpSpPr>
+            <p:cNvPr id="5" name="그룹 4"/>
+            <p:cNvGrpSpPr/>
+            <p:nvPr/>
+          </p:nvGrpSpPr>
+          <p:grpSpPr>
+            <a:xfrm>
+              <a:off x="5272215" y="2226668"/>
+              <a:ext cx="6096000" cy="2536794"/>
+              <a:chOff x="5058032" y="1905287"/>
+              <a:chExt cx="6096000" cy="2536794"/>
+            </a:xfrm>
+          </p:grpSpPr>
+          <p:sp>
+            <p:nvSpPr>
+              <p:cNvPr id="2" name="직사각형 1"/>
+              <p:cNvSpPr/>
+              <p:nvPr/>
+            </p:nvSpPr>
+            <p:spPr>
+              <a:xfrm>
+                <a:off x="5058032" y="2687755"/>
+                <a:ext cx="6096000" cy="1754326"/>
+              </a:xfrm>
+              <a:prstGeom prst="rect">
+                <a:avLst/>
+              </a:prstGeom>
+            </p:spPr>
+            <p:txBody>
+              <a:bodyPr>
+                <a:spAutoFit/>
+              </a:bodyPr>
+              <a:lstStyle/>
+              <a:p>
+                <a:pPr marL="285750" indent="-285750">
+                  <a:buFont typeface="Arial" panose="020B0604020202020204" pitchFamily="34" charset="0"/>
+                  <a:buChar char="•"/>
+                </a:pPr>
+                <a:r>
+                  <a:rPr lang="ko-KR" altLang="en-US" dirty="0" smtClean="0"/>
+                  <a:t>각 </a:t>
+                </a:r>
+                <a:r>
+                  <a:rPr lang="ko-KR" altLang="en-US" dirty="0"/>
+                  <a:t>그룹이 고유벡터 내의 성분대로 분류하면 뚜렷하게 분류가 되는 것을 </a:t>
+                </a:r>
+                <a:r>
+                  <a:rPr lang="ko-KR" altLang="en-US" dirty="0" smtClean="0"/>
+                  <a:t>확인할 </a:t>
+                </a:r>
+                <a:r>
+                  <a:rPr lang="ko-KR" altLang="en-US" dirty="0"/>
+                  <a:t>수 </a:t>
+                </a:r>
+                <a:r>
+                  <a:rPr lang="ko-KR" altLang="en-US" dirty="0" smtClean="0"/>
+                  <a:t>있다</a:t>
+                </a:r>
+                <a:r>
+                  <a:rPr lang="en-US" altLang="ko-KR" dirty="0"/>
+                  <a:t>. </a:t>
+                </a:r>
+                <a:br>
+                  <a:rPr lang="en-US" altLang="ko-KR" dirty="0"/>
+                </a:br>
+                <a:endParaRPr lang="en-US" altLang="ko-KR" dirty="0"/>
+              </a:p>
+              <a:p>
+                <a:pPr marL="285750" indent="-285750">
+                  <a:buFont typeface="Arial" panose="020B0604020202020204" pitchFamily="34" charset="0"/>
+                  <a:buChar char="•"/>
+                </a:pPr>
+                <a:r>
+                  <a:rPr lang="ko-KR" altLang="en-US" dirty="0" err="1" smtClean="0"/>
+                  <a:t>고유벡터값을</a:t>
+                </a:r>
+                <a:r>
+                  <a:rPr lang="ko-KR" altLang="en-US" dirty="0" smtClean="0"/>
+                  <a:t> </a:t>
+                </a:r>
+                <a:r>
+                  <a:rPr lang="ko-KR" altLang="en-US" dirty="0"/>
+                  <a:t>토대로 </a:t>
+                </a:r>
+                <a:r>
+                  <a:rPr lang="en-US" altLang="ko-KR" dirty="0"/>
+                  <a:t>Spectral Clustering</a:t>
+                </a:r>
+                <a:r>
+                  <a:rPr lang="ko-KR" altLang="en-US" dirty="0"/>
+                  <a:t>을 구현하는 알고리즘으로는 </a:t>
+                </a:r>
+                <a:r>
+                  <a:rPr lang="en-US" altLang="ko-KR" dirty="0"/>
+                  <a:t>Minimum Cut</a:t>
+                </a:r>
+                <a:r>
+                  <a:rPr lang="ko-KR" altLang="en-US" dirty="0"/>
+                  <a:t>과 </a:t>
+                </a:r>
+                <a:r>
+                  <a:rPr lang="en-US" altLang="ko-KR" dirty="0"/>
+                  <a:t>Normalized Cut</a:t>
+                </a:r>
+                <a:r>
+                  <a:rPr lang="ko-KR" altLang="en-US" dirty="0"/>
+                  <a:t>을 </a:t>
+                </a:r>
+                <a:r>
+                  <a:rPr lang="ko-KR" altLang="en-US" dirty="0" smtClean="0"/>
+                  <a:t>사용할 수 있다</a:t>
+                </a:r>
+                <a:r>
+                  <a:rPr lang="en-US" altLang="ko-KR" dirty="0" smtClean="0"/>
+                  <a:t>.</a:t>
+                </a:r>
+                <a:endParaRPr lang="en-US" altLang="ko-KR" dirty="0"/>
+              </a:p>
+            </p:txBody>
+          </p:sp>
+          <p:sp>
+            <p:nvSpPr>
+              <p:cNvPr id="4" name="TextBox 3"/>
+              <p:cNvSpPr txBox="1"/>
+              <p:nvPr/>
+            </p:nvSpPr>
+            <p:spPr>
+              <a:xfrm>
+                <a:off x="7375704" y="1905287"/>
+                <a:ext cx="1460656" cy="400110"/>
+              </a:xfrm>
+              <a:prstGeom prst="rect">
+                <a:avLst/>
+              </a:prstGeom>
+              <a:solidFill>
+                <a:schemeClr val="accent1">
+                  <a:lumMod val="60000"/>
+                  <a:lumOff val="40000"/>
+                </a:schemeClr>
+              </a:solidFill>
+            </p:spPr>
+            <p:txBody>
+              <a:bodyPr wrap="none" rtlCol="0">
+                <a:spAutoFit/>
+              </a:bodyPr>
+              <a:lstStyle/>
+              <a:p>
+                <a:r>
+                  <a:rPr lang="en-US" altLang="ko-KR" sz="2000" dirty="0" smtClean="0">
+                    <a:solidFill>
+                      <a:schemeClr val="bg1"/>
+                    </a:solidFill>
+                  </a:rPr>
+                  <a:t>Conclusion</a:t>
+                </a:r>
+                <a:endParaRPr lang="ko-KR" altLang="en-US" sz="2000" dirty="0">
+                  <a:solidFill>
+                    <a:schemeClr val="bg1"/>
+                  </a:solidFill>
+                </a:endParaRPr>
+              </a:p>
+            </p:txBody>
+          </p:sp>
+        </p:grpSp>
+      </p:grpSp>
+    </p:spTree>
+    <p:extLst>
+      <p:ext uri="{BB962C8B-B14F-4D97-AF65-F5344CB8AC3E}">
+        <p14:creationId xmlns:p14="http://schemas.microsoft.com/office/powerpoint/2010/main" val="3150532127"/>
+      </p:ext>
+    </p:extLst>
+  </p:cSld>
+  <p:clrMapOvr>
+    <a:masterClrMapping/>
+  </p:clrMapOvr>
+  <p:timing>
+    <p:tnLst>
+      <p:par>
+        <p:cTn id="1" dur="indefinite" restart="never" nodeType="tmRoot"/>
+      </p:par>
+    </p:tnLst>
+  </p:timing>
+</p:sld>
+</file>
+
+<file path=ppt/slides/slide18.xml><?xml version="1.0" encoding="utf-8"?>
+<p:sld xmlns:a="http://schemas.openxmlformats.org/drawingml/2006/main" xmlns:r="http://schemas.openxmlformats.org/officeDocument/2006/relationships" xmlns:p="http://schemas.openxmlformats.org/presentationml/2006/main">
+  <p:cSld>
+    <p:spTree>
+      <p:nvGrpSpPr>
+        <p:cNvPr id="1" name=""/>
+        <p:cNvGrpSpPr/>
+        <p:nvPr/>
+      </p:nvGrpSpPr>
+      <p:grpSpPr>
+        <a:xfrm>
+          <a:off x="0" y="0"/>
+          <a:ext cx="0" cy="0"/>
+          <a:chOff x="0" y="0"/>
+          <a:chExt cx="0" cy="0"/>
+        </a:xfrm>
+      </p:grpSpPr>
+      <p:sp>
+        <p:nvSpPr>
+          <p:cNvPr id="15" name="제목 1"/>
+          <p:cNvSpPr>
+            <a:spLocks noGrp="1"/>
+          </p:cNvSpPr>
+          <p:nvPr>
+            <p:ph type="ctrTitle"/>
+          </p:nvPr>
+        </p:nvSpPr>
+        <p:spPr>
+          <a:xfrm>
+            <a:off x="504453" y="508351"/>
+            <a:ext cx="1637385" cy="472375"/>
+          </a:xfrm>
+          <a:solidFill>
+            <a:srgbClr val="B889DB"/>
+          </a:solidFill>
+        </p:spPr>
+        <p:txBody>
+          <a:bodyPr anchor="ctr">
+            <a:noAutofit/>
+          </a:bodyPr>
+          <a:lstStyle/>
+          <a:p>
+            <a:r>
+              <a:rPr lang="en-US" altLang="ko-KR" sz="2400" dirty="0" smtClean="0">
+                <a:solidFill>
+                  <a:schemeClr val="bg1"/>
+                </a:solidFill>
+              </a:rPr>
+              <a:t>Reference</a:t>
+            </a:r>
+            <a:endParaRPr lang="ko-KR" altLang="en-US" sz="2400" dirty="0">
+              <a:solidFill>
+                <a:schemeClr val="bg1"/>
+              </a:solidFill>
+            </a:endParaRPr>
+          </a:p>
+        </p:txBody>
+      </p:sp>
+      <p:grpSp>
+        <p:nvGrpSpPr>
+          <p:cNvPr id="40" name="그룹 39"/>
+          <p:cNvGrpSpPr/>
+          <p:nvPr/>
+        </p:nvGrpSpPr>
+        <p:grpSpPr>
+          <a:xfrm>
+            <a:off x="617644" y="1378707"/>
+            <a:ext cx="10997104" cy="4496010"/>
+            <a:chOff x="617644" y="1230764"/>
+            <a:chExt cx="10997104" cy="4496010"/>
+          </a:xfrm>
+        </p:grpSpPr>
+        <p:grpSp>
+          <p:nvGrpSpPr>
+            <p:cNvPr id="38" name="그룹 37"/>
+            <p:cNvGrpSpPr/>
+            <p:nvPr/>
+          </p:nvGrpSpPr>
+          <p:grpSpPr>
+            <a:xfrm>
+              <a:off x="617644" y="1435895"/>
+              <a:ext cx="5448148" cy="4154447"/>
+              <a:chOff x="617644" y="1435895"/>
+              <a:chExt cx="5448148" cy="4154447"/>
+            </a:xfrm>
+          </p:grpSpPr>
+          <p:grpSp>
+            <p:nvGrpSpPr>
+              <p:cNvPr id="34" name="그룹 33"/>
+              <p:cNvGrpSpPr/>
+              <p:nvPr/>
+            </p:nvGrpSpPr>
+            <p:grpSpPr>
+              <a:xfrm>
+                <a:off x="617644" y="1435895"/>
+                <a:ext cx="2387593" cy="3950204"/>
+                <a:chOff x="700024" y="1435895"/>
+                <a:chExt cx="2387593" cy="3950204"/>
+              </a:xfrm>
+            </p:grpSpPr>
+            <p:pic>
+              <p:nvPicPr>
+                <p:cNvPr id="13314" name="Picture 2"/>
+                <p:cNvPicPr>
+                  <a:picLocks noChangeAspect="1" noChangeArrowheads="1"/>
+                </p:cNvPicPr>
+                <p:nvPr/>
+              </p:nvPicPr>
+              <p:blipFill>
+                <a:blip r:embed="rId2">
+                  <a:extLst>
+                    <a:ext uri="{28A0092B-C50C-407E-A947-70E740481C1C}">
+                      <a14:useLocalDpi xmlns:a14="http://schemas.microsoft.com/office/drawing/2010/main" val="0"/>
+                    </a:ext>
+                  </a:extLst>
+                </a:blip>
+                <a:srcRect/>
+                <a:stretch>
+                  <a:fillRect/>
+                </a:stretch>
+              </p:blipFill>
+              <p:spPr bwMode="auto">
+                <a:xfrm>
+                  <a:off x="700024" y="1435895"/>
+                  <a:ext cx="2219075" cy="2497682"/>
+                </a:xfrm>
+                <a:prstGeom prst="rect">
+                  <a:avLst/>
+                </a:prstGeom>
+                <a:noFill/>
+                <a:ln>
+                  <a:noFill/>
+                </a:ln>
+                <a:extLst>
+                  <a:ext uri="{909E8E84-426E-40DD-AFC4-6F175D3DCCD1}">
+                    <a14:hiddenFill xmlns:a14="http://schemas.microsoft.com/office/drawing/2010/main">
+                      <a:solidFill>
+                        <a:schemeClr val="accent1"/>
+                      </a:solidFill>
+                    </a14:hiddenFill>
+                  </a:ext>
+                  <a:ext uri="{91240B29-F687-4F45-9708-019B960494DF}">
+                    <a14:hiddenLine xmlns:a14="http://schemas.microsoft.com/office/drawing/2010/main" w="9525">
+                      <a:solidFill>
+                        <a:schemeClr val="tx1"/>
+                      </a:solidFill>
+                      <a:miter lim="800000"/>
+                      <a:headEnd/>
+                      <a:tailEnd/>
+                    </a14:hiddenLine>
+                  </a:ext>
+                </a:extLst>
+              </p:spPr>
+            </p:pic>
+            <p:pic>
+              <p:nvPicPr>
+                <p:cNvPr id="13316" name="Picture 4"/>
+                <p:cNvPicPr>
+                  <a:picLocks noChangeAspect="1" noChangeArrowheads="1"/>
+                </p:cNvPicPr>
+                <p:nvPr/>
+              </p:nvPicPr>
+              <p:blipFill>
+                <a:blip r:embed="rId3">
+                  <a:extLst>
+                    <a:ext uri="{28A0092B-C50C-407E-A947-70E740481C1C}">
+                      <a14:useLocalDpi xmlns:a14="http://schemas.microsoft.com/office/drawing/2010/main" val="0"/>
+                    </a:ext>
+                  </a:extLst>
+                </a:blip>
+                <a:srcRect/>
+                <a:stretch>
+                  <a:fillRect/>
+                </a:stretch>
+              </p:blipFill>
+              <p:spPr bwMode="auto">
+                <a:xfrm>
+                  <a:off x="700024" y="4878654"/>
+                  <a:ext cx="2387593" cy="507445"/>
+                </a:xfrm>
+                <a:prstGeom prst="rect">
+                  <a:avLst/>
+                </a:prstGeom>
+                <a:noFill/>
+                <a:ln>
+                  <a:noFill/>
+                </a:ln>
+                <a:extLst>
+                  <a:ext uri="{909E8E84-426E-40DD-AFC4-6F175D3DCCD1}">
+                    <a14:hiddenFill xmlns:a14="http://schemas.microsoft.com/office/drawing/2010/main">
+                      <a:solidFill>
+                        <a:schemeClr val="accent1"/>
+                      </a:solidFill>
+                    </a14:hiddenFill>
+                  </a:ext>
+                  <a:ext uri="{91240B29-F687-4F45-9708-019B960494DF}">
+                    <a14:hiddenLine xmlns:a14="http://schemas.microsoft.com/office/drawing/2010/main" w="9525">
+                      <a:solidFill>
+                        <a:schemeClr val="tx1"/>
+                      </a:solidFill>
+                      <a:miter lim="800000"/>
+                      <a:headEnd/>
+                      <a:tailEnd/>
+                    </a14:hiddenLine>
+                  </a:ext>
+                </a:extLst>
+              </p:spPr>
+            </p:pic>
+          </p:grpSp>
+          <p:grpSp>
+            <p:nvGrpSpPr>
+              <p:cNvPr id="33" name="그룹 32"/>
+              <p:cNvGrpSpPr/>
+              <p:nvPr/>
+            </p:nvGrpSpPr>
+            <p:grpSpPr>
+              <a:xfrm>
+                <a:off x="3029512" y="1928146"/>
+                <a:ext cx="3036280" cy="3662196"/>
+                <a:chOff x="3122767" y="1928146"/>
+                <a:chExt cx="3036280" cy="3662196"/>
+              </a:xfrm>
+            </p:grpSpPr>
+            <p:grpSp>
+              <p:nvGrpSpPr>
+                <p:cNvPr id="30" name="그룹 29"/>
+                <p:cNvGrpSpPr/>
+                <p:nvPr/>
+              </p:nvGrpSpPr>
+              <p:grpSpPr>
+                <a:xfrm>
+                  <a:off x="3368123" y="1928146"/>
+                  <a:ext cx="2545569" cy="1308050"/>
+                  <a:chOff x="3368123" y="1928146"/>
+                  <a:chExt cx="2545569" cy="1308050"/>
+                </a:xfrm>
+              </p:grpSpPr>
+              <p:sp>
+                <p:nvSpPr>
+                  <p:cNvPr id="6" name="TextBox 5"/>
+                  <p:cNvSpPr txBox="1"/>
+                  <p:nvPr/>
+                </p:nvSpPr>
+                <p:spPr>
+                  <a:xfrm>
+                    <a:off x="3368123" y="1928146"/>
+                    <a:ext cx="2545569" cy="369332"/>
+                  </a:xfrm>
+                  <a:prstGeom prst="rect">
+                    <a:avLst/>
+                  </a:prstGeom>
+                  <a:solidFill>
+                    <a:schemeClr val="accent6">
+                      <a:lumMod val="60000"/>
+                      <a:lumOff val="40000"/>
+                    </a:schemeClr>
+                  </a:solidFill>
+                </p:spPr>
+                <p:txBody>
+                  <a:bodyPr wrap="none" rtlCol="0">
+                    <a:spAutoFit/>
+                  </a:bodyPr>
+                  <a:lstStyle/>
+                  <a:p>
+                    <a:r>
+                      <a:rPr lang="en-US" altLang="ko-KR" dirty="0" smtClean="0">
+                        <a:solidFill>
+                          <a:schemeClr val="bg1"/>
+                        </a:solidFill>
+                      </a:rPr>
+                      <a:t>Spectral Clustering #1</a:t>
+                    </a:r>
+                    <a:endParaRPr lang="ko-KR" altLang="en-US" dirty="0">
+                      <a:solidFill>
+                        <a:schemeClr val="bg1"/>
+                      </a:solidFill>
+                    </a:endParaRPr>
+                  </a:p>
+                </p:txBody>
+              </p:sp>
+              <p:sp>
+                <p:nvSpPr>
+                  <p:cNvPr id="21" name="TextBox 20"/>
+                  <p:cNvSpPr txBox="1"/>
+                  <p:nvPr/>
+                </p:nvSpPr>
+                <p:spPr>
+                  <a:xfrm>
+                    <a:off x="3407300" y="2651421"/>
+                    <a:ext cx="2467214" cy="584775"/>
+                  </a:xfrm>
+                  <a:prstGeom prst="rect">
+                    <a:avLst/>
+                  </a:prstGeom>
+                  <a:noFill/>
+                </p:spPr>
+                <p:txBody>
+                  <a:bodyPr wrap="none" rtlCol="0">
+                    <a:spAutoFit/>
+                  </a:bodyPr>
+                  <a:lstStyle/>
+                  <a:p>
+                    <a:r>
+                      <a:rPr lang="en-US" altLang="ko-KR" sz="1600" dirty="0">
+                        <a:hlinkClick r:id="rId4"/>
+                      </a:rPr>
+                      <a:t>https://elecs.tistory.com</a:t>
+                    </a:r>
+                    <a:r>
+                      <a:rPr lang="en-US" altLang="ko-KR" sz="1600" dirty="0" smtClean="0">
+                        <a:hlinkClick r:id="rId4"/>
+                      </a:rPr>
+                      <a:t>/</a:t>
+                    </a:r>
+                  </a:p>
+                  <a:p>
+                    <a:r>
+                      <a:rPr lang="en-US" altLang="ko-KR" sz="1600" dirty="0" smtClean="0">
+                        <a:hlinkClick r:id="rId4"/>
+                      </a:rPr>
+                      <a:t>169?category=643381</a:t>
+                    </a:r>
+                    <a:endParaRPr lang="ko-KR" altLang="en-US" sz="1600" dirty="0"/>
+                  </a:p>
+                </p:txBody>
+              </p:sp>
+            </p:grpSp>
+            <p:grpSp>
+              <p:nvGrpSpPr>
+                <p:cNvPr id="27" name="그룹 26"/>
+                <p:cNvGrpSpPr/>
+                <p:nvPr/>
+              </p:nvGrpSpPr>
+              <p:grpSpPr>
+                <a:xfrm>
+                  <a:off x="3122767" y="4546450"/>
+                  <a:ext cx="3036280" cy="1043892"/>
+                  <a:chOff x="3122767" y="4546450"/>
+                  <a:chExt cx="3036280" cy="1043892"/>
+                </a:xfrm>
+              </p:grpSpPr>
+              <p:sp>
+                <p:nvSpPr>
+                  <p:cNvPr id="14" name="TextBox 13"/>
+                  <p:cNvSpPr txBox="1"/>
+                  <p:nvPr/>
+                </p:nvSpPr>
+                <p:spPr>
+                  <a:xfrm>
+                    <a:off x="3971493" y="4546450"/>
+                    <a:ext cx="1338828" cy="369332"/>
+                  </a:xfrm>
+                  <a:prstGeom prst="rect">
+                    <a:avLst/>
+                  </a:prstGeom>
+                  <a:solidFill>
+                    <a:schemeClr val="accent6">
+                      <a:lumMod val="60000"/>
+                      <a:lumOff val="40000"/>
+                    </a:schemeClr>
+                  </a:solidFill>
+                </p:spPr>
+                <p:txBody>
+                  <a:bodyPr wrap="none" rtlCol="0">
+                    <a:spAutoFit/>
+                  </a:bodyPr>
+                  <a:lstStyle/>
+                  <a:p>
+                    <a:r>
+                      <a:rPr lang="en-US" altLang="ko-KR" dirty="0" err="1" smtClean="0">
+                        <a:solidFill>
+                          <a:schemeClr val="bg1"/>
+                        </a:solidFill>
+                      </a:rPr>
+                      <a:t>Lagrangian</a:t>
+                    </a:r>
+                    <a:endParaRPr lang="ko-KR" altLang="en-US" dirty="0">
+                      <a:solidFill>
+                        <a:schemeClr val="bg1"/>
+                      </a:solidFill>
+                    </a:endParaRPr>
+                  </a:p>
+                </p:txBody>
+              </p:sp>
+              <p:sp>
+                <p:nvSpPr>
+                  <p:cNvPr id="28" name="TextBox 27"/>
+                  <p:cNvSpPr txBox="1"/>
+                  <p:nvPr/>
+                </p:nvSpPr>
+                <p:spPr>
+                  <a:xfrm>
+                    <a:off x="3122767" y="5251788"/>
+                    <a:ext cx="3036280" cy="338554"/>
+                  </a:xfrm>
+                  <a:prstGeom prst="rect">
+                    <a:avLst/>
+                  </a:prstGeom>
+                  <a:noFill/>
+                </p:spPr>
+                <p:txBody>
+                  <a:bodyPr wrap="none" rtlCol="0">
+                    <a:spAutoFit/>
+                  </a:bodyPr>
+                  <a:lstStyle/>
+                  <a:p>
+                    <a:r>
+                      <a:rPr lang="en-US" altLang="ko-KR" sz="1600" dirty="0">
+                        <a:hlinkClick r:id="rId5"/>
+                      </a:rPr>
+                      <a:t>https://economia.tistory.com/2</a:t>
+                    </a:r>
+                    <a:endParaRPr lang="ko-KR" altLang="en-US" sz="1600" dirty="0"/>
+                  </a:p>
+                </p:txBody>
+              </p:sp>
+            </p:grpSp>
+          </p:grpSp>
+        </p:grpSp>
+        <p:grpSp>
+          <p:nvGrpSpPr>
+            <p:cNvPr id="39" name="그룹 38"/>
+            <p:cNvGrpSpPr/>
+            <p:nvPr/>
+          </p:nvGrpSpPr>
+          <p:grpSpPr>
+            <a:xfrm>
+              <a:off x="6296017" y="1230764"/>
+              <a:ext cx="5318731" cy="4496010"/>
+              <a:chOff x="6296017" y="1230764"/>
+              <a:chExt cx="5318731" cy="4496010"/>
+            </a:xfrm>
+          </p:grpSpPr>
+          <p:grpSp>
+            <p:nvGrpSpPr>
+              <p:cNvPr id="35" name="그룹 34"/>
+              <p:cNvGrpSpPr/>
+              <p:nvPr/>
+            </p:nvGrpSpPr>
+            <p:grpSpPr>
+              <a:xfrm>
+                <a:off x="6296017" y="1230764"/>
+                <a:ext cx="1887562" cy="4496010"/>
+                <a:chOff x="6291581" y="1230764"/>
+                <a:chExt cx="1887562" cy="4496010"/>
+              </a:xfrm>
+            </p:grpSpPr>
+            <p:pic>
+              <p:nvPicPr>
+                <p:cNvPr id="13315" name="Picture 3"/>
+                <p:cNvPicPr>
+                  <a:picLocks noChangeAspect="1" noChangeArrowheads="1"/>
+                </p:cNvPicPr>
+                <p:nvPr/>
+              </p:nvPicPr>
+              <p:blipFill>
+                <a:blip r:embed="rId6" cstate="print">
+                  <a:extLst>
+                    <a:ext uri="{28A0092B-C50C-407E-A947-70E740481C1C}">
+                      <a14:useLocalDpi xmlns:a14="http://schemas.microsoft.com/office/drawing/2010/main" val="0"/>
+                    </a:ext>
+                  </a:extLst>
+                </a:blip>
+                <a:srcRect/>
+                <a:stretch>
+                  <a:fillRect/>
+                </a:stretch>
+              </p:blipFill>
+              <p:spPr bwMode="auto">
+                <a:xfrm>
+                  <a:off x="6291581" y="1230764"/>
+                  <a:ext cx="1887562" cy="2702813"/>
+                </a:xfrm>
+                <a:prstGeom prst="rect">
+                  <a:avLst/>
+                </a:prstGeom>
+                <a:noFill/>
+                <a:ln>
+                  <a:noFill/>
+                </a:ln>
+                <a:extLst>
+                  <a:ext uri="{909E8E84-426E-40DD-AFC4-6F175D3DCCD1}">
+                    <a14:hiddenFill xmlns:a14="http://schemas.microsoft.com/office/drawing/2010/main">
+                      <a:solidFill>
+                        <a:schemeClr val="accent1"/>
+                      </a:solidFill>
+                    </a14:hiddenFill>
+                  </a:ext>
+                  <a:ext uri="{91240B29-F687-4F45-9708-019B960494DF}">
+                    <a14:hiddenLine xmlns:a14="http://schemas.microsoft.com/office/drawing/2010/main" w="9525">
+                      <a:solidFill>
+                        <a:schemeClr val="tx1"/>
+                      </a:solidFill>
+                      <a:miter lim="800000"/>
+                      <a:headEnd/>
+                      <a:tailEnd/>
+                    </a14:hiddenLine>
+                  </a:ext>
+                </a:extLst>
+              </p:spPr>
+            </p:pic>
+            <p:pic>
+              <p:nvPicPr>
+                <p:cNvPr id="13317" name="Picture 5"/>
+                <p:cNvPicPr>
+                  <a:picLocks noChangeAspect="1" noChangeArrowheads="1"/>
+                </p:cNvPicPr>
+                <p:nvPr/>
+              </p:nvPicPr>
+              <p:blipFill>
+                <a:blip r:embed="rId7">
+                  <a:extLst>
+                    <a:ext uri="{28A0092B-C50C-407E-A947-70E740481C1C}">
+                      <a14:useLocalDpi xmlns:a14="http://schemas.microsoft.com/office/drawing/2010/main" val="0"/>
+                    </a:ext>
+                  </a:extLst>
+                </a:blip>
+                <a:srcRect/>
+                <a:stretch>
+                  <a:fillRect/>
+                </a:stretch>
+              </p:blipFill>
+              <p:spPr bwMode="auto">
+                <a:xfrm>
+                  <a:off x="6297043" y="4410019"/>
+                  <a:ext cx="1882100" cy="1316755"/>
+                </a:xfrm>
+                <a:prstGeom prst="rect">
+                  <a:avLst/>
+                </a:prstGeom>
+                <a:noFill/>
+                <a:ln>
+                  <a:noFill/>
+                </a:ln>
+                <a:extLst>
+                  <a:ext uri="{909E8E84-426E-40DD-AFC4-6F175D3DCCD1}">
+                    <a14:hiddenFill xmlns:a14="http://schemas.microsoft.com/office/drawing/2010/main">
+                      <a:solidFill>
+                        <a:schemeClr val="accent1"/>
+                      </a:solidFill>
+                    </a14:hiddenFill>
+                  </a:ext>
+                  <a:ext uri="{91240B29-F687-4F45-9708-019B960494DF}">
+                    <a14:hiddenLine xmlns:a14="http://schemas.microsoft.com/office/drawing/2010/main" w="9525">
+                      <a:solidFill>
+                        <a:schemeClr val="tx1"/>
+                      </a:solidFill>
+                      <a:miter lim="800000"/>
+                      <a:headEnd/>
+                      <a:tailEnd/>
+                    </a14:hiddenLine>
+                  </a:ext>
+                </a:extLst>
+              </p:spPr>
+            </p:pic>
+          </p:grpSp>
+          <p:grpSp>
+            <p:nvGrpSpPr>
+              <p:cNvPr id="32" name="그룹 31"/>
+              <p:cNvGrpSpPr/>
+              <p:nvPr/>
+            </p:nvGrpSpPr>
+            <p:grpSpPr>
+              <a:xfrm>
+                <a:off x="8207853" y="1928146"/>
+                <a:ext cx="3406895" cy="3662196"/>
+                <a:chOff x="8084283" y="1928146"/>
+                <a:chExt cx="3406895" cy="3662196"/>
+              </a:xfrm>
+            </p:grpSpPr>
+            <p:grpSp>
+              <p:nvGrpSpPr>
+                <p:cNvPr id="31" name="그룹 30"/>
+                <p:cNvGrpSpPr/>
+                <p:nvPr/>
+              </p:nvGrpSpPr>
+              <p:grpSpPr>
+                <a:xfrm>
+                  <a:off x="8540595" y="1928146"/>
+                  <a:ext cx="2494273" cy="1554272"/>
+                  <a:chOff x="8540595" y="1928146"/>
+                  <a:chExt cx="2494273" cy="1554272"/>
+                </a:xfrm>
+              </p:grpSpPr>
+              <p:sp>
+                <p:nvSpPr>
+                  <p:cNvPr id="13" name="TextBox 12"/>
+                  <p:cNvSpPr txBox="1"/>
+                  <p:nvPr/>
+                </p:nvSpPr>
+                <p:spPr>
+                  <a:xfrm>
+                    <a:off x="8540595" y="1928146"/>
+                    <a:ext cx="2494273" cy="369332"/>
+                  </a:xfrm>
+                  <a:prstGeom prst="rect">
+                    <a:avLst/>
+                  </a:prstGeom>
+                  <a:solidFill>
+                    <a:schemeClr val="accent6">
+                      <a:lumMod val="60000"/>
+                      <a:lumOff val="40000"/>
+                    </a:schemeClr>
+                  </a:solidFill>
+                </p:spPr>
+                <p:txBody>
+                  <a:bodyPr wrap="none" rtlCol="0">
+                    <a:spAutoFit/>
+                  </a:bodyPr>
+                  <a:lstStyle/>
+                  <a:p>
+                    <a:r>
+                      <a:rPr lang="en-US" altLang="ko-KR" dirty="0" smtClean="0">
+                        <a:solidFill>
+                          <a:schemeClr val="bg1"/>
+                        </a:solidFill>
+                      </a:rPr>
+                      <a:t>Spectral Clustering #2</a:t>
+                    </a:r>
+                    <a:endParaRPr lang="ko-KR" altLang="en-US" dirty="0">
+                      <a:solidFill>
+                        <a:schemeClr val="bg1"/>
+                      </a:solidFill>
+                    </a:endParaRPr>
+                  </a:p>
+                </p:txBody>
+              </p:sp>
+              <p:sp>
+                <p:nvSpPr>
+                  <p:cNvPr id="22" name="TextBox 21"/>
+                  <p:cNvSpPr txBox="1"/>
+                  <p:nvPr/>
+                </p:nvSpPr>
+                <p:spPr>
+                  <a:xfrm>
+                    <a:off x="8586922" y="2651421"/>
+                    <a:ext cx="2401619" cy="830997"/>
+                  </a:xfrm>
+                  <a:prstGeom prst="rect">
+                    <a:avLst/>
+                  </a:prstGeom>
+                  <a:noFill/>
+                </p:spPr>
+                <p:txBody>
+                  <a:bodyPr wrap="none" rtlCol="0">
+                    <a:spAutoFit/>
+                  </a:bodyPr>
+                  <a:lstStyle/>
+                  <a:p>
+                    <a:r>
+                      <a:rPr lang="en-US" altLang="ko-KR" sz="1600" dirty="0">
+                        <a:hlinkClick r:id="rId8"/>
+                      </a:rPr>
+                      <a:t>https://ratsgo.github.io</a:t>
+                    </a:r>
+                    <a:r>
+                      <a:rPr lang="en-US" altLang="ko-KR" sz="1600" dirty="0" smtClean="0">
+                        <a:hlinkClick r:id="rId8"/>
+                      </a:rPr>
+                      <a:t>/</a:t>
+                    </a:r>
+                  </a:p>
+                  <a:p>
+                    <a:r>
+                      <a:rPr lang="en-US" altLang="ko-KR" sz="1600" dirty="0" smtClean="0">
+                        <a:hlinkClick r:id="rId8"/>
+                      </a:rPr>
+                      <a:t>machine%20learning/</a:t>
+                    </a:r>
+                  </a:p>
+                  <a:p>
+                    <a:r>
+                      <a:rPr lang="en-US" altLang="ko-KR" sz="1600" dirty="0" smtClean="0">
+                        <a:hlinkClick r:id="rId8"/>
+                      </a:rPr>
+                      <a:t>2017/04/27/spectral</a:t>
+                    </a:r>
+                    <a:r>
+                      <a:rPr lang="en-US" altLang="ko-KR" sz="1600" dirty="0">
+                        <a:hlinkClick r:id="rId8"/>
+                      </a:rPr>
+                      <a:t>/</a:t>
+                    </a:r>
+                    <a:endParaRPr lang="ko-KR" altLang="en-US" sz="1600" dirty="0"/>
+                  </a:p>
+                </p:txBody>
+              </p:sp>
+            </p:grpSp>
+            <p:grpSp>
+              <p:nvGrpSpPr>
+                <p:cNvPr id="26" name="그룹 25"/>
+                <p:cNvGrpSpPr/>
+                <p:nvPr/>
+              </p:nvGrpSpPr>
+              <p:grpSpPr>
+                <a:xfrm>
+                  <a:off x="8084283" y="4546450"/>
+                  <a:ext cx="3406895" cy="1043892"/>
+                  <a:chOff x="8084283" y="4546450"/>
+                  <a:chExt cx="3406895" cy="1043892"/>
+                </a:xfrm>
+              </p:grpSpPr>
+              <p:sp>
+                <p:nvSpPr>
+                  <p:cNvPr id="16" name="TextBox 15"/>
+                  <p:cNvSpPr txBox="1"/>
+                  <p:nvPr/>
+                </p:nvSpPr>
+                <p:spPr>
+                  <a:xfrm>
+                    <a:off x="9213694" y="4546450"/>
+                    <a:ext cx="1148071" cy="369332"/>
+                  </a:xfrm>
+                  <a:prstGeom prst="rect">
+                    <a:avLst/>
+                  </a:prstGeom>
+                  <a:solidFill>
+                    <a:schemeClr val="accent6">
+                      <a:lumMod val="60000"/>
+                      <a:lumOff val="40000"/>
+                    </a:schemeClr>
+                  </a:solidFill>
+                </p:spPr>
+                <p:txBody>
+                  <a:bodyPr wrap="none" rtlCol="0">
+                    <a:spAutoFit/>
+                  </a:bodyPr>
+                  <a:lstStyle/>
+                  <a:p>
+                    <a:r>
+                      <a:rPr lang="en-US" altLang="ko-KR" dirty="0" smtClean="0">
+                        <a:solidFill>
+                          <a:schemeClr val="bg1"/>
+                        </a:solidFill>
+                      </a:rPr>
+                      <a:t>Laplacian</a:t>
+                    </a:r>
+                    <a:endParaRPr lang="ko-KR" altLang="en-US" dirty="0">
+                      <a:solidFill>
+                        <a:schemeClr val="bg1"/>
+                      </a:solidFill>
+                    </a:endParaRPr>
+                  </a:p>
+                </p:txBody>
+              </p:sp>
+              <p:sp>
+                <p:nvSpPr>
+                  <p:cNvPr id="29" name="TextBox 28"/>
+                  <p:cNvSpPr txBox="1"/>
+                  <p:nvPr/>
+                </p:nvSpPr>
+                <p:spPr>
+                  <a:xfrm>
+                    <a:off x="8084283" y="5251788"/>
+                    <a:ext cx="3406895" cy="338554"/>
+                  </a:xfrm>
+                  <a:prstGeom prst="rect">
+                    <a:avLst/>
+                  </a:prstGeom>
+                  <a:noFill/>
+                </p:spPr>
+                <p:txBody>
+                  <a:bodyPr wrap="none" rtlCol="0">
+                    <a:spAutoFit/>
+                  </a:bodyPr>
+                  <a:lstStyle/>
+                  <a:p>
+                    <a:r>
+                      <a:rPr lang="en-US" altLang="ko-KR" sz="1600" dirty="0">
+                        <a:hlinkClick r:id="rId9"/>
+                      </a:rPr>
+                      <a:t>https://micropilot.tistory.com/2970</a:t>
+                    </a:r>
+                    <a:endParaRPr lang="ko-KR" altLang="en-US" sz="1600" dirty="0"/>
+                  </a:p>
+                </p:txBody>
+              </p:sp>
+            </p:grpSp>
+          </p:grpSp>
+        </p:grpSp>
+      </p:grpSp>
+    </p:spTree>
+    <p:extLst>
+      <p:ext uri="{BB962C8B-B14F-4D97-AF65-F5344CB8AC3E}">
+        <p14:creationId xmlns:p14="http://schemas.microsoft.com/office/powerpoint/2010/main" val="211452518"/>
+      </p:ext>
+    </p:extLst>
+  </p:cSld>
+  <p:clrMapOvr>
+    <a:masterClrMapping/>
+  </p:clrMapOvr>
+  <p:timing>
+    <p:tnLst>
+      <p:par>
+        <p:cTn id="1" dur="indefinite" restart="never" nodeType="tmRoot"/>
+      </p:par>
+    </p:tnLst>
+  </p:timing>
 </p:sld>
 </file>
 
@@ -3710,8 +7671,8 @@
           </p:nvSpPr>
           <p:spPr>
             <a:xfrm>
-              <a:off x="3753558" y="2605837"/>
-              <a:ext cx="476250" cy="628650"/>
+              <a:off x="3753558" y="2684005"/>
+              <a:ext cx="476250" cy="472314"/>
             </a:xfrm>
             <a:prstGeom prst="rightArrow">
               <a:avLst/>
@@ -3756,8 +7717,8 @@
           </p:nvSpPr>
           <p:spPr>
             <a:xfrm>
-              <a:off x="7962192" y="2605837"/>
-              <a:ext cx="476250" cy="628650"/>
+              <a:off x="7962192" y="2684005"/>
+              <a:ext cx="476250" cy="472314"/>
             </a:xfrm>
             <a:prstGeom prst="rightArrow">
               <a:avLst/>
@@ -3927,8 +7888,8 @@
         </p:nvSpPr>
         <p:spPr>
           <a:xfrm>
-            <a:off x="504453" y="508351"/>
-            <a:ext cx="3249105" cy="472375"/>
+            <a:off x="504452" y="508351"/>
+            <a:ext cx="2197559" cy="472375"/>
           </a:xfrm>
           <a:solidFill>
             <a:srgbClr val="B889DB"/>
@@ -3946,7 +7907,15 @@
                   <a:schemeClr val="bg1"/>
                 </a:solidFill>
               </a:rPr>
-              <a:t>Step 1. Affinity Matrix</a:t>
+              <a:t>Affinity </a:t>
+            </a:r>
+            <a:r>
+              <a:rPr lang="en-US" altLang="ko-KR" sz="2400" dirty="0" smtClean="0">
+                <a:solidFill>
+                  <a:schemeClr val="bg1"/>
+                </a:solidFill>
+              </a:rPr>
+              <a:t>Matrix</a:t>
             </a:r>
             <a:endParaRPr lang="ko-KR" altLang="en-US" sz="2400" dirty="0">
               <a:solidFill>
@@ -3964,10 +7933,10 @@
         </p:nvGrpSpPr>
         <p:grpSpPr>
           <a:xfrm>
-            <a:off x="656853" y="1201736"/>
-            <a:ext cx="10925546" cy="3051181"/>
-            <a:chOff x="656853" y="1239836"/>
-            <a:chExt cx="10925546" cy="3051181"/>
+            <a:off x="656853" y="1242926"/>
+            <a:ext cx="10925546" cy="3048001"/>
+            <a:chOff x="656853" y="1281026"/>
+            <a:chExt cx="10925546" cy="3048001"/>
           </a:xfrm>
         </p:grpSpPr>
         <p:sp>
@@ -4149,7 +8118,7 @@
           </p:blipFill>
           <p:spPr bwMode="auto">
             <a:xfrm>
-              <a:off x="656853" y="1239836"/>
+              <a:off x="656853" y="1281026"/>
               <a:ext cx="4589318" cy="3048001"/>
             </a:xfrm>
             <a:prstGeom prst="rect">
@@ -4466,6 +8435,384 @@
           <a:chExt cx="0" cy="0"/>
         </a:xfrm>
       </p:grpSpPr>
+      <p:grpSp>
+        <p:nvGrpSpPr>
+          <p:cNvPr id="3" name="그룹 2"/>
+          <p:cNvGrpSpPr/>
+          <p:nvPr/>
+        </p:nvGrpSpPr>
+        <p:grpSpPr>
+          <a:xfrm>
+            <a:off x="656853" y="1293286"/>
+            <a:ext cx="10925547" cy="4662815"/>
+            <a:chOff x="656853" y="1252096"/>
+            <a:chExt cx="10925547" cy="4662815"/>
+          </a:xfrm>
+        </p:grpSpPr>
+        <p:sp>
+          <p:nvSpPr>
+            <p:cNvPr id="5" name="TextBox 4"/>
+            <p:cNvSpPr txBox="1"/>
+            <p:nvPr/>
+          </p:nvSpPr>
+          <p:spPr>
+            <a:xfrm>
+              <a:off x="4506098" y="1252096"/>
+              <a:ext cx="7076302" cy="4662815"/>
+            </a:xfrm>
+            <a:prstGeom prst="rect">
+              <a:avLst/>
+            </a:prstGeom>
+            <a:solidFill>
+              <a:srgbClr val="FFF2CC">
+                <a:alpha val="69804"/>
+              </a:srgbClr>
+            </a:solidFill>
+          </p:spPr>
+          <p:txBody>
+            <a:bodyPr wrap="square" rtlCol="0">
+              <a:spAutoFit/>
+            </a:bodyPr>
+            <a:lstStyle/>
+            <a:p>
+              <a:pPr marL="285750" indent="-285750">
+                <a:lnSpc>
+                  <a:spcPct val="150000"/>
+                </a:lnSpc>
+                <a:buFont typeface="Arial" panose="020B0604020202020204" pitchFamily="34" charset="0"/>
+                <a:buChar char="•"/>
+              </a:pPr>
+              <a:r>
+                <a:rPr lang="en-US" altLang="ko-KR" dirty="0"/>
+                <a:t>σ</a:t>
+              </a:r>
+              <a:r>
+                <a:rPr lang="ko-KR" altLang="en-US" dirty="0"/>
+                <a:t>의 값이 작을수록 각 그룹을 세분하게 나누어줄 수 있으나 자칫하면 같은 그룹에 속하는 데이터 사이의 간격이 조금이라도 멀어지면 </a:t>
+              </a:r>
+              <a:r>
+                <a:rPr lang="en-US" altLang="ko-KR" dirty="0"/>
+                <a:t>w</a:t>
+              </a:r>
+              <a:r>
+                <a:rPr lang="ko-KR" altLang="en-US" dirty="0"/>
+                <a:t>값</a:t>
+              </a:r>
+              <a:r>
+                <a:rPr lang="en-US" altLang="ko-KR" dirty="0"/>
+                <a:t>(affinity)</a:t>
+              </a:r>
+              <a:r>
+                <a:rPr lang="ko-KR" altLang="en-US" dirty="0"/>
+                <a:t>이 급격하게 줄어드는 것을 </a:t>
+              </a:r>
+              <a:r>
+                <a:rPr lang="ko-KR" altLang="en-US" dirty="0" smtClean="0"/>
+                <a:t>볼 수 있다</a:t>
+              </a:r>
+              <a:r>
+                <a:rPr lang="en-US" altLang="ko-KR" dirty="0" smtClean="0"/>
+                <a:t>.</a:t>
+              </a:r>
+            </a:p>
+            <a:p>
+              <a:pPr marL="285750" indent="-285750">
+                <a:lnSpc>
+                  <a:spcPct val="150000"/>
+                </a:lnSpc>
+                <a:buFont typeface="Arial" panose="020B0604020202020204" pitchFamily="34" charset="0"/>
+                <a:buChar char="•"/>
+              </a:pPr>
+              <a:endParaRPr lang="en-US" altLang="ko-KR" dirty="0" smtClean="0"/>
+            </a:p>
+            <a:p>
+              <a:pPr marL="285750" indent="-285750">
+                <a:lnSpc>
+                  <a:spcPct val="150000"/>
+                </a:lnSpc>
+                <a:buFont typeface="Arial" panose="020B0604020202020204" pitchFamily="34" charset="0"/>
+                <a:buChar char="•"/>
+              </a:pPr>
+              <a:r>
+                <a:rPr lang="ko-KR" altLang="en-US" dirty="0" smtClean="0"/>
+                <a:t>반면</a:t>
+              </a:r>
+              <a:r>
+                <a:rPr lang="en-US" altLang="ko-KR" dirty="0"/>
+                <a:t>, σ</a:t>
+              </a:r>
+              <a:r>
+                <a:rPr lang="ko-KR" altLang="en-US" dirty="0"/>
+                <a:t>의 값이 클수록 다소 멀리 떨어져 있는 같은 그룹 내의 데이터를 포함시킬 수 있으나 자칫하면 비교적 거리가 가까운 다른 그룹의 데이터까지 포함해버리는 경우가 </a:t>
+              </a:r>
+              <a:r>
+                <a:rPr lang="ko-KR" altLang="en-US" dirty="0" smtClean="0"/>
+                <a:t>발생하게 된다</a:t>
+              </a:r>
+              <a:r>
+                <a:rPr lang="en-US" altLang="ko-KR" dirty="0" smtClean="0"/>
+                <a:t>.</a:t>
+              </a:r>
+            </a:p>
+            <a:p>
+              <a:pPr marL="285750" indent="-285750">
+                <a:lnSpc>
+                  <a:spcPct val="150000"/>
+                </a:lnSpc>
+                <a:buFont typeface="Arial" panose="020B0604020202020204" pitchFamily="34" charset="0"/>
+                <a:buChar char="•"/>
+              </a:pPr>
+              <a:endParaRPr lang="en-US" altLang="ko-KR" dirty="0" smtClean="0"/>
+            </a:p>
+            <a:p>
+              <a:pPr marL="285750" indent="-285750">
+                <a:lnSpc>
+                  <a:spcPct val="150000"/>
+                </a:lnSpc>
+                <a:buFont typeface="Arial" panose="020B0604020202020204" pitchFamily="34" charset="0"/>
+                <a:buChar char="•"/>
+              </a:pPr>
+              <a:r>
+                <a:rPr lang="en-US" altLang="ko-KR" dirty="0" smtClean="0"/>
+                <a:t>σ</a:t>
+              </a:r>
+              <a:r>
+                <a:rPr lang="ko-KR" altLang="en-US" dirty="0"/>
+                <a:t>의 값을 각 데이터 </a:t>
+              </a:r>
+              <a:r>
+                <a:rPr lang="en-US" altLang="ko-KR" dirty="0" err="1"/>
+                <a:t>i</a:t>
+              </a:r>
+              <a:r>
+                <a:rPr lang="ko-KR" altLang="en-US" dirty="0"/>
+                <a:t>와 </a:t>
+              </a:r>
+              <a:r>
+                <a:rPr lang="en-US" altLang="ko-KR" dirty="0"/>
+                <a:t>j</a:t>
+              </a:r>
+              <a:r>
+                <a:rPr lang="ko-KR" altLang="en-US" dirty="0"/>
+                <a:t>의 주변 점에서 </a:t>
+              </a:r>
+              <a:r>
+                <a:rPr lang="en-US" altLang="ko-KR" dirty="0"/>
+                <a:t>(2d+1)</a:t>
+              </a:r>
+              <a:r>
+                <a:rPr lang="ko-KR" altLang="en-US" dirty="0"/>
+                <a:t>번째로 가까운 점 사이의 거리를 </a:t>
+              </a:r>
+              <a:r>
+                <a:rPr lang="en-US" altLang="ko-KR" dirty="0"/>
+                <a:t>σ</a:t>
+              </a:r>
+              <a:r>
+                <a:rPr lang="ko-KR" altLang="en-US" dirty="0"/>
+                <a:t>로 사용할 경우 최적의 값을 구할 수 있다고 </a:t>
+              </a:r>
+              <a:r>
+                <a:rPr lang="ko-KR" altLang="en-US" dirty="0" smtClean="0"/>
+                <a:t>알려져 있다</a:t>
+              </a:r>
+              <a:r>
+                <a:rPr lang="en-US" altLang="ko-KR" dirty="0"/>
+                <a:t>. </a:t>
+              </a:r>
+              <a:r>
+                <a:rPr lang="en-US" altLang="ko-KR" dirty="0" smtClean="0"/>
+                <a:t>(d</a:t>
+              </a:r>
+              <a:r>
+                <a:rPr lang="ko-KR" altLang="en-US" dirty="0"/>
+                <a:t>는 데이터의 차원을 </a:t>
+              </a:r>
+              <a:r>
+                <a:rPr lang="ko-KR" altLang="en-US" dirty="0" smtClean="0"/>
+                <a:t>의미</a:t>
+              </a:r>
+              <a:r>
+                <a:rPr lang="en-US" altLang="ko-KR" dirty="0" smtClean="0"/>
+                <a:t>)</a:t>
+              </a:r>
+              <a:endParaRPr lang="ko-KR" altLang="en-US" dirty="0"/>
+            </a:p>
+          </p:txBody>
+        </p:sp>
+        <p:pic>
+          <p:nvPicPr>
+            <p:cNvPr id="1026" name="Picture 2" descr="https://t1.daumcdn.net/cfile/tistory/21505D35567AB4C617"/>
+            <p:cNvPicPr>
+              <a:picLocks noChangeAspect="1" noChangeArrowheads="1"/>
+            </p:cNvPicPr>
+            <p:nvPr/>
+          </p:nvPicPr>
+          <p:blipFill>
+            <a:blip r:embed="rId2">
+              <a:extLst>
+                <a:ext uri="{28A0092B-C50C-407E-A947-70E740481C1C}">
+                  <a14:useLocalDpi xmlns:a14="http://schemas.microsoft.com/office/drawing/2010/main" val="0"/>
+                </a:ext>
+              </a:extLst>
+            </a:blip>
+            <a:srcRect/>
+            <a:stretch>
+              <a:fillRect/>
+            </a:stretch>
+          </p:blipFill>
+          <p:spPr bwMode="auto">
+            <a:xfrm>
+              <a:off x="656853" y="1252096"/>
+              <a:ext cx="3630454" cy="2800636"/>
+            </a:xfrm>
+            <a:prstGeom prst="rect">
+              <a:avLst/>
+            </a:prstGeom>
+            <a:noFill/>
+            <a:extLst>
+              <a:ext uri="{909E8E84-426E-40DD-AFC4-6F175D3DCCD1}">
+                <a14:hiddenFill xmlns:a14="http://schemas.microsoft.com/office/drawing/2010/main">
+                  <a:solidFill>
+                    <a:srgbClr val="FFFFFF"/>
+                  </a:solidFill>
+                </a14:hiddenFill>
+              </a:ext>
+            </a:extLst>
+          </p:spPr>
+        </p:pic>
+        <p:pic>
+          <p:nvPicPr>
+            <p:cNvPr id="1028" name="Picture 4" descr="https://t1.daumcdn.net/cfile/tistory/241B3648568003B91D"/>
+            <p:cNvPicPr>
+              <a:picLocks noChangeAspect="1" noChangeArrowheads="1"/>
+            </p:cNvPicPr>
+            <p:nvPr/>
+          </p:nvPicPr>
+          <p:blipFill>
+            <a:blip r:embed="rId3">
+              <a:extLst>
+                <a:ext uri="{28A0092B-C50C-407E-A947-70E740481C1C}">
+                  <a14:useLocalDpi xmlns:a14="http://schemas.microsoft.com/office/drawing/2010/main" val="0"/>
+                </a:ext>
+              </a:extLst>
+            </a:blip>
+            <a:srcRect/>
+            <a:stretch>
+              <a:fillRect/>
+            </a:stretch>
+          </p:blipFill>
+          <p:spPr bwMode="auto">
+            <a:xfrm>
+              <a:off x="999429" y="4435751"/>
+              <a:ext cx="2945301" cy="1135170"/>
+            </a:xfrm>
+            <a:prstGeom prst="rect">
+              <a:avLst/>
+            </a:prstGeom>
+            <a:noFill/>
+            <a:extLst>
+              <a:ext uri="{909E8E84-426E-40DD-AFC4-6F175D3DCCD1}">
+                <a14:hiddenFill xmlns:a14="http://schemas.microsoft.com/office/drawing/2010/main">
+                  <a:solidFill>
+                    <a:srgbClr val="FFFFFF"/>
+                  </a:solidFill>
+                </a14:hiddenFill>
+              </a:ext>
+            </a:extLst>
+          </p:spPr>
+        </p:pic>
+      </p:grpSp>
+      <p:sp>
+        <p:nvSpPr>
+          <p:cNvPr id="18" name="제목 1"/>
+          <p:cNvSpPr txBox="1">
+            <a:spLocks/>
+          </p:cNvSpPr>
+          <p:nvPr/>
+        </p:nvSpPr>
+        <p:spPr>
+          <a:xfrm>
+            <a:off x="504452" y="508351"/>
+            <a:ext cx="2197559" cy="472375"/>
+          </a:xfrm>
+          <a:prstGeom prst="rect">
+            <a:avLst/>
+          </a:prstGeom>
+          <a:solidFill>
+            <a:srgbClr val="B889DB"/>
+          </a:solidFill>
+        </p:spPr>
+        <p:txBody>
+          <a:bodyPr vert="horz" lIns="91440" tIns="45720" rIns="91440" bIns="45720" rtlCol="0" anchor="ctr">
+            <a:noAutofit/>
+          </a:bodyPr>
+          <a:lstStyle>
+            <a:lvl1pPr algn="ctr" defTabSz="914400" rtl="0" eaLnBrk="1" latinLnBrk="1" hangingPunct="1">
+              <a:lnSpc>
+                <a:spcPct val="90000"/>
+              </a:lnSpc>
+              <a:spcBef>
+                <a:spcPct val="0"/>
+              </a:spcBef>
+              <a:buNone/>
+              <a:defRPr sz="6000" kern="1200">
+                <a:solidFill>
+                  <a:schemeClr val="tx1"/>
+                </a:solidFill>
+                <a:latin typeface="+mj-lt"/>
+                <a:ea typeface="+mj-ea"/>
+                <a:cs typeface="+mj-cs"/>
+              </a:defRPr>
+            </a:lvl1pPr>
+          </a:lstStyle>
+          <a:p>
+            <a:r>
+              <a:rPr lang="en-US" altLang="ko-KR" sz="2400" smtClean="0">
+                <a:solidFill>
+                  <a:schemeClr val="bg1"/>
+                </a:solidFill>
+              </a:rPr>
+              <a:t>Affinity Matrix</a:t>
+            </a:r>
+            <a:endParaRPr lang="ko-KR" altLang="en-US" sz="2400" dirty="0">
+              <a:solidFill>
+                <a:schemeClr val="bg1"/>
+              </a:solidFill>
+            </a:endParaRPr>
+          </a:p>
+        </p:txBody>
+      </p:sp>
+    </p:spTree>
+    <p:extLst>
+      <p:ext uri="{BB962C8B-B14F-4D97-AF65-F5344CB8AC3E}">
+        <p14:creationId xmlns:p14="http://schemas.microsoft.com/office/powerpoint/2010/main" val="566615782"/>
+      </p:ext>
+    </p:extLst>
+  </p:cSld>
+  <p:clrMapOvr>
+    <a:masterClrMapping/>
+  </p:clrMapOvr>
+</p:sld>
+</file>
+
+<file path=ppt/slides/slide6.xml><?xml version="1.0" encoding="utf-8"?>
+<p:sld xmlns:a="http://schemas.openxmlformats.org/drawingml/2006/main" xmlns:r="http://schemas.openxmlformats.org/officeDocument/2006/relationships" xmlns:p="http://schemas.openxmlformats.org/presentationml/2006/main">
+  <p:cSld>
+    <p:spTree>
+      <p:nvGrpSpPr>
+        <p:cNvPr id="1" name=""/>
+        <p:cNvGrpSpPr/>
+        <p:nvPr/>
+      </p:nvGrpSpPr>
+      <p:grpSpPr>
+        <a:xfrm>
+          <a:off x="0" y="0"/>
+          <a:ext cx="0" cy="0"/>
+          <a:chOff x="0" y="0"/>
+          <a:chExt cx="0" cy="0"/>
+        </a:xfrm>
+      </p:grpSpPr>
       <p:sp>
         <p:nvSpPr>
           <p:cNvPr id="2" name="제목 1"/>
@@ -4478,8 +8825,8 @@
         </p:nvSpPr>
         <p:spPr>
           <a:xfrm>
-            <a:off x="504453" y="508351"/>
-            <a:ext cx="3343647" cy="472375"/>
+            <a:off x="504454" y="508351"/>
+            <a:ext cx="2321124" cy="472375"/>
           </a:xfrm>
           <a:solidFill>
             <a:srgbClr val="B889DB"/>
@@ -4497,7 +8844,15 @@
                   <a:schemeClr val="bg1"/>
                 </a:solidFill>
               </a:rPr>
-              <a:t>Step 2. Graph building</a:t>
+              <a:t>Graph </a:t>
+            </a:r>
+            <a:r>
+              <a:rPr lang="en-US" altLang="ko-KR" sz="2400" dirty="0" smtClean="0">
+                <a:solidFill>
+                  <a:schemeClr val="bg1"/>
+                </a:solidFill>
+              </a:rPr>
+              <a:t>building</a:t>
             </a:r>
             <a:endParaRPr lang="ko-KR" altLang="en-US" sz="2400" dirty="0">
               <a:solidFill>
@@ -4536,10 +8891,7 @@
               <a:avLst/>
             </a:prstGeom>
             <a:solidFill>
-              <a:schemeClr val="accent2">
-                <a:lumMod val="20000"/>
-                <a:lumOff val="80000"/>
-              </a:schemeClr>
+              <a:srgbClr val="FBE5D6"/>
             </a:solidFill>
           </p:spPr>
           <p:txBody>
@@ -4687,10 +9039,20 @@
                 <a:t>그럼에도 불구하고 군집 사이가 너무 멀어서 연결 안되는 경우가 발생할 수 있는데 이럴 때는 </a:t>
               </a:r>
               <a:r>
+                <a:rPr lang="en-US" altLang="ko-KR" dirty="0" smtClean="0"/>
+                <a:t>*</a:t>
+              </a:r>
+              <a:r>
+                <a:rPr lang="en-US" altLang="ko-KR" dirty="0" smtClean="0">
+                  <a:hlinkClick r:id="rId2"/>
+                </a:rPr>
+                <a:t>minimum </a:t>
+              </a:r>
+              <a:r>
                 <a:rPr lang="en-US" altLang="ko-KR" dirty="0">
                   <a:hlinkClick r:id="rId2"/>
                 </a:rPr>
-                <a:t>minimum spanning tree</a:t>
+                <a:t>spanning tree</a:t>
               </a:r>
               <a:r>
                 <a:rPr lang="ko-KR" altLang="en-US" dirty="0"/>
@@ -4782,7 +9144,7 @@
               <p:spPr>
                 <a:xfrm>
                   <a:off x="518553" y="2060617"/>
-                  <a:ext cx="3672000" cy="1338828"/>
+                  <a:ext cx="3672000" cy="1285288"/>
                 </a:xfrm>
                 <a:prstGeom prst="rect">
                   <a:avLst/>
@@ -4822,7 +9184,7 @@
                   </a:r>
                 </a:p>
                 <a:p>
-                  <a:pPr lvl="1">
+                  <a:pPr algn="ctr">
                     <a:lnSpc>
                       <a:spcPct val="150000"/>
                     </a:lnSpc>
@@ -4908,7 +9270,7 @@
                   </a:r>
                 </a:p>
                 <a:p>
-                  <a:pPr lvl="1">
+                  <a:pPr algn="ctr">
                     <a:lnSpc>
                       <a:spcPct val="150000"/>
                     </a:lnSpc>
@@ -4923,15 +9285,31 @@
                   </a:r>
                   <a:r>
                     <a:rPr lang="ko-KR" altLang="en-US" dirty="0" smtClean="0"/>
-                    <a:t>보다 가까운 노드만 </a:t>
+                    <a:t>보다 가까운 </a:t>
                   </a:r>
+                  <a:r>
+                    <a:rPr lang="ko-KR" altLang="en-US" dirty="0" err="1" smtClean="0"/>
+                    <a:t>노드만</a:t>
+                  </a:r>
+                  <a:endParaRPr lang="en-US" altLang="ko-KR" dirty="0" smtClean="0"/>
+                </a:p>
+                <a:p>
+                  <a:pPr algn="ctr">
+                    <a:lnSpc>
+                      <a:spcPct val="150000"/>
+                    </a:lnSpc>
+                  </a:pPr>
                   <a:r>
                     <a:rPr lang="ko-KR" altLang="en-US" dirty="0" err="1" smtClean="0"/>
                     <a:t>엣지로</a:t>
                   </a:r>
                   <a:r>
                     <a:rPr lang="ko-KR" altLang="en-US" dirty="0" smtClean="0"/>
-                    <a:t> 연결</a:t>
+                    <a:t> </a:t>
+                  </a:r>
+                  <a:r>
+                    <a:rPr lang="ko-KR" altLang="en-US" dirty="0" smtClean="0"/>
+                    <a:t>연결</a:t>
                   </a:r>
                   <a:endParaRPr lang="en-US" altLang="ko-KR" dirty="0" smtClean="0"/>
                 </a:p>
@@ -4946,7 +9324,7 @@
               <p:spPr>
                 <a:xfrm>
                   <a:off x="8013259" y="2060617"/>
-                  <a:ext cx="3672000" cy="1338828"/>
+                  <a:ext cx="3672000" cy="1285288"/>
                 </a:xfrm>
                 <a:prstGeom prst="rect">
                   <a:avLst/>
@@ -4986,14 +9364,18 @@
                   </a:r>
                 </a:p>
                 <a:p>
-                  <a:pPr lvl="1">
+                  <a:pPr algn="ctr">
                     <a:lnSpc>
                       <a:spcPct val="150000"/>
                     </a:lnSpc>
                   </a:pPr>
                   <a:r>
                     <a:rPr lang="ko-KR" altLang="en-US" dirty="0" smtClean="0"/>
-                    <a:t>각 노드 주변 </a:t>
+                    <a:t>각 </a:t>
+                  </a:r>
+                  <a:r>
+                    <a:rPr lang="ko-KR" altLang="en-US" dirty="0" smtClean="0"/>
+                    <a:t>노드 주변 </a:t>
                   </a:r>
                   <a:r>
                     <a:rPr lang="en-US" altLang="ko-KR" dirty="0" smtClean="0"/>
@@ -5001,15 +9383,31 @@
                   </a:r>
                   <a:r>
                     <a:rPr lang="ko-KR" altLang="en-US" dirty="0" smtClean="0"/>
-                    <a:t>개의 이웃들만 </a:t>
+                    <a:t>개의 </a:t>
                   </a:r>
+                  <a:r>
+                    <a:rPr lang="ko-KR" altLang="en-US" dirty="0" smtClean="0"/>
+                    <a:t>이웃들만</a:t>
+                  </a:r>
+                  <a:endParaRPr lang="en-US" altLang="ko-KR" dirty="0" smtClean="0"/>
+                </a:p>
+                <a:p>
+                  <a:pPr algn="ctr">
+                    <a:lnSpc>
+                      <a:spcPct val="150000"/>
+                    </a:lnSpc>
+                  </a:pPr>
                   <a:r>
                     <a:rPr lang="ko-KR" altLang="en-US" dirty="0" err="1" smtClean="0"/>
                     <a:t>엣지로</a:t>
                   </a:r>
                   <a:r>
                     <a:rPr lang="ko-KR" altLang="en-US" dirty="0" smtClean="0"/>
-                    <a:t> 연결</a:t>
+                    <a:t> </a:t>
+                  </a:r>
+                  <a:r>
+                    <a:rPr lang="ko-KR" altLang="en-US" dirty="0" smtClean="0"/>
+                    <a:t>연결</a:t>
                   </a:r>
                   <a:endParaRPr lang="en-US" altLang="ko-KR" dirty="0" smtClean="0"/>
                 </a:p>
@@ -5038,7 +9436,7 @@
 </p:sld>
 </file>
 
-<file path=ppt/slides/slide6.xml><?xml version="1.0" encoding="utf-8"?>
+<file path=ppt/slides/slide7.xml><?xml version="1.0" encoding="utf-8"?>
 <p:sld xmlns:a="http://schemas.openxmlformats.org/drawingml/2006/main" xmlns:r="http://schemas.openxmlformats.org/officeDocument/2006/relationships" xmlns:p="http://schemas.openxmlformats.org/presentationml/2006/main">
   <p:cSld>
     <p:spTree>
@@ -5057,28 +9455,47 @@
       </p:grpSpPr>
       <p:sp>
         <p:nvSpPr>
-          <p:cNvPr id="2" name="제목 1"/>
-          <p:cNvSpPr>
-            <a:spLocks noGrp="1"/>
+          <p:cNvPr id="13" name="제목 1"/>
+          <p:cNvSpPr txBox="1">
+            <a:spLocks/>
           </p:cNvSpPr>
-          <p:nvPr>
-            <p:ph type="ctrTitle"/>
-          </p:nvPr>
+          <p:nvPr/>
         </p:nvSpPr>
         <p:spPr>
           <a:xfrm>
             <a:off x="504453" y="508351"/>
-            <a:ext cx="3343647" cy="472375"/>
+            <a:ext cx="1629347" cy="472375"/>
           </a:xfrm>
+          <a:prstGeom prst="rect">
+            <a:avLst/>
+          </a:prstGeom>
           <a:solidFill>
             <a:srgbClr val="B889DB"/>
           </a:solidFill>
         </p:spPr>
         <p:txBody>
-          <a:bodyPr anchor="ctr">
+          <a:bodyPr vert="horz" lIns="91440" tIns="45720" rIns="91440" bIns="45720" rtlCol="0" anchor="ctr">
             <a:noAutofit/>
           </a:bodyPr>
-          <a:lstStyle/>
+          <a:lstStyle>
+            <a:lvl1pPr algn="ctr" defTabSz="914400" rtl="0" eaLnBrk="1" latinLnBrk="1" hangingPunct="1">
+              <a:lnSpc>
+                <a:spcPct val="90000"/>
+              </a:lnSpc>
+              <a:spcBef>
+                <a:spcPct val="0"/>
+              </a:spcBef>
+              <a:buNone/>
+              <a:defRPr sz="6000" kern="1200">
+                <a:solidFill>
+                  <a:schemeClr val="tx1"/>
+                </a:solidFill>
+                <a:latin typeface="+mj-lt"/>
+                <a:ea typeface="+mj-ea"/>
+                <a:cs typeface="+mj-cs"/>
+              </a:defRPr>
+            </a:lvl1pPr>
+          </a:lstStyle>
           <a:p>
             <a:r>
               <a:rPr lang="en-US" altLang="ko-KR" sz="2400" dirty="0" smtClean="0">
@@ -5086,7 +9503,7 @@
                   <a:schemeClr val="bg1"/>
                 </a:solidFill>
               </a:rPr>
-              <a:t>Step 2. Graph building</a:t>
+              <a:t>Graph Cut</a:t>
             </a:r>
             <a:endParaRPr lang="ko-KR" altLang="en-US" sz="2400" dirty="0">
               <a:solidFill>
@@ -5098,41 +9515,79 @@
       </p:sp>
       <p:grpSp>
         <p:nvGrpSpPr>
-          <p:cNvPr id="20" name="그룹 19"/>
+          <p:cNvPr id="7" name="그룹 6"/>
           <p:cNvGrpSpPr/>
           <p:nvPr/>
         </p:nvGrpSpPr>
         <p:grpSpPr>
           <a:xfrm>
-            <a:off x="504453" y="1279784"/>
-            <a:ext cx="11166706" cy="5079599"/>
-            <a:chOff x="518553" y="1232159"/>
-            <a:chExt cx="11166706" cy="5079599"/>
+            <a:off x="504453" y="1515627"/>
+            <a:ext cx="4554108" cy="4489968"/>
+            <a:chOff x="504453" y="1344827"/>
+            <a:chExt cx="4554108" cy="4489968"/>
           </a:xfrm>
         </p:grpSpPr>
+        <p:pic>
+          <p:nvPicPr>
+            <p:cNvPr id="4098" name="Picture 2" descr="http://i.imgur.com/d8yZTY1.png"/>
+            <p:cNvPicPr>
+              <a:picLocks noChangeAspect="1" noChangeArrowheads="1"/>
+            </p:cNvPicPr>
+            <p:nvPr/>
+          </p:nvPicPr>
+          <p:blipFill>
+            <a:blip r:embed="rId2" cstate="print">
+              <a:extLst>
+                <a:ext uri="{28A0092B-C50C-407E-A947-70E740481C1C}">
+                  <a14:useLocalDpi xmlns:a14="http://schemas.microsoft.com/office/drawing/2010/main" val="0"/>
+                </a:ext>
+              </a:extLst>
+            </a:blip>
+            <a:srcRect/>
+            <a:stretch>
+              <a:fillRect/>
+            </a:stretch>
+          </p:blipFill>
+          <p:spPr bwMode="auto">
+            <a:xfrm>
+              <a:off x="504453" y="1344827"/>
+              <a:ext cx="4302990" cy="1826741"/>
+            </a:xfrm>
+            <a:prstGeom prst="rect">
+              <a:avLst/>
+            </a:prstGeom>
+            <a:noFill/>
+            <a:extLst>
+              <a:ext uri="{909E8E84-426E-40DD-AFC4-6F175D3DCCD1}">
+                <a14:hiddenFill xmlns:a14="http://schemas.microsoft.com/office/drawing/2010/main">
+                  <a:solidFill>
+                    <a:srgbClr val="FFFFFF"/>
+                  </a:solidFill>
+                </a14:hiddenFill>
+              </a:ext>
+            </a:extLst>
+          </p:spPr>
+        </p:pic>
         <p:sp>
           <p:nvSpPr>
-            <p:cNvPr id="14" name="TextBox 13"/>
-            <p:cNvSpPr txBox="1"/>
+            <p:cNvPr id="4" name="직사각형 3"/>
+            <p:cNvSpPr/>
             <p:nvPr/>
           </p:nvSpPr>
           <p:spPr>
             <a:xfrm>
-              <a:off x="518554" y="3172437"/>
-              <a:ext cx="11166705" cy="3139321"/>
+              <a:off x="504453" y="3664970"/>
+              <a:ext cx="4554108" cy="2169825"/>
             </a:xfrm>
             <a:prstGeom prst="rect">
               <a:avLst/>
             </a:prstGeom>
             <a:solidFill>
-              <a:schemeClr val="accent2">
-                <a:lumMod val="20000"/>
-                <a:lumOff val="80000"/>
-              </a:schemeClr>
+              <a:srgbClr val="FFF2CC"/>
             </a:solidFill>
           </p:spPr>
           <p:txBody>
-            <a:bodyPr wrap="square" rtlCol="0">
+            <a:bodyPr wrap="square">
               <a:spAutoFit/>
             </a:bodyPr>
             <a:lstStyle/>
@@ -5145,87 +9600,46 @@
                 <a:buChar char="•"/>
               </a:pPr>
               <a:r>
+                <a:rPr lang="ko-KR" altLang="en-US" dirty="0"/>
+                <a:t>그래프 컷은 그래프를 특정 기준에 의해 두 개 이상의 </a:t>
+              </a:r>
+              <a:r>
+                <a:rPr lang="ko-KR" altLang="en-US" b="1" dirty="0" err="1"/>
+                <a:t>부그래프</a:t>
+              </a:r>
+              <a:r>
+                <a:rPr lang="en-US" altLang="ko-KR" b="1" dirty="0"/>
+                <a:t>(subgraph)</a:t>
+              </a:r>
+              <a:r>
+                <a:rPr lang="ko-KR" altLang="en-US" dirty="0" smtClean="0"/>
+                <a:t>로</a:t>
+              </a:r>
+              <a:r>
                 <a:rPr lang="en-US" altLang="ko-KR" dirty="0"/>
-                <a:t>ε-neighborhood graph</a:t>
+                <a:t> </a:t>
+              </a:r>
+              <a:r>
+                <a:rPr lang="en-US" altLang="ko-KR" dirty="0" smtClean="0"/>
+                <a:t> </a:t>
+              </a:r>
+              <a:r>
+                <a:rPr lang="ko-KR" altLang="en-US" dirty="0" smtClean="0"/>
+                <a:t>나누는 것</a:t>
               </a:r>
               <a:r>
                 <a:rPr lang="ko-KR" altLang="en-US" dirty="0"/>
-                <a:t>는 노드의 밀도가 높은 </a:t>
+                <a:t>이</a:t>
               </a:r>
               <a:r>
                 <a:rPr lang="ko-KR" altLang="en-US" dirty="0" smtClean="0"/>
-                <a:t>지역에서 </a:t>
-              </a:r>
-              <a:r>
-                <a:rPr lang="ko-KR" altLang="en-US" dirty="0" err="1" smtClean="0"/>
-                <a:t>엣지가</a:t>
-              </a:r>
-              <a:r>
-                <a:rPr lang="ko-KR" altLang="en-US" dirty="0" smtClean="0"/>
-                <a:t> </a:t>
-              </a:r>
-              <a:r>
-                <a:rPr lang="ko-KR" altLang="en-US" dirty="0"/>
-                <a:t>지나치게 많이 발생하고</a:t>
+                <a:t>다</a:t>
               </a:r>
               <a:r>
                 <a:rPr lang="en-US" altLang="ko-KR" dirty="0"/>
-                <a:t>, </a:t>
-              </a:r>
-              <a:r>
-                <a:rPr lang="ko-KR" altLang="en-US" dirty="0"/>
-                <a:t>밀도가 낮은 </a:t>
-              </a:r>
-              <a:r>
-                <a:rPr lang="ko-KR" altLang="en-US" dirty="0" smtClean="0"/>
-                <a:t>지역에서 </a:t>
-              </a:r>
-              <a:r>
-                <a:rPr lang="ko-KR" altLang="en-US" dirty="0" err="1"/>
-                <a:t>엣지가</a:t>
-              </a:r>
-              <a:r>
-                <a:rPr lang="ko-KR" altLang="en-US" dirty="0"/>
-                <a:t> 하나도 없는 노드가 생길 수 </a:t>
-              </a:r>
-              <a:r>
-                <a:rPr lang="ko-KR" altLang="en-US" dirty="0" smtClean="0"/>
-                <a:t>있다</a:t>
-              </a:r>
-              <a:r>
-                <a:rPr lang="en-US" altLang="ko-KR" dirty="0"/>
-                <a:t>. k-nearest neighbor graph</a:t>
-              </a:r>
-              <a:r>
-                <a:rPr lang="ko-KR" altLang="en-US" dirty="0"/>
-                <a:t>는 끊기는 노드가 발생하진 않지만</a:t>
-              </a:r>
-              <a:r>
-                <a:rPr lang="en-US" altLang="ko-KR" dirty="0"/>
-                <a:t>, </a:t>
-              </a:r>
-              <a:r>
-                <a:rPr lang="ko-KR" altLang="en-US" dirty="0"/>
-                <a:t>군집이 극단적으로 멀리 떨어져 있는 경우 군집과 군집 사이는 연결되지 않는 경우가 발생할 수 </a:t>
-              </a:r>
-              <a:r>
-                <a:rPr lang="ko-KR" altLang="en-US" dirty="0" smtClean="0"/>
-                <a:t>있다</a:t>
-              </a:r>
-              <a:r>
-                <a:rPr lang="en-US" altLang="ko-KR" dirty="0" smtClean="0"/>
-                <a:t>.</a:t>
-              </a:r>
-            </a:p>
-            <a:p>
-              <a:pPr marL="171450" indent="-171450">
-                <a:lnSpc>
-                  <a:spcPct val="150000"/>
-                </a:lnSpc>
-                <a:buFont typeface="Arial" panose="020B0604020202020204" pitchFamily="34" charset="0"/>
-                <a:buChar char="•"/>
-              </a:pPr>
-              <a:endParaRPr lang="en-US" altLang="ko-KR" sz="600" dirty="0"/>
+                <a:t>. </a:t>
+              </a:r>
+              <a:endParaRPr lang="en-US" altLang="ko-KR" dirty="0" smtClean="0"/>
             </a:p>
             <a:p>
               <a:pPr marL="285750" indent="-285750">
@@ -5236,58 +9650,28 @@
                 <a:buChar char="•"/>
               </a:pPr>
               <a:r>
+                <a:rPr lang="ko-KR" altLang="en-US" dirty="0" smtClean="0"/>
+                <a:t>이 </a:t>
+              </a:r>
+              <a:r>
+                <a:rPr lang="ko-KR" altLang="en-US" dirty="0" err="1"/>
+                <a:t>부그래프가</a:t>
+              </a:r>
+              <a:r>
                 <a:rPr lang="ko-KR" altLang="en-US" dirty="0"/>
-                <a:t>일반적으로 그래프를 구축할 </a:t>
+                <a:t> 바로 </a:t>
+              </a:r>
+              <a:r>
+                <a:rPr lang="en-US" altLang="ko-KR" dirty="0"/>
+                <a:t>Spectral Clustering </a:t>
+              </a:r>
+              <a:r>
+                <a:rPr lang="ko-KR" altLang="en-US" dirty="0"/>
+                <a:t>기법의 학습 결과물인 </a:t>
               </a:r>
               <a:r>
                 <a:rPr lang="ko-KR" altLang="en-US" dirty="0" smtClean="0"/>
-                <a:t>때 </a:t>
-              </a:r>
-              <a:r>
-                <a:rPr lang="en-US" altLang="ko-KR" dirty="0"/>
-                <a:t>ε-neighborhood graph</a:t>
-              </a:r>
-              <a:r>
-                <a:rPr lang="ko-KR" altLang="en-US" dirty="0"/>
-                <a:t>를 먼저 구축한 뒤 </a:t>
-              </a:r>
-              <a:r>
-                <a:rPr lang="en-US" altLang="ko-KR" dirty="0"/>
-                <a:t>k-nearest neighbor graph</a:t>
-              </a:r>
-              <a:r>
-                <a:rPr lang="ko-KR" altLang="en-US" dirty="0"/>
-                <a:t>를 적용해 </a:t>
-              </a:r>
-              <a:r>
-                <a:rPr lang="ko-KR" altLang="en-US" dirty="0" err="1"/>
-                <a:t>엣지가</a:t>
-              </a:r>
-              <a:r>
-                <a:rPr lang="ko-KR" altLang="en-US" dirty="0"/>
-                <a:t> 전혀 없는 노드도 연결해주는 방식을 씁니다</a:t>
-              </a:r>
-              <a:r>
-                <a:rPr lang="en-US" altLang="ko-KR" dirty="0"/>
-                <a:t>. </a:t>
-              </a:r>
-              <a:r>
-                <a:rPr lang="ko-KR" altLang="en-US" dirty="0"/>
-                <a:t>그럼에도 불구하고 군집 사이가 너무 멀어서 연결 안되는 경우가 발생할 수 있는데 이럴 때는 </a:t>
-              </a:r>
-              <a:r>
-                <a:rPr lang="en-US" altLang="ko-KR" dirty="0">
-                  <a:hlinkClick r:id="rId2"/>
-                </a:rPr>
-                <a:t>minimum spanning tree</a:t>
-              </a:r>
-              <a:r>
-                <a:rPr lang="ko-KR" altLang="en-US" dirty="0"/>
-                <a:t> 방법도 자주 </a:t>
-              </a:r>
-              <a:r>
-                <a:rPr lang="ko-KR" altLang="en-US" dirty="0" smtClean="0"/>
-                <a:t>사용한다</a:t>
+                <a:t>군집이다</a:t>
               </a:r>
               <a:r>
                 <a:rPr lang="en-US" altLang="ko-KR" dirty="0" smtClean="0"/>
@@ -5297,320 +9681,527 @@
             </a:p>
           </p:txBody>
         </p:sp>
-        <p:grpSp>
-          <p:nvGrpSpPr>
-            <p:cNvPr id="19" name="그룹 18"/>
-            <p:cNvGrpSpPr/>
-            <p:nvPr/>
-          </p:nvGrpSpPr>
-          <p:grpSpPr>
-            <a:xfrm>
-              <a:off x="518553" y="1232159"/>
-              <a:ext cx="11166706" cy="1870385"/>
-              <a:chOff x="518553" y="1365509"/>
-              <a:chExt cx="11166706" cy="1870385"/>
-            </a:xfrm>
-          </p:grpSpPr>
-          <p:sp>
-            <p:nvSpPr>
-              <p:cNvPr id="12" name="TextBox 11"/>
-              <p:cNvSpPr txBox="1"/>
-              <p:nvPr/>
-            </p:nvSpPr>
-            <p:spPr>
-              <a:xfrm>
-                <a:off x="518554" y="1365509"/>
-                <a:ext cx="1581522" cy="461665"/>
-              </a:xfrm>
-              <a:prstGeom prst="rect">
-                <a:avLst/>
-              </a:prstGeom>
-              <a:solidFill>
-                <a:schemeClr val="accent6">
-                  <a:lumMod val="40000"/>
-                  <a:lumOff val="60000"/>
-                  <a:alpha val="70000"/>
-                </a:schemeClr>
-              </a:solidFill>
-            </p:spPr>
-            <p:txBody>
-              <a:bodyPr wrap="square" rtlCol="0" anchor="ctr">
-                <a:spAutoFit/>
-              </a:bodyPr>
-              <a:lstStyle/>
-              <a:p>
-                <a:pPr algn="ctr"/>
-                <a:r>
-                  <a:rPr lang="en-US" altLang="ko-KR" sz="2400" dirty="0" smtClean="0"/>
-                  <a:t>Methods</a:t>
-                </a:r>
-                <a:endParaRPr lang="ko-KR" altLang="en-US" sz="2400" dirty="0"/>
-              </a:p>
-            </p:txBody>
-          </p:sp>
-          <p:grpSp>
-            <p:nvGrpSpPr>
-              <p:cNvPr id="16" name="그룹 15"/>
-              <p:cNvGrpSpPr/>
-              <p:nvPr/>
-            </p:nvGrpSpPr>
-            <p:grpSpPr>
-              <a:xfrm>
-                <a:off x="518553" y="1897066"/>
-                <a:ext cx="11166706" cy="1338828"/>
-                <a:chOff x="518553" y="2060617"/>
-                <a:chExt cx="11166706" cy="1338828"/>
-              </a:xfrm>
-            </p:grpSpPr>
-            <p:sp>
-              <p:nvSpPr>
-                <p:cNvPr id="11" name="TextBox 10"/>
-                <p:cNvSpPr txBox="1"/>
-                <p:nvPr/>
-              </p:nvSpPr>
-              <p:spPr>
-                <a:xfrm>
-                  <a:off x="518553" y="2060617"/>
-                  <a:ext cx="3672000" cy="1338828"/>
-                </a:xfrm>
-                <a:prstGeom prst="rect">
-                  <a:avLst/>
-                </a:prstGeom>
+      </p:grpSp>
+      <p:pic>
+        <p:nvPicPr>
+          <p:cNvPr id="4102" name="Picture 6"/>
+          <p:cNvPicPr>
+            <a:picLocks noChangeAspect="1" noChangeArrowheads="1"/>
+          </p:cNvPicPr>
+          <p:nvPr/>
+        </p:nvPicPr>
+        <p:blipFill>
+          <a:blip r:embed="rId3">
+            <a:extLst>
+              <a:ext uri="{28A0092B-C50C-407E-A947-70E740481C1C}">
+                <a14:useLocalDpi xmlns:a14="http://schemas.microsoft.com/office/drawing/2010/main" val="0"/>
+              </a:ext>
+            </a:extLst>
+          </a:blip>
+          <a:srcRect/>
+          <a:stretch>
+            <a:fillRect/>
+          </a:stretch>
+        </p:blipFill>
+        <p:spPr bwMode="auto">
+          <a:xfrm>
+            <a:off x="5462055" y="1260389"/>
+            <a:ext cx="6120346" cy="4745206"/>
+          </a:xfrm>
+          <a:prstGeom prst="rect">
+            <a:avLst/>
+          </a:prstGeom>
+          <a:noFill/>
+          <a:ln w="9525">
+            <a:solidFill>
+              <a:schemeClr val="accent2">
+                <a:lumMod val="40000"/>
+                <a:lumOff val="60000"/>
+              </a:schemeClr>
+            </a:solidFill>
+            <a:miter lim="800000"/>
+            <a:headEnd/>
+            <a:tailEnd/>
+          </a:ln>
+          <a:extLst>
+            <a:ext uri="{909E8E84-426E-40DD-AFC4-6F175D3DCCD1}">
+              <a14:hiddenFill xmlns:a14="http://schemas.microsoft.com/office/drawing/2010/main">
                 <a:solidFill>
-                  <a:schemeClr val="accent4">
-                    <a:lumMod val="20000"/>
-                    <a:lumOff val="80000"/>
-                    <a:alpha val="70000"/>
-                  </a:schemeClr>
+                  <a:schemeClr val="accent1"/>
                 </a:solidFill>
-              </p:spPr>
-              <p:txBody>
-                <a:bodyPr wrap="square" rtlCol="0">
-                  <a:spAutoFit/>
-                </a:bodyPr>
-                <a:lstStyle/>
-                <a:p>
-                  <a:pPr marL="285750" indent="-285750">
-                    <a:lnSpc>
-                      <a:spcPct val="150000"/>
-                    </a:lnSpc>
-                    <a:buFont typeface="Arial" panose="020B0604020202020204" pitchFamily="34" charset="0"/>
-                    <a:buChar char="•"/>
-                  </a:pPr>
-                  <a:r>
-                    <a:rPr lang="en-US" altLang="ko-KR" dirty="0" smtClean="0">
-                      <a:solidFill>
-                        <a:srgbClr val="0070C0"/>
-                      </a:solidFill>
-                    </a:rPr>
-                    <a:t>Fully connected graph</a:t>
-                  </a:r>
-                  <a:r>
-                    <a:rPr lang="en-US" altLang="ko-KR" dirty="0" smtClean="0"/>
-                    <a:t>:</a:t>
-                  </a:r>
-                </a:p>
-                <a:p>
-                  <a:pPr lvl="1">
-                    <a:lnSpc>
-                      <a:spcPct val="150000"/>
-                    </a:lnSpc>
-                  </a:pPr>
-                  <a:r>
-                    <a:rPr lang="ko-KR" altLang="en-US" dirty="0" smtClean="0"/>
-                    <a:t>모든 </a:t>
-                  </a:r>
-                  <a:r>
-                    <a:rPr lang="ko-KR" altLang="en-US" dirty="0"/>
-                    <a:t>노드가 </a:t>
-                  </a:r>
-                  <a:r>
-                    <a:rPr lang="ko-KR" altLang="en-US" dirty="0" err="1"/>
-                    <a:t>엣지로</a:t>
-                  </a:r>
-                  <a:r>
-                    <a:rPr lang="ko-KR" altLang="en-US" dirty="0"/>
-                    <a:t> </a:t>
-                  </a:r>
-                  <a:r>
-                    <a:rPr lang="ko-KR" altLang="en-US" dirty="0" smtClean="0"/>
-                    <a:t>연결</a:t>
-                  </a:r>
-                  <a:endParaRPr lang="en-US" altLang="ko-KR" dirty="0" smtClean="0"/>
-                </a:p>
-                <a:p>
-                  <a:pPr lvl="1">
-                    <a:lnSpc>
-                      <a:spcPct val="150000"/>
-                    </a:lnSpc>
-                  </a:pPr>
-                  <a:endParaRPr lang="en-US" altLang="ko-KR" dirty="0" smtClean="0"/>
-                </a:p>
-              </p:txBody>
-            </p:sp>
-            <p:sp>
-              <p:nvSpPr>
-                <p:cNvPr id="17" name="TextBox 16"/>
-                <p:cNvSpPr txBox="1"/>
-                <p:nvPr/>
-              </p:nvSpPr>
-              <p:spPr>
-                <a:xfrm>
-                  <a:off x="4265906" y="2060617"/>
-                  <a:ext cx="3672000" cy="1338828"/>
-                </a:xfrm>
-                <a:prstGeom prst="rect">
-                  <a:avLst/>
-                </a:prstGeom>
-                <a:solidFill>
-                  <a:schemeClr val="accent4">
-                    <a:lumMod val="20000"/>
-                    <a:lumOff val="80000"/>
-                    <a:alpha val="70000"/>
-                  </a:schemeClr>
-                </a:solidFill>
-              </p:spPr>
-              <p:txBody>
-                <a:bodyPr wrap="square" rtlCol="0">
-                  <a:spAutoFit/>
-                </a:bodyPr>
-                <a:lstStyle/>
-                <a:p>
-                  <a:pPr marL="285750" indent="-285750">
-                    <a:lnSpc>
-                      <a:spcPct val="150000"/>
-                    </a:lnSpc>
-                    <a:buFont typeface="Arial" panose="020B0604020202020204" pitchFamily="34" charset="0"/>
-                    <a:buChar char="•"/>
-                  </a:pPr>
-                  <a:r>
-                    <a:rPr lang="en-US" altLang="ko-KR" dirty="0" smtClean="0">
-                      <a:solidFill>
-                        <a:srgbClr val="0070C0"/>
-                      </a:solidFill>
-                    </a:rPr>
-                    <a:t>e-neighborhood graph</a:t>
-                  </a:r>
-                  <a:r>
-                    <a:rPr lang="en-US" altLang="ko-KR" dirty="0" smtClean="0"/>
-                    <a:t>:</a:t>
-                  </a:r>
-                </a:p>
-                <a:p>
-                  <a:pPr lvl="1">
-                    <a:lnSpc>
-                      <a:spcPct val="150000"/>
-                    </a:lnSpc>
-                  </a:pPr>
-                  <a:r>
-                    <a:rPr lang="ko-KR" altLang="en-US" dirty="0" smtClean="0"/>
-                    <a:t>거리가 </a:t>
-                  </a:r>
-                  <a:r>
-                    <a:rPr lang="en-US" altLang="ko-KR" dirty="0" smtClean="0"/>
-                    <a:t>e</a:t>
-                  </a:r>
-                  <a:r>
-                    <a:rPr lang="ko-KR" altLang="en-US" dirty="0" smtClean="0"/>
-                    <a:t>보다 가까운 노드만 </a:t>
-                  </a:r>
-                  <a:r>
-                    <a:rPr lang="ko-KR" altLang="en-US" dirty="0" err="1" smtClean="0"/>
-                    <a:t>엣지로</a:t>
-                  </a:r>
-                  <a:r>
-                    <a:rPr lang="ko-KR" altLang="en-US" dirty="0" smtClean="0"/>
-                    <a:t> 연결</a:t>
-                  </a:r>
-                  <a:endParaRPr lang="en-US" altLang="ko-KR" dirty="0" smtClean="0"/>
-                </a:p>
-              </p:txBody>
-            </p:sp>
-            <p:sp>
-              <p:nvSpPr>
-                <p:cNvPr id="18" name="TextBox 17"/>
-                <p:cNvSpPr txBox="1"/>
-                <p:nvPr/>
-              </p:nvSpPr>
-              <p:spPr>
-                <a:xfrm>
-                  <a:off x="8013259" y="2060617"/>
-                  <a:ext cx="3672000" cy="1338828"/>
-                </a:xfrm>
-                <a:prstGeom prst="rect">
-                  <a:avLst/>
-                </a:prstGeom>
-                <a:solidFill>
-                  <a:schemeClr val="accent4">
-                    <a:lumMod val="20000"/>
-                    <a:lumOff val="80000"/>
-                    <a:alpha val="70000"/>
-                  </a:schemeClr>
-                </a:solidFill>
-              </p:spPr>
-              <p:txBody>
-                <a:bodyPr wrap="square" rtlCol="0">
-                  <a:spAutoFit/>
-                </a:bodyPr>
-                <a:lstStyle/>
-                <a:p>
-                  <a:pPr marL="285750" indent="-285750">
-                    <a:lnSpc>
-                      <a:spcPct val="150000"/>
-                    </a:lnSpc>
-                    <a:buFont typeface="Arial" panose="020B0604020202020204" pitchFamily="34" charset="0"/>
-                    <a:buChar char="•"/>
-                  </a:pPr>
-                  <a:r>
-                    <a:rPr lang="en-US" altLang="ko-KR" dirty="0" smtClean="0">
-                      <a:solidFill>
-                        <a:srgbClr val="0070C0"/>
-                      </a:solidFill>
-                    </a:rPr>
-                    <a:t>k-nearest neighbor graph</a:t>
-                  </a:r>
-                  <a:r>
-                    <a:rPr lang="en-US" altLang="ko-KR" dirty="0" smtClean="0"/>
-                    <a:t>:</a:t>
-                  </a:r>
-                </a:p>
-                <a:p>
-                  <a:pPr lvl="1">
-                    <a:lnSpc>
-                      <a:spcPct val="150000"/>
-                    </a:lnSpc>
-                  </a:pPr>
-                  <a:r>
-                    <a:rPr lang="ko-KR" altLang="en-US" dirty="0" smtClean="0"/>
-                    <a:t>각 노드 주변 </a:t>
-                  </a:r>
-                  <a:r>
-                    <a:rPr lang="en-US" altLang="ko-KR" dirty="0" smtClean="0"/>
-                    <a:t>k</a:t>
-                  </a:r>
-                  <a:r>
-                    <a:rPr lang="ko-KR" altLang="en-US" dirty="0" smtClean="0"/>
-                    <a:t>개의 이웃들만 </a:t>
-                  </a:r>
-                  <a:r>
-                    <a:rPr lang="ko-KR" altLang="en-US" dirty="0" err="1" smtClean="0"/>
-                    <a:t>엣지로</a:t>
-                  </a:r>
-                  <a:r>
-                    <a:rPr lang="ko-KR" altLang="en-US" dirty="0" smtClean="0"/>
-                    <a:t> 연결</a:t>
-                  </a:r>
-                  <a:endParaRPr lang="en-US" altLang="ko-KR" dirty="0" smtClean="0"/>
-                </a:p>
-              </p:txBody>
-            </p:sp>
-          </p:grpSp>
-        </p:grpSp>
-      </p:grpSp>
+              </a14:hiddenFill>
+            </a:ext>
+          </a:extLst>
+        </p:spPr>
+      </p:pic>
     </p:spTree>
     <p:extLst>
       <p:ext uri="{BB962C8B-B14F-4D97-AF65-F5344CB8AC3E}">
-        <p14:creationId xmlns:p14="http://schemas.microsoft.com/office/powerpoint/2010/main" val="3923784684"/>
+        <p14:creationId xmlns:p14="http://schemas.microsoft.com/office/powerpoint/2010/main" val="5180313"/>
+      </p:ext>
+    </p:extLst>
+  </p:cSld>
+  <p:clrMapOvr>
+    <a:masterClrMapping/>
+  </p:clrMapOvr>
+  <p:timing>
+    <p:tnLst>
+      <p:par>
+        <p:cTn id="1" dur="indefinite" restart="never" nodeType="tmRoot"/>
+      </p:par>
+    </p:tnLst>
+  </p:timing>
+</p:sld>
+</file>
+
+<file path=ppt/slides/slide8.xml><?xml version="1.0" encoding="utf-8"?>
+<p:sld xmlns:a="http://schemas.openxmlformats.org/drawingml/2006/main" xmlns:r="http://schemas.openxmlformats.org/officeDocument/2006/relationships" xmlns:p="http://schemas.openxmlformats.org/presentationml/2006/main">
+  <p:cSld>
+    <p:spTree>
+      <p:nvGrpSpPr>
+        <p:cNvPr id="1" name=""/>
+        <p:cNvGrpSpPr/>
+        <p:nvPr/>
+      </p:nvGrpSpPr>
+      <p:grpSpPr>
+        <a:xfrm>
+          <a:off x="0" y="0"/>
+          <a:ext cx="0" cy="0"/>
+          <a:chOff x="0" y="0"/>
+          <a:chExt cx="0" cy="0"/>
+        </a:xfrm>
+      </p:grpSpPr>
+      <p:sp>
+        <p:nvSpPr>
+          <p:cNvPr id="13" name="제목 1"/>
+          <p:cNvSpPr txBox="1">
+            <a:spLocks/>
+          </p:cNvSpPr>
+          <p:nvPr/>
+        </p:nvSpPr>
+        <p:spPr>
+          <a:xfrm>
+            <a:off x="504453" y="508351"/>
+            <a:ext cx="1629347" cy="472375"/>
+          </a:xfrm>
+          <a:prstGeom prst="rect">
+            <a:avLst/>
+          </a:prstGeom>
+          <a:solidFill>
+            <a:srgbClr val="B889DB"/>
+          </a:solidFill>
+        </p:spPr>
+        <p:txBody>
+          <a:bodyPr vert="horz" lIns="91440" tIns="45720" rIns="91440" bIns="45720" rtlCol="0" anchor="ctr">
+            <a:noAutofit/>
+          </a:bodyPr>
+          <a:lstStyle>
+            <a:lvl1pPr algn="ctr" defTabSz="914400" rtl="0" eaLnBrk="1" latinLnBrk="1" hangingPunct="1">
+              <a:lnSpc>
+                <a:spcPct val="90000"/>
+              </a:lnSpc>
+              <a:spcBef>
+                <a:spcPct val="0"/>
+              </a:spcBef>
+              <a:buNone/>
+              <a:defRPr sz="6000" kern="1200">
+                <a:solidFill>
+                  <a:schemeClr val="tx1"/>
+                </a:solidFill>
+                <a:latin typeface="+mj-lt"/>
+                <a:ea typeface="+mj-ea"/>
+                <a:cs typeface="+mj-cs"/>
+              </a:defRPr>
+            </a:lvl1pPr>
+          </a:lstStyle>
+          <a:p>
+            <a:r>
+              <a:rPr lang="en-US" altLang="ko-KR" sz="2400" dirty="0" smtClean="0">
+                <a:solidFill>
+                  <a:schemeClr val="bg1"/>
+                </a:solidFill>
+              </a:rPr>
+              <a:t>Graph Cut</a:t>
+            </a:r>
+            <a:endParaRPr lang="ko-KR" altLang="en-US" sz="2400" dirty="0">
+              <a:solidFill>
+                <a:schemeClr val="bg1"/>
+              </a:solidFill>
+            </a:endParaRPr>
+          </a:p>
+        </p:txBody>
+      </p:sp>
+      <p:pic>
+        <p:nvPicPr>
+          <p:cNvPr id="5123" name="Picture 3"/>
+          <p:cNvPicPr>
+            <a:picLocks noChangeAspect="1" noChangeArrowheads="1"/>
+          </p:cNvPicPr>
+          <p:nvPr/>
+        </p:nvPicPr>
+        <p:blipFill>
+          <a:blip r:embed="rId2">
+            <a:extLst>
+              <a:ext uri="{28A0092B-C50C-407E-A947-70E740481C1C}">
+                <a14:useLocalDpi xmlns:a14="http://schemas.microsoft.com/office/drawing/2010/main" val="0"/>
+              </a:ext>
+            </a:extLst>
+          </a:blip>
+          <a:srcRect/>
+          <a:stretch>
+            <a:fillRect/>
+          </a:stretch>
+        </p:blipFill>
+        <p:spPr bwMode="auto">
+          <a:xfrm>
+            <a:off x="504453" y="1217076"/>
+            <a:ext cx="7163430" cy="5313534"/>
+          </a:xfrm>
+          <a:prstGeom prst="rect">
+            <a:avLst/>
+          </a:prstGeom>
+          <a:noFill/>
+          <a:ln w="9525">
+            <a:solidFill>
+              <a:schemeClr val="accent2">
+                <a:lumMod val="40000"/>
+                <a:lumOff val="60000"/>
+              </a:schemeClr>
+            </a:solidFill>
+            <a:miter lim="800000"/>
+            <a:headEnd/>
+            <a:tailEnd/>
+          </a:ln>
+          <a:extLst>
+            <a:ext uri="{909E8E84-426E-40DD-AFC4-6F175D3DCCD1}">
+              <a14:hiddenFill xmlns:a14="http://schemas.microsoft.com/office/drawing/2010/main">
+                <a:solidFill>
+                  <a:schemeClr val="accent1"/>
+                </a:solidFill>
+              </a14:hiddenFill>
+            </a:ext>
+          </a:extLst>
+        </p:spPr>
+      </p:pic>
+      <p:pic>
+        <p:nvPicPr>
+          <p:cNvPr id="5124" name="Picture 4"/>
+          <p:cNvPicPr>
+            <a:picLocks noChangeAspect="1" noChangeArrowheads="1"/>
+          </p:cNvPicPr>
+          <p:nvPr/>
+        </p:nvPicPr>
+        <p:blipFill>
+          <a:blip r:embed="rId3">
+            <a:extLst>
+              <a:ext uri="{28A0092B-C50C-407E-A947-70E740481C1C}">
+                <a14:useLocalDpi xmlns:a14="http://schemas.microsoft.com/office/drawing/2010/main" val="0"/>
+              </a:ext>
+            </a:extLst>
+          </a:blip>
+          <a:srcRect/>
+          <a:stretch>
+            <a:fillRect/>
+          </a:stretch>
+        </p:blipFill>
+        <p:spPr bwMode="auto">
+          <a:xfrm>
+            <a:off x="8010911" y="2371403"/>
+            <a:ext cx="3385986" cy="3004879"/>
+          </a:xfrm>
+          <a:prstGeom prst="rect">
+            <a:avLst/>
+          </a:prstGeom>
+          <a:noFill/>
+          <a:ln>
+            <a:noFill/>
+          </a:ln>
+          <a:extLst>
+            <a:ext uri="{909E8E84-426E-40DD-AFC4-6F175D3DCCD1}">
+              <a14:hiddenFill xmlns:a14="http://schemas.microsoft.com/office/drawing/2010/main">
+                <a:solidFill>
+                  <a:schemeClr val="accent1"/>
+                </a:solidFill>
+              </a14:hiddenFill>
+            </a:ext>
+            <a:ext uri="{91240B29-F687-4F45-9708-019B960494DF}">
+              <a14:hiddenLine xmlns:a14="http://schemas.microsoft.com/office/drawing/2010/main" w="9525">
+                <a:solidFill>
+                  <a:schemeClr val="tx1"/>
+                </a:solidFill>
+                <a:miter lim="800000"/>
+                <a:headEnd/>
+                <a:tailEnd/>
+              </a14:hiddenLine>
+            </a:ext>
+          </a:extLst>
+        </p:spPr>
+      </p:pic>
+    </p:spTree>
+    <p:extLst>
+      <p:ext uri="{BB962C8B-B14F-4D97-AF65-F5344CB8AC3E}">
+        <p14:creationId xmlns:p14="http://schemas.microsoft.com/office/powerpoint/2010/main" val="1391933086"/>
+      </p:ext>
+    </p:extLst>
+  </p:cSld>
+  <p:clrMapOvr>
+    <a:masterClrMapping/>
+  </p:clrMapOvr>
+  <p:timing>
+    <p:tnLst>
+      <p:par>
+        <p:cTn id="1" dur="indefinite" restart="never" nodeType="tmRoot"/>
+      </p:par>
+    </p:tnLst>
+  </p:timing>
+</p:sld>
+</file>
+
+<file path=ppt/slides/slide9.xml><?xml version="1.0" encoding="utf-8"?>
+<p:sld xmlns:a="http://schemas.openxmlformats.org/drawingml/2006/main" xmlns:r="http://schemas.openxmlformats.org/officeDocument/2006/relationships" xmlns:p="http://schemas.openxmlformats.org/presentationml/2006/main">
+  <p:cSld>
+    <p:spTree>
+      <p:nvGrpSpPr>
+        <p:cNvPr id="1" name=""/>
+        <p:cNvGrpSpPr/>
+        <p:nvPr/>
+      </p:nvGrpSpPr>
+      <p:grpSpPr>
+        <a:xfrm>
+          <a:off x="0" y="0"/>
+          <a:ext cx="0" cy="0"/>
+          <a:chOff x="0" y="0"/>
+          <a:chExt cx="0" cy="0"/>
+        </a:xfrm>
+      </p:grpSpPr>
+      <p:sp>
+        <p:nvSpPr>
+          <p:cNvPr id="13" name="제목 1"/>
+          <p:cNvSpPr txBox="1">
+            <a:spLocks/>
+          </p:cNvSpPr>
+          <p:nvPr/>
+        </p:nvSpPr>
+        <p:spPr>
+          <a:xfrm>
+            <a:off x="504453" y="508351"/>
+            <a:ext cx="1629347" cy="472375"/>
+          </a:xfrm>
+          <a:prstGeom prst="rect">
+            <a:avLst/>
+          </a:prstGeom>
+          <a:solidFill>
+            <a:srgbClr val="B889DB"/>
+          </a:solidFill>
+        </p:spPr>
+        <p:txBody>
+          <a:bodyPr vert="horz" lIns="91440" tIns="45720" rIns="91440" bIns="45720" rtlCol="0" anchor="ctr">
+            <a:noAutofit/>
+          </a:bodyPr>
+          <a:lstStyle>
+            <a:lvl1pPr algn="ctr" defTabSz="914400" rtl="0" eaLnBrk="1" latinLnBrk="1" hangingPunct="1">
+              <a:lnSpc>
+                <a:spcPct val="90000"/>
+              </a:lnSpc>
+              <a:spcBef>
+                <a:spcPct val="0"/>
+              </a:spcBef>
+              <a:buNone/>
+              <a:defRPr sz="6000" kern="1200">
+                <a:solidFill>
+                  <a:schemeClr val="tx1"/>
+                </a:solidFill>
+                <a:latin typeface="+mj-lt"/>
+                <a:ea typeface="+mj-ea"/>
+                <a:cs typeface="+mj-cs"/>
+              </a:defRPr>
+            </a:lvl1pPr>
+          </a:lstStyle>
+          <a:p>
+            <a:r>
+              <a:rPr lang="en-US" altLang="ko-KR" sz="2400" dirty="0" smtClean="0">
+                <a:solidFill>
+                  <a:schemeClr val="bg1"/>
+                </a:solidFill>
+              </a:rPr>
+              <a:t>Graph Cut</a:t>
+            </a:r>
+            <a:endParaRPr lang="ko-KR" altLang="en-US" sz="2400" dirty="0">
+              <a:solidFill>
+                <a:schemeClr val="bg1"/>
+              </a:solidFill>
+            </a:endParaRPr>
+          </a:p>
+        </p:txBody>
+      </p:sp>
+      <p:grpSp>
+        <p:nvGrpSpPr>
+          <p:cNvPr id="2" name="그룹 1"/>
+          <p:cNvGrpSpPr/>
+          <p:nvPr/>
+        </p:nvGrpSpPr>
+        <p:grpSpPr>
+          <a:xfrm>
+            <a:off x="759825" y="1334530"/>
+            <a:ext cx="10690106" cy="4366053"/>
+            <a:chOff x="759825" y="1334530"/>
+            <a:chExt cx="10690106" cy="4366053"/>
+          </a:xfrm>
+          <a:solidFill>
+            <a:schemeClr val="accent2">
+              <a:lumMod val="20000"/>
+              <a:lumOff val="80000"/>
+            </a:schemeClr>
+          </a:solidFill>
+        </p:grpSpPr>
+        <p:pic>
+          <p:nvPicPr>
+            <p:cNvPr id="5125" name="Picture 5"/>
+            <p:cNvPicPr>
+              <a:picLocks noChangeAspect="1" noChangeArrowheads="1"/>
+            </p:cNvPicPr>
+            <p:nvPr/>
+          </p:nvPicPr>
+          <p:blipFill>
+            <a:blip r:embed="rId2">
+              <a:extLst>
+                <a:ext uri="{28A0092B-C50C-407E-A947-70E740481C1C}">
+                  <a14:useLocalDpi xmlns:a14="http://schemas.microsoft.com/office/drawing/2010/main" val="0"/>
+                </a:ext>
+              </a:extLst>
+            </a:blip>
+            <a:srcRect/>
+            <a:stretch>
+              <a:fillRect/>
+            </a:stretch>
+          </p:blipFill>
+          <p:spPr bwMode="auto">
+            <a:xfrm>
+              <a:off x="759825" y="1334530"/>
+              <a:ext cx="4973710" cy="4366053"/>
+            </a:xfrm>
+            <a:prstGeom prst="rect">
+              <a:avLst/>
+            </a:prstGeom>
+            <a:grpFill/>
+            <a:ln w="9525">
+              <a:noFill/>
+              <a:miter lim="800000"/>
+              <a:headEnd/>
+              <a:tailEnd/>
+            </a:ln>
+            <a:extLst>
+              <a:ext uri="{909E8E84-426E-40DD-AFC4-6F175D3DCCD1}">
+                <a14:hiddenFill xmlns:a14="http://schemas.microsoft.com/office/drawing/2010/main">
+                  <a:solidFill>
+                    <a:schemeClr val="accent1"/>
+                  </a:solidFill>
+                </a14:hiddenFill>
+              </a:ext>
+            </a:extLst>
+          </p:spPr>
+        </p:pic>
+        <p:pic>
+          <p:nvPicPr>
+            <p:cNvPr id="6146" name="Picture 2"/>
+            <p:cNvPicPr>
+              <a:picLocks noChangeAspect="1" noChangeArrowheads="1"/>
+            </p:cNvPicPr>
+            <p:nvPr/>
+          </p:nvPicPr>
+          <p:blipFill>
+            <a:blip r:embed="rId3">
+              <a:extLst>
+                <a:ext uri="{28A0092B-C50C-407E-A947-70E740481C1C}">
+                  <a14:useLocalDpi xmlns:a14="http://schemas.microsoft.com/office/drawing/2010/main" val="0"/>
+                </a:ext>
+              </a:extLst>
+            </a:blip>
+            <a:srcRect/>
+            <a:stretch>
+              <a:fillRect/>
+            </a:stretch>
+          </p:blipFill>
+          <p:spPr bwMode="auto">
+            <a:xfrm>
+              <a:off x="6128951" y="1334530"/>
+              <a:ext cx="5320980" cy="4366053"/>
+            </a:xfrm>
+            <a:prstGeom prst="rect">
+              <a:avLst/>
+            </a:prstGeom>
+            <a:grpFill/>
+            <a:ln w="9525">
+              <a:noFill/>
+              <a:miter lim="800000"/>
+              <a:headEnd/>
+              <a:tailEnd/>
+            </a:ln>
+            <a:extLst>
+              <a:ext uri="{909E8E84-426E-40DD-AFC4-6F175D3DCCD1}">
+                <a14:hiddenFill xmlns:a14="http://schemas.microsoft.com/office/drawing/2010/main">
+                  <a:solidFill>
+                    <a:schemeClr val="accent1"/>
+                  </a:solidFill>
+                </a14:hiddenFill>
+              </a:ext>
+            </a:extLst>
+          </p:spPr>
+        </p:pic>
+      </p:grpSp>
+      <p:sp>
+        <p:nvSpPr>
+          <p:cNvPr id="3" name="직사각형 2"/>
+          <p:cNvSpPr/>
+          <p:nvPr/>
+        </p:nvSpPr>
+        <p:spPr>
+          <a:xfrm>
+            <a:off x="683741" y="1276865"/>
+            <a:ext cx="10832756" cy="4481384"/>
+          </a:xfrm>
+          <a:prstGeom prst="rect">
+            <a:avLst/>
+          </a:prstGeom>
+          <a:noFill/>
+          <a:ln w="9525">
+            <a:solidFill>
+              <a:schemeClr val="accent2">
+                <a:lumMod val="40000"/>
+                <a:lumOff val="60000"/>
+              </a:schemeClr>
+            </a:solidFill>
+          </a:ln>
+        </p:spPr>
+        <p:style>
+          <a:lnRef idx="2">
+            <a:schemeClr val="accent1">
+              <a:shade val="50000"/>
+            </a:schemeClr>
+          </a:lnRef>
+          <a:fillRef idx="1">
+            <a:schemeClr val="accent1"/>
+          </a:fillRef>
+          <a:effectRef idx="0">
+            <a:schemeClr val="accent1"/>
+          </a:effectRef>
+          <a:fontRef idx="minor">
+            <a:schemeClr val="lt1"/>
+          </a:fontRef>
+        </p:style>
+        <p:txBody>
+          <a:bodyPr rtlCol="0" anchor="ctr"/>
+          <a:lstStyle/>
+          <a:p>
+            <a:pPr algn="ctr"/>
+            <a:endParaRPr lang="ko-KR" altLang="en-US"/>
+          </a:p>
+        </p:txBody>
+      </p:sp>
+    </p:spTree>
+    <p:extLst>
+      <p:ext uri="{BB962C8B-B14F-4D97-AF65-F5344CB8AC3E}">
+        <p14:creationId xmlns:p14="http://schemas.microsoft.com/office/powerpoint/2010/main" val="4098203676"/>
       </p:ext>
     </p:extLst>
   </p:cSld>
@@ -5882,7 +10473,7 @@
   <a:extraClrSchemeLst/>
   <a:extLst>
     <a:ext uri="{05A4C25C-085E-4340-85A3-A5531E510DB2}">
-      <thm15:themeFamily xmlns:thm15="http://schemas.microsoft.com/office/thememl/2012/main" name="Office Theme" id="{62F939B6-93AF-4DB8-9C6B-D6C7DFDC589F}" vid="{4A3C46E8-61CC-4603-A589-7422A47A8E4A}"/>
+      <thm15:themeFamily xmlns:thm15="http://schemas.microsoft.com/office/thememl/2012/main" xmlns="" name="Office Theme" id="{62F939B6-93AF-4DB8-9C6B-D6C7DFDC589F}" vid="{4A3C46E8-61CC-4603-A589-7422A47A8E4A}"/>
     </a:ext>
   </a:extLst>
 </a:theme>

--- a/Purrsong/Spectral Clustering_190822.pptx
+++ b/Purrsong/Spectral Clustering_190822.pptx
@@ -121,6 +121,22 @@
       </a:defRPr>
     </a:lvl9pPr>
   </p:defaultTextStyle>
+  <p:extLst>
+    <p:ext uri="{EFAFB233-063F-42B5-8137-9DF3F51BA10A}">
+      <p15:sldGuideLst xmlns:p15="http://schemas.microsoft.com/office/powerpoint/2012/main">
+        <p15:guide id="1" orient="horz" pos="2160">
+          <p15:clr>
+            <a:srgbClr val="A4A3A4"/>
+          </p15:clr>
+        </p15:guide>
+        <p15:guide id="2" pos="3840">
+          <p15:clr>
+            <a:srgbClr val="A4A3A4"/>
+          </p15:clr>
+        </p15:guide>
+      </p15:sldGuideLst>
+    </p:ext>
+  </p:extLst>
 </p:presentation>
 </file>
 
@@ -3023,15 +3039,7 @@
                   <a:schemeClr val="bg1"/>
                 </a:solidFill>
               </a:rPr>
-              <a:t>Spectral </a:t>
-            </a:r>
-            <a:r>
-              <a:rPr lang="en-US" altLang="ko-KR" dirty="0" smtClean="0">
-                <a:solidFill>
-                  <a:schemeClr val="bg1"/>
-                </a:solidFill>
-              </a:rPr>
-              <a:t>Clustering</a:t>
+              <a:t>Spectral Clustering</a:t>
             </a:r>
             <a:endParaRPr lang="ko-KR" altLang="en-US" dirty="0">
               <a:solidFill>
@@ -3096,6 +3104,13 @@
   <p:clrMapOvr>
     <a:masterClrMapping/>
   </p:clrMapOvr>
+  <p:timing>
+    <p:tnLst>
+      <p:par>
+        <p:cTn id="1" dur="indefinite" restart="never" nodeType="tmRoot"/>
+      </p:par>
+    </p:tnLst>
+  </p:timing>
 </p:sld>
 </file>
 
@@ -4895,6 +4910,13 @@
   <p:clrMapOvr>
     <a:masterClrMapping/>
   </p:clrMapOvr>
+  <p:timing>
+    <p:tnLst>
+      <p:par>
+        <p:cTn id="1" dur="indefinite" restart="never" nodeType="tmRoot"/>
+      </p:par>
+    </p:tnLst>
+  </p:timing>
 </p:sld>
 </file>
 
@@ -5311,6 +5333,13 @@
   <p:clrMapOvr>
     <a:masterClrMapping/>
   </p:clrMapOvr>
+  <p:timing>
+    <p:tnLst>
+      <p:par>
+        <p:cTn id="1" dur="indefinite" restart="never" nodeType="tmRoot"/>
+      </p:par>
+    </p:tnLst>
+  </p:timing>
 </p:sld>
 </file>
 
@@ -5991,10 +6020,10 @@
         </p:nvGrpSpPr>
         <p:grpSpPr>
           <a:xfrm>
-            <a:off x="754790" y="1600200"/>
-            <a:ext cx="10613425" cy="3657600"/>
-            <a:chOff x="754790" y="1748645"/>
-            <a:chExt cx="10613425" cy="3657600"/>
+            <a:off x="949569" y="1855176"/>
+            <a:ext cx="10418646" cy="3314701"/>
+            <a:chOff x="949569" y="2003621"/>
+            <a:chExt cx="10418646" cy="3314701"/>
           </a:xfrm>
         </p:grpSpPr>
         <p:pic>
@@ -6005,7 +6034,7 @@
             </p:cNvPicPr>
             <p:nvPr/>
           </p:nvPicPr>
-          <p:blipFill>
+          <p:blipFill rotWithShape="1">
             <a:blip r:embed="rId2">
               <a:extLst>
                 <a:ext uri="{28A0092B-C50C-407E-A947-70E740481C1C}">
@@ -6013,15 +6042,13 @@
                 </a:ext>
               </a:extLst>
             </a:blip>
-            <a:srcRect/>
-            <a:stretch>
-              <a:fillRect/>
-            </a:stretch>
+            <a:srcRect l="4605" t="6972" r="2879" b="2404"/>
+            <a:stretch/>
           </p:blipFill>
           <p:spPr bwMode="auto">
             <a:xfrm>
-              <a:off x="754790" y="1748645"/>
-              <a:ext cx="4229100" cy="3657600"/>
+              <a:off x="949569" y="2003621"/>
+              <a:ext cx="3912578" cy="3314701"/>
             </a:xfrm>
             <a:prstGeom prst="rect">
               <a:avLst/>
@@ -7150,11 +7177,9 @@
             <a:avLst/>
           </a:prstGeom>
           <a:solidFill>
-            <a:schemeClr val="accent4">
-              <a:lumMod val="20000"/>
-              <a:lumOff val="80000"/>
+            <a:srgbClr val="FFF2CC">
               <a:alpha val="70000"/>
-            </a:schemeClr>
+            </a:srgbClr>
           </a:solidFill>
         </p:spPr>
         <p:txBody>
@@ -7426,6 +7451,13 @@
   <p:clrMapOvr>
     <a:masterClrMapping/>
   </p:clrMapOvr>
+  <p:timing>
+    <p:tnLst>
+      <p:par>
+        <p:cTn id="1" dur="indefinite" restart="never" nodeType="tmRoot"/>
+      </p:par>
+    </p:tnLst>
+  </p:timing>
 </p:sld>
 </file>
 
@@ -7856,6 +7888,13 @@
   <p:clrMapOvr>
     <a:masterClrMapping/>
   </p:clrMapOvr>
+  <p:timing>
+    <p:tnLst>
+      <p:par>
+        <p:cTn id="1" dur="indefinite" restart="never" nodeType="tmRoot"/>
+      </p:par>
+    </p:tnLst>
+  </p:timing>
 </p:sld>
 </file>
 
@@ -7907,15 +7946,7 @@
                   <a:schemeClr val="bg1"/>
                 </a:solidFill>
               </a:rPr>
-              <a:t>Affinity </a:t>
-            </a:r>
-            <a:r>
-              <a:rPr lang="en-US" altLang="ko-KR" sz="2400" dirty="0" smtClean="0">
-                <a:solidFill>
-                  <a:schemeClr val="bg1"/>
-                </a:solidFill>
-              </a:rPr>
-              <a:t>Matrix</a:t>
+              <a:t>Affinity Matrix</a:t>
             </a:r>
             <a:endParaRPr lang="ko-KR" altLang="en-US" sz="2400" dirty="0">
               <a:solidFill>
@@ -7954,11 +7985,9 @@
               <a:avLst/>
             </a:prstGeom>
             <a:solidFill>
-              <a:schemeClr val="accent4">
-                <a:lumMod val="20000"/>
-                <a:lumOff val="80000"/>
+              <a:srgbClr val="FFF2CC">
                 <a:alpha val="70000"/>
-              </a:schemeClr>
+              </a:srgbClr>
             </a:solidFill>
           </p:spPr>
           <p:txBody>
@@ -8207,11 +8236,9 @@
               <a:avLst/>
             </a:prstGeom>
             <a:solidFill>
-              <a:schemeClr val="accent4">
-                <a:lumMod val="20000"/>
-                <a:lumOff val="80000"/>
+              <a:srgbClr val="FFF2CC">
                 <a:alpha val="70000"/>
-              </a:schemeClr>
+              </a:srgbClr>
             </a:solidFill>
           </p:spPr>
           <p:txBody>
@@ -8415,6 +8442,13 @@
   <p:clrMapOvr>
     <a:masterClrMapping/>
   </p:clrMapOvr>
+  <p:timing>
+    <p:tnLst>
+      <p:par>
+        <p:cTn id="1" dur="indefinite" restart="never" nodeType="tmRoot"/>
+      </p:par>
+    </p:tnLst>
+  </p:timing>
 </p:sld>
 </file>
 
@@ -8617,24 +8651,8 @@
                 <a:t>알려져 있다</a:t>
               </a:r>
               <a:r>
-                <a:rPr lang="en-US" altLang="ko-KR" dirty="0"/>
-                <a:t>. </a:t>
-              </a:r>
-              <a:r>
                 <a:rPr lang="en-US" altLang="ko-KR" dirty="0" smtClean="0"/>
-                <a:t>(d</a:t>
-              </a:r>
-              <a:r>
-                <a:rPr lang="ko-KR" altLang="en-US" dirty="0"/>
-                <a:t>는 데이터의 차원을 </a:t>
-              </a:r>
-              <a:r>
-                <a:rPr lang="ko-KR" altLang="en-US" dirty="0" smtClean="0"/>
-                <a:t>의미</a:t>
-              </a:r>
-              <a:r>
-                <a:rPr lang="en-US" altLang="ko-KR" dirty="0" smtClean="0"/>
-                <a:t>)</a:t>
+                <a:t>.</a:t>
               </a:r>
               <a:endParaRPr lang="ko-KR" altLang="en-US" dirty="0"/>
             </a:p>
@@ -8793,6 +8811,13 @@
   <p:clrMapOvr>
     <a:masterClrMapping/>
   </p:clrMapOvr>
+  <p:timing>
+    <p:tnLst>
+      <p:par>
+        <p:cTn id="1" dur="indefinite" restart="never" nodeType="tmRoot"/>
+      </p:par>
+    </p:tnLst>
+  </p:timing>
 </p:sld>
 </file>
 
@@ -8844,15 +8869,7 @@
                   <a:schemeClr val="bg1"/>
                 </a:solidFill>
               </a:rPr>
-              <a:t>Graph </a:t>
-            </a:r>
-            <a:r>
-              <a:rPr lang="en-US" altLang="ko-KR" sz="2400" dirty="0" smtClean="0">
-                <a:solidFill>
-                  <a:schemeClr val="bg1"/>
-                </a:solidFill>
-              </a:rPr>
-              <a:t>building</a:t>
+              <a:t>Graph building</a:t>
             </a:r>
             <a:endParaRPr lang="ko-KR" altLang="en-US" sz="2400" dirty="0">
               <a:solidFill>
@@ -9150,11 +9167,9 @@
                   <a:avLst/>
                 </a:prstGeom>
                 <a:solidFill>
-                  <a:schemeClr val="accent4">
-                    <a:lumMod val="20000"/>
-                    <a:lumOff val="80000"/>
+                  <a:srgbClr val="FFF2CC">
                     <a:alpha val="70000"/>
-                  </a:schemeClr>
+                  </a:srgbClr>
                 </a:solidFill>
               </p:spPr>
               <p:txBody>
@@ -9236,11 +9251,9 @@
                   <a:avLst/>
                 </a:prstGeom>
                 <a:solidFill>
-                  <a:schemeClr val="accent4">
-                    <a:lumMod val="20000"/>
-                    <a:lumOff val="80000"/>
+                  <a:srgbClr val="FFF2CC">
                     <a:alpha val="70000"/>
-                  </a:schemeClr>
+                  </a:srgbClr>
                 </a:solidFill>
               </p:spPr>
               <p:txBody>
@@ -9305,11 +9318,7 @@
                   </a:r>
                   <a:r>
                     <a:rPr lang="ko-KR" altLang="en-US" dirty="0" smtClean="0"/>
-                    <a:t> </a:t>
-                  </a:r>
-                  <a:r>
-                    <a:rPr lang="ko-KR" altLang="en-US" dirty="0" smtClean="0"/>
-                    <a:t>연결</a:t>
+                    <a:t> 연결</a:t>
                   </a:r>
                   <a:endParaRPr lang="en-US" altLang="ko-KR" dirty="0" smtClean="0"/>
                 </a:p>
@@ -9330,11 +9339,9 @@
                   <a:avLst/>
                 </a:prstGeom>
                 <a:solidFill>
-                  <a:schemeClr val="accent4">
-                    <a:lumMod val="20000"/>
-                    <a:lumOff val="80000"/>
+                  <a:srgbClr val="FFF2CC">
                     <a:alpha val="70000"/>
-                  </a:schemeClr>
+                  </a:srgbClr>
                 </a:solidFill>
               </p:spPr>
               <p:txBody>
@@ -9371,11 +9378,7 @@
                   </a:pPr>
                   <a:r>
                     <a:rPr lang="ko-KR" altLang="en-US" dirty="0" smtClean="0"/>
-                    <a:t>각 </a:t>
-                  </a:r>
-                  <a:r>
-                    <a:rPr lang="ko-KR" altLang="en-US" dirty="0" smtClean="0"/>
-                    <a:t>노드 주변 </a:t>
+                    <a:t>각 노드 주변 </a:t>
                   </a:r>
                   <a:r>
                     <a:rPr lang="en-US" altLang="ko-KR" dirty="0" smtClean="0"/>
@@ -9383,11 +9386,7 @@
                   </a:r>
                   <a:r>
                     <a:rPr lang="ko-KR" altLang="en-US" dirty="0" smtClean="0"/>
-                    <a:t>개의 </a:t>
-                  </a:r>
-                  <a:r>
-                    <a:rPr lang="ko-KR" altLang="en-US" dirty="0" smtClean="0"/>
-                    <a:t>이웃들만</a:t>
+                    <a:t>개의 이웃들만</a:t>
                   </a:r>
                   <a:endParaRPr lang="en-US" altLang="ko-KR" dirty="0" smtClean="0"/>
                 </a:p>
@@ -9403,11 +9402,7 @@
                   </a:r>
                   <a:r>
                     <a:rPr lang="ko-KR" altLang="en-US" dirty="0" smtClean="0"/>
-                    <a:t> </a:t>
-                  </a:r>
-                  <a:r>
-                    <a:rPr lang="ko-KR" altLang="en-US" dirty="0" smtClean="0"/>
-                    <a:t>연결</a:t>
+                    <a:t> 연결</a:t>
                   </a:r>
                   <a:endParaRPr lang="en-US" altLang="ko-KR" dirty="0" smtClean="0"/>
                 </a:p>
@@ -10090,15 +10085,7 @@
               <a:headEnd/>
               <a:tailEnd/>
             </a:ln>
-            <a:extLst>
-              <a:ext uri="{909E8E84-426E-40DD-AFC4-6F175D3DCCD1}">
-                <a14:hiddenFill xmlns:a14="http://schemas.microsoft.com/office/drawing/2010/main">
-                  <a:solidFill>
-                    <a:schemeClr val="accent1"/>
-                  </a:solidFill>
-                </a14:hiddenFill>
-              </a:ext>
-            </a:extLst>
+            <a:extLst/>
           </p:spPr>
         </p:pic>
         <p:pic>
@@ -10137,15 +10124,7 @@
               <a:headEnd/>
               <a:tailEnd/>
             </a:ln>
-            <a:extLst>
-              <a:ext uri="{909E8E84-426E-40DD-AFC4-6F175D3DCCD1}">
-                <a14:hiddenFill xmlns:a14="http://schemas.microsoft.com/office/drawing/2010/main">
-                  <a:solidFill>
-                    <a:schemeClr val="accent1"/>
-                  </a:solidFill>
-                </a14:hiddenFill>
-              </a:ext>
-            </a:extLst>
+            <a:extLst/>
           </p:spPr>
         </p:pic>
       </p:grpSp>
@@ -10473,7 +10452,7 @@
   <a:extraClrSchemeLst/>
   <a:extLst>
     <a:ext uri="{05A4C25C-085E-4340-85A3-A5531E510DB2}">
-      <thm15:themeFamily xmlns:thm15="http://schemas.microsoft.com/office/thememl/2012/main" xmlns="" name="Office Theme" id="{62F939B6-93AF-4DB8-9C6B-D6C7DFDC589F}" vid="{4A3C46E8-61CC-4603-A589-7422A47A8E4A}"/>
+      <thm15:themeFamily xmlns:thm15="http://schemas.microsoft.com/office/thememl/2012/main" name="Office Theme" id="{62F939B6-93AF-4DB8-9C6B-D6C7DFDC589F}" vid="{4A3C46E8-61CC-4603-A589-7422A47A8E4A}"/>
     </a:ext>
   </a:extLst>
 </a:theme>

--- a/Purrsong/Spectral Clustering_190822.pptx
+++ b/Purrsong/Spectral Clustering_190822.pptx
@@ -271,7 +271,7 @@
           <a:p>
             <a:fld id="{C4ACB59C-429A-444C-97E1-705BD8041C33}" type="datetimeFigureOut">
               <a:rPr lang="ko-KR" altLang="en-US" smtClean="0"/>
-              <a:t>2019-08-23</a:t>
+              <a:t>2019-08-25</a:t>
             </a:fld>
             <a:endParaRPr lang="ko-KR" altLang="en-US"/>
           </a:p>
@@ -441,7 +441,7 @@
           <a:p>
             <a:fld id="{C4ACB59C-429A-444C-97E1-705BD8041C33}" type="datetimeFigureOut">
               <a:rPr lang="ko-KR" altLang="en-US" smtClean="0"/>
-              <a:t>2019-08-23</a:t>
+              <a:t>2019-08-25</a:t>
             </a:fld>
             <a:endParaRPr lang="ko-KR" altLang="en-US"/>
           </a:p>
@@ -621,7 +621,7 @@
           <a:p>
             <a:fld id="{C4ACB59C-429A-444C-97E1-705BD8041C33}" type="datetimeFigureOut">
               <a:rPr lang="ko-KR" altLang="en-US" smtClean="0"/>
-              <a:t>2019-08-23</a:t>
+              <a:t>2019-08-25</a:t>
             </a:fld>
             <a:endParaRPr lang="ko-KR" altLang="en-US"/>
           </a:p>
@@ -791,7 +791,7 @@
           <a:p>
             <a:fld id="{C4ACB59C-429A-444C-97E1-705BD8041C33}" type="datetimeFigureOut">
               <a:rPr lang="ko-KR" altLang="en-US" smtClean="0"/>
-              <a:t>2019-08-23</a:t>
+              <a:t>2019-08-25</a:t>
             </a:fld>
             <a:endParaRPr lang="ko-KR" altLang="en-US"/>
           </a:p>
@@ -1037,7 +1037,7 @@
           <a:p>
             <a:fld id="{C4ACB59C-429A-444C-97E1-705BD8041C33}" type="datetimeFigureOut">
               <a:rPr lang="ko-KR" altLang="en-US" smtClean="0"/>
-              <a:t>2019-08-23</a:t>
+              <a:t>2019-08-25</a:t>
             </a:fld>
             <a:endParaRPr lang="ko-KR" altLang="en-US"/>
           </a:p>
@@ -1269,7 +1269,7 @@
           <a:p>
             <a:fld id="{C4ACB59C-429A-444C-97E1-705BD8041C33}" type="datetimeFigureOut">
               <a:rPr lang="ko-KR" altLang="en-US" smtClean="0"/>
-              <a:t>2019-08-23</a:t>
+              <a:t>2019-08-25</a:t>
             </a:fld>
             <a:endParaRPr lang="ko-KR" altLang="en-US"/>
           </a:p>
@@ -1636,7 +1636,7 @@
           <a:p>
             <a:fld id="{C4ACB59C-429A-444C-97E1-705BD8041C33}" type="datetimeFigureOut">
               <a:rPr lang="ko-KR" altLang="en-US" smtClean="0"/>
-              <a:t>2019-08-23</a:t>
+              <a:t>2019-08-25</a:t>
             </a:fld>
             <a:endParaRPr lang="ko-KR" altLang="en-US"/>
           </a:p>
@@ -1754,7 +1754,7 @@
           <a:p>
             <a:fld id="{C4ACB59C-429A-444C-97E1-705BD8041C33}" type="datetimeFigureOut">
               <a:rPr lang="ko-KR" altLang="en-US" smtClean="0"/>
-              <a:t>2019-08-23</a:t>
+              <a:t>2019-08-25</a:t>
             </a:fld>
             <a:endParaRPr lang="ko-KR" altLang="en-US"/>
           </a:p>
@@ -1849,7 +1849,7 @@
           <a:p>
             <a:fld id="{C4ACB59C-429A-444C-97E1-705BD8041C33}" type="datetimeFigureOut">
               <a:rPr lang="ko-KR" altLang="en-US" smtClean="0"/>
-              <a:t>2019-08-23</a:t>
+              <a:t>2019-08-25</a:t>
             </a:fld>
             <a:endParaRPr lang="ko-KR" altLang="en-US"/>
           </a:p>
@@ -2126,7 +2126,7 @@
           <a:p>
             <a:fld id="{C4ACB59C-429A-444C-97E1-705BD8041C33}" type="datetimeFigureOut">
               <a:rPr lang="ko-KR" altLang="en-US" smtClean="0"/>
-              <a:t>2019-08-23</a:t>
+              <a:t>2019-08-25</a:t>
             </a:fld>
             <a:endParaRPr lang="ko-KR" altLang="en-US"/>
           </a:p>
@@ -2379,7 +2379,7 @@
           <a:p>
             <a:fld id="{C4ACB59C-429A-444C-97E1-705BD8041C33}" type="datetimeFigureOut">
               <a:rPr lang="ko-KR" altLang="en-US" smtClean="0"/>
-              <a:t>2019-08-23</a:t>
+              <a:t>2019-08-25</a:t>
             </a:fld>
             <a:endParaRPr lang="ko-KR" altLang="en-US"/>
           </a:p>
@@ -2592,7 +2592,7 @@
           <a:p>
             <a:fld id="{C4ACB59C-429A-444C-97E1-705BD8041C33}" type="datetimeFigureOut">
               <a:rPr lang="ko-KR" altLang="en-US" smtClean="0"/>
-              <a:t>2019-08-23</a:t>
+              <a:t>2019-08-25</a:t>
             </a:fld>
             <a:endParaRPr lang="ko-KR" altLang="en-US"/>
           </a:p>
@@ -6328,7 +6328,7 @@
         </p:nvGrpSpPr>
         <p:grpSpPr>
           <a:xfrm>
-            <a:off x="617644" y="1378707"/>
+            <a:off x="617644" y="1422667"/>
             <a:ext cx="10997104" cy="4496010"/>
             <a:chOff x="617644" y="1230764"/>
             <a:chExt cx="10997104" cy="4496010"/>
